--- a/MemoCards_Ite1.pptx
+++ b/MemoCards_Ite1.pptx
@@ -1,28 +1,123 @@
 
 <file path=ppt/presentation.xml><?xml version="1.0" encoding="utf-8"?>
-<p:presentation xmlns:a="http://schemas.openxmlformats.org/drawingml/2006/main" xmlns:p="http://schemas.openxmlformats.org/presentationml/2006/main" xmlns:r="http://schemas.openxmlformats.org/officeDocument/2006/relationships" xmlns:p14="http://schemas.microsoft.com/office/powerpoint/2010/main" xmlns:p15="http://schemas.microsoft.com/office/powerpoint/2012/main" xmlns:mc="http://schemas.openxmlformats.org/markup-compatibility/2006">
+<p:presentation xmlns:a="http://schemas.openxmlformats.org/drawingml/2006/main" xmlns:r="http://schemas.openxmlformats.org/officeDocument/2006/relationships" xmlns:p="http://schemas.openxmlformats.org/presentationml/2006/main">
   <p:sldMasterIdLst>
-    <p:sldMasterId id="2147483648" r:id="rId2"/>
-    <p:sldMasterId id="2147483661" r:id="rId3"/>
+    <p:sldMasterId id="2147483648" r:id="rId1"/>
+    <p:sldMasterId id="2147483661" r:id="rId2"/>
   </p:sldMasterIdLst>
   <p:sldIdLst>
-    <p:sldId id="256" r:id="rId4"/>
-    <p:sldId id="257" r:id="rId5"/>
-    <p:sldId id="258" r:id="rId6"/>
-    <p:sldId id="259" r:id="rId7"/>
-    <p:sldId id="260" r:id="rId8"/>
-    <p:sldId id="261" r:id="rId9"/>
-    <p:sldId id="262" r:id="rId10"/>
-    <p:sldId id="263" r:id="rId11"/>
-    <p:sldId id="264" r:id="rId12"/>
+    <p:sldId id="256" r:id="rId3"/>
+    <p:sldId id="257" r:id="rId4"/>
+    <p:sldId id="258" r:id="rId5"/>
+    <p:sldId id="259" r:id="rId6"/>
+    <p:sldId id="260" r:id="rId7"/>
+    <p:sldId id="261" r:id="rId8"/>
+    <p:sldId id="262" r:id="rId9"/>
+    <p:sldId id="263" r:id="rId10"/>
+    <p:sldId id="264" r:id="rId11"/>
   </p:sldIdLst>
   <p:sldSz cx="12192000" cy="6858000"/>
-  <p:notesSz cx="7559675" cy="10691812"/>
+  <p:notesSz cx="7559675" cy="10691813"/>
+  <p:defaultTextStyle>
+    <a:defPPr>
+      <a:defRPr lang="fr-FR"/>
+    </a:defPPr>
+    <a:lvl1pPr marL="0" algn="l" defTabSz="914400" rtl="0" eaLnBrk="1" latinLnBrk="0" hangingPunct="1">
+      <a:defRPr sz="1800" kern="1200">
+        <a:solidFill>
+          <a:schemeClr val="tx1"/>
+        </a:solidFill>
+        <a:latin typeface="+mn-lt"/>
+        <a:ea typeface="+mn-ea"/>
+        <a:cs typeface="+mn-cs"/>
+      </a:defRPr>
+    </a:lvl1pPr>
+    <a:lvl2pPr marL="457200" algn="l" defTabSz="914400" rtl="0" eaLnBrk="1" latinLnBrk="0" hangingPunct="1">
+      <a:defRPr sz="1800" kern="1200">
+        <a:solidFill>
+          <a:schemeClr val="tx1"/>
+        </a:solidFill>
+        <a:latin typeface="+mn-lt"/>
+        <a:ea typeface="+mn-ea"/>
+        <a:cs typeface="+mn-cs"/>
+      </a:defRPr>
+    </a:lvl2pPr>
+    <a:lvl3pPr marL="914400" algn="l" defTabSz="914400" rtl="0" eaLnBrk="1" latinLnBrk="0" hangingPunct="1">
+      <a:defRPr sz="1800" kern="1200">
+        <a:solidFill>
+          <a:schemeClr val="tx1"/>
+        </a:solidFill>
+        <a:latin typeface="+mn-lt"/>
+        <a:ea typeface="+mn-ea"/>
+        <a:cs typeface="+mn-cs"/>
+      </a:defRPr>
+    </a:lvl3pPr>
+    <a:lvl4pPr marL="1371600" algn="l" defTabSz="914400" rtl="0" eaLnBrk="1" latinLnBrk="0" hangingPunct="1">
+      <a:defRPr sz="1800" kern="1200">
+        <a:solidFill>
+          <a:schemeClr val="tx1"/>
+        </a:solidFill>
+        <a:latin typeface="+mn-lt"/>
+        <a:ea typeface="+mn-ea"/>
+        <a:cs typeface="+mn-cs"/>
+      </a:defRPr>
+    </a:lvl4pPr>
+    <a:lvl5pPr marL="1828800" algn="l" defTabSz="914400" rtl="0" eaLnBrk="1" latinLnBrk="0" hangingPunct="1">
+      <a:defRPr sz="1800" kern="1200">
+        <a:solidFill>
+          <a:schemeClr val="tx1"/>
+        </a:solidFill>
+        <a:latin typeface="+mn-lt"/>
+        <a:ea typeface="+mn-ea"/>
+        <a:cs typeface="+mn-cs"/>
+      </a:defRPr>
+    </a:lvl5pPr>
+    <a:lvl6pPr marL="2286000" algn="l" defTabSz="914400" rtl="0" eaLnBrk="1" latinLnBrk="0" hangingPunct="1">
+      <a:defRPr sz="1800" kern="1200">
+        <a:solidFill>
+          <a:schemeClr val="tx1"/>
+        </a:solidFill>
+        <a:latin typeface="+mn-lt"/>
+        <a:ea typeface="+mn-ea"/>
+        <a:cs typeface="+mn-cs"/>
+      </a:defRPr>
+    </a:lvl6pPr>
+    <a:lvl7pPr marL="2743200" algn="l" defTabSz="914400" rtl="0" eaLnBrk="1" latinLnBrk="0" hangingPunct="1">
+      <a:defRPr sz="1800" kern="1200">
+        <a:solidFill>
+          <a:schemeClr val="tx1"/>
+        </a:solidFill>
+        <a:latin typeface="+mn-lt"/>
+        <a:ea typeface="+mn-ea"/>
+        <a:cs typeface="+mn-cs"/>
+      </a:defRPr>
+    </a:lvl7pPr>
+    <a:lvl8pPr marL="3200400" algn="l" defTabSz="914400" rtl="0" eaLnBrk="1" latinLnBrk="0" hangingPunct="1">
+      <a:defRPr sz="1800" kern="1200">
+        <a:solidFill>
+          <a:schemeClr val="tx1"/>
+        </a:solidFill>
+        <a:latin typeface="+mn-lt"/>
+        <a:ea typeface="+mn-ea"/>
+        <a:cs typeface="+mn-cs"/>
+      </a:defRPr>
+    </a:lvl8pPr>
+    <a:lvl9pPr marL="3657600" algn="l" defTabSz="914400" rtl="0" eaLnBrk="1" latinLnBrk="0" hangingPunct="1">
+      <a:defRPr sz="1800" kern="1200">
+        <a:solidFill>
+          <a:schemeClr val="tx1"/>
+        </a:solidFill>
+        <a:latin typeface="+mn-lt"/>
+        <a:ea typeface="+mn-ea"/>
+        <a:cs typeface="+mn-cs"/>
+      </a:defRPr>
+    </a:lvl9pPr>
+  </p:defaultTextStyle>
 </p:presentation>
 </file>
 
 <file path=ppt/slideLayouts/slideLayout1.xml><?xml version="1.0" encoding="utf-8"?>
-<p:sldLayout xmlns:a="http://schemas.openxmlformats.org/drawingml/2006/main" xmlns:p="http://schemas.openxmlformats.org/presentationml/2006/main" xmlns:r="http://schemas.openxmlformats.org/officeDocument/2006/relationships" xmlns:p14="http://schemas.microsoft.com/office/powerpoint/2010/main" xmlns:p15="http://schemas.microsoft.com/office/powerpoint/2012/main" xmlns:mc="http://schemas.openxmlformats.org/markup-compatibility/2006" type="blank" preserve="1">
+<p:sldLayout xmlns:a="http://schemas.openxmlformats.org/drawingml/2006/main" xmlns:r="http://schemas.openxmlformats.org/officeDocument/2006/relationships" xmlns:p="http://schemas.openxmlformats.org/presentationml/2006/main" type="blank" preserve="1">
   <p:cSld name="Blank Slide">
     <p:spTree>
       <p:nvGrpSpPr>
@@ -40,11 +135,14 @@
       </p:grpSpPr>
     </p:spTree>
   </p:cSld>
+  <p:clrMapOvr>
+    <a:masterClrMapping/>
+  </p:clrMapOvr>
 </p:sldLayout>
 </file>
 
 <file path=ppt/slideLayouts/slideLayout10.xml><?xml version="1.0" encoding="utf-8"?>
-<p:sldLayout xmlns:a="http://schemas.openxmlformats.org/drawingml/2006/main" xmlns:p="http://schemas.openxmlformats.org/presentationml/2006/main" xmlns:r="http://schemas.openxmlformats.org/officeDocument/2006/relationships" xmlns:p14="http://schemas.microsoft.com/office/powerpoint/2010/main" xmlns:p15="http://schemas.microsoft.com/office/powerpoint/2012/main" xmlns:mc="http://schemas.openxmlformats.org/markup-compatibility/2006" type="objOverTx" preserve="1">
+<p:sldLayout xmlns:a="http://schemas.openxmlformats.org/drawingml/2006/main" xmlns:r="http://schemas.openxmlformats.org/officeDocument/2006/relationships" xmlns:p="http://schemas.openxmlformats.org/presentationml/2006/main" type="objOverTx" preserve="1">
   <p:cSld name="Title, Content over Content">
     <p:spTree>
       <p:nvGrpSpPr>
@@ -80,9 +178,10 @@
           </a:prstGeom>
         </p:spPr>
         <p:txBody>
-          <a:bodyPr lIns="0" rIns="0" tIns="0" bIns="0" anchor="ctr"/>
-          <a:p>
-            <a:endParaRPr b="0" lang="fr-FR" sz="1800" spc="-1" strike="noStrike">
+          <a:bodyPr lIns="0" tIns="0" rIns="0" bIns="0" anchor="ctr"/>
+          <a:lstStyle/>
+          <a:p>
+            <a:endParaRPr lang="fr-FR" sz="1800" b="0" strike="noStrike" spc="-1">
               <a:solidFill>
                 <a:srgbClr val="000000"/>
               </a:solidFill>
@@ -111,11 +210,12 @@
           </a:prstGeom>
         </p:spPr>
         <p:txBody>
-          <a:bodyPr lIns="0" rIns="0" tIns="0" bIns="0">
+          <a:bodyPr lIns="0" tIns="0" rIns="0" bIns="0">
             <a:normAutofit/>
           </a:bodyPr>
-          <a:p>
-            <a:endParaRPr b="0" lang="fr-FR" sz="2800" spc="-1" strike="noStrike">
+          <a:lstStyle/>
+          <a:p>
+            <a:endParaRPr lang="fr-FR" sz="2800" b="0" strike="noStrike" spc="-1">
               <a:solidFill>
                 <a:srgbClr val="000000"/>
               </a:solidFill>
@@ -144,11 +244,12 @@
           </a:prstGeom>
         </p:spPr>
         <p:txBody>
-          <a:bodyPr lIns="0" rIns="0" tIns="0" bIns="0">
+          <a:bodyPr lIns="0" tIns="0" rIns="0" bIns="0">
             <a:normAutofit/>
           </a:bodyPr>
-          <a:p>
-            <a:endParaRPr b="0" lang="fr-FR" sz="2800" spc="-1" strike="noStrike">
+          <a:lstStyle/>
+          <a:p>
+            <a:endParaRPr lang="fr-FR" sz="2800" b="0" strike="noStrike" spc="-1">
               <a:solidFill>
                 <a:srgbClr val="000000"/>
               </a:solidFill>
@@ -159,11 +260,14 @@
       </p:sp>
     </p:spTree>
   </p:cSld>
+  <p:clrMapOvr>
+    <a:masterClrMapping/>
+  </p:clrMapOvr>
 </p:sldLayout>
 </file>
 
 <file path=ppt/slideLayouts/slideLayout11.xml><?xml version="1.0" encoding="utf-8"?>
-<p:sldLayout xmlns:a="http://schemas.openxmlformats.org/drawingml/2006/main" xmlns:p="http://schemas.openxmlformats.org/presentationml/2006/main" xmlns:r="http://schemas.openxmlformats.org/officeDocument/2006/relationships" xmlns:p14="http://schemas.microsoft.com/office/powerpoint/2010/main" xmlns:p15="http://schemas.microsoft.com/office/powerpoint/2012/main" xmlns:mc="http://schemas.openxmlformats.org/markup-compatibility/2006" type="fourObj" preserve="1">
+<p:sldLayout xmlns:a="http://schemas.openxmlformats.org/drawingml/2006/main" xmlns:r="http://schemas.openxmlformats.org/officeDocument/2006/relationships" xmlns:p="http://schemas.openxmlformats.org/presentationml/2006/main" type="fourObj" preserve="1">
   <p:cSld name="Title, 4 Content">
     <p:spTree>
       <p:nvGrpSpPr>
@@ -199,9 +303,10 @@
           </a:prstGeom>
         </p:spPr>
         <p:txBody>
-          <a:bodyPr lIns="0" rIns="0" tIns="0" bIns="0" anchor="ctr"/>
-          <a:p>
-            <a:endParaRPr b="0" lang="fr-FR" sz="1800" spc="-1" strike="noStrike">
+          <a:bodyPr lIns="0" tIns="0" rIns="0" bIns="0" anchor="ctr"/>
+          <a:lstStyle/>
+          <a:p>
+            <a:endParaRPr lang="fr-FR" sz="1800" b="0" strike="noStrike" spc="-1">
               <a:solidFill>
                 <a:srgbClr val="000000"/>
               </a:solidFill>
@@ -230,11 +335,12 @@
           </a:prstGeom>
         </p:spPr>
         <p:txBody>
-          <a:bodyPr lIns="0" rIns="0" tIns="0" bIns="0">
+          <a:bodyPr lIns="0" tIns="0" rIns="0" bIns="0">
             <a:normAutofit/>
           </a:bodyPr>
-          <a:p>
-            <a:endParaRPr b="0" lang="fr-FR" sz="2800" spc="-1" strike="noStrike">
+          <a:lstStyle/>
+          <a:p>
+            <a:endParaRPr lang="fr-FR" sz="2800" b="0" strike="noStrike" spc="-1">
               <a:solidFill>
                 <a:srgbClr val="000000"/>
               </a:solidFill>
@@ -263,11 +369,12 @@
           </a:prstGeom>
         </p:spPr>
         <p:txBody>
-          <a:bodyPr lIns="0" rIns="0" tIns="0" bIns="0">
+          <a:bodyPr lIns="0" tIns="0" rIns="0" bIns="0">
             <a:normAutofit/>
           </a:bodyPr>
-          <a:p>
-            <a:endParaRPr b="0" lang="fr-FR" sz="2800" spc="-1" strike="noStrike">
+          <a:lstStyle/>
+          <a:p>
+            <a:endParaRPr lang="fr-FR" sz="2800" b="0" strike="noStrike" spc="-1">
               <a:solidFill>
                 <a:srgbClr val="000000"/>
               </a:solidFill>
@@ -296,11 +403,12 @@
           </a:prstGeom>
         </p:spPr>
         <p:txBody>
-          <a:bodyPr lIns="0" rIns="0" tIns="0" bIns="0">
+          <a:bodyPr lIns="0" tIns="0" rIns="0" bIns="0">
             <a:normAutofit/>
           </a:bodyPr>
-          <a:p>
-            <a:endParaRPr b="0" lang="fr-FR" sz="2800" spc="-1" strike="noStrike">
+          <a:lstStyle/>
+          <a:p>
+            <a:endParaRPr lang="fr-FR" sz="2800" b="0" strike="noStrike" spc="-1">
               <a:solidFill>
                 <a:srgbClr val="000000"/>
               </a:solidFill>
@@ -329,11 +437,12 @@
           </a:prstGeom>
         </p:spPr>
         <p:txBody>
-          <a:bodyPr lIns="0" rIns="0" tIns="0" bIns="0">
+          <a:bodyPr lIns="0" tIns="0" rIns="0" bIns="0">
             <a:normAutofit/>
           </a:bodyPr>
-          <a:p>
-            <a:endParaRPr b="0" lang="fr-FR" sz="2800" spc="-1" strike="noStrike">
+          <a:lstStyle/>
+          <a:p>
+            <a:endParaRPr lang="fr-FR" sz="2800" b="0" strike="noStrike" spc="-1">
               <a:solidFill>
                 <a:srgbClr val="000000"/>
               </a:solidFill>
@@ -344,11 +453,14 @@
       </p:sp>
     </p:spTree>
   </p:cSld>
+  <p:clrMapOvr>
+    <a:masterClrMapping/>
+  </p:clrMapOvr>
 </p:sldLayout>
 </file>
 
 <file path=ppt/slideLayouts/slideLayout12.xml><?xml version="1.0" encoding="utf-8"?>
-<p:sldLayout xmlns:a="http://schemas.openxmlformats.org/drawingml/2006/main" xmlns:p="http://schemas.openxmlformats.org/presentationml/2006/main" xmlns:r="http://schemas.openxmlformats.org/officeDocument/2006/relationships" xmlns:p14="http://schemas.microsoft.com/office/powerpoint/2010/main" xmlns:p15="http://schemas.microsoft.com/office/powerpoint/2012/main" xmlns:mc="http://schemas.openxmlformats.org/markup-compatibility/2006" type="blank" preserve="1">
+<p:sldLayout xmlns:a="http://schemas.openxmlformats.org/drawingml/2006/main" xmlns:r="http://schemas.openxmlformats.org/officeDocument/2006/relationships" xmlns:p="http://schemas.openxmlformats.org/presentationml/2006/main" type="blank" preserve="1">
   <p:cSld name="Title, 6 Content">
     <p:spTree>
       <p:nvGrpSpPr>
@@ -384,9 +496,10 @@
           </a:prstGeom>
         </p:spPr>
         <p:txBody>
-          <a:bodyPr lIns="0" rIns="0" tIns="0" bIns="0" anchor="ctr"/>
-          <a:p>
-            <a:endParaRPr b="0" lang="fr-FR" sz="1800" spc="-1" strike="noStrike">
+          <a:bodyPr lIns="0" tIns="0" rIns="0" bIns="0" anchor="ctr"/>
+          <a:lstStyle/>
+          <a:p>
+            <a:endParaRPr lang="fr-FR" sz="1800" b="0" strike="noStrike" spc="-1">
               <a:solidFill>
                 <a:srgbClr val="000000"/>
               </a:solidFill>
@@ -415,11 +528,12 @@
           </a:prstGeom>
         </p:spPr>
         <p:txBody>
-          <a:bodyPr lIns="0" rIns="0" tIns="0" bIns="0">
+          <a:bodyPr lIns="0" tIns="0" rIns="0" bIns="0">
             <a:normAutofit/>
           </a:bodyPr>
-          <a:p>
-            <a:endParaRPr b="0" lang="fr-FR" sz="2800" spc="-1" strike="noStrike">
+          <a:lstStyle/>
+          <a:p>
+            <a:endParaRPr lang="fr-FR" sz="2800" b="0" strike="noStrike" spc="-1">
               <a:solidFill>
                 <a:srgbClr val="000000"/>
               </a:solidFill>
@@ -448,11 +562,12 @@
           </a:prstGeom>
         </p:spPr>
         <p:txBody>
-          <a:bodyPr lIns="0" rIns="0" tIns="0" bIns="0">
+          <a:bodyPr lIns="0" tIns="0" rIns="0" bIns="0">
             <a:normAutofit/>
           </a:bodyPr>
-          <a:p>
-            <a:endParaRPr b="0" lang="fr-FR" sz="2800" spc="-1" strike="noStrike">
+          <a:lstStyle/>
+          <a:p>
+            <a:endParaRPr lang="fr-FR" sz="2800" b="0" strike="noStrike" spc="-1">
               <a:solidFill>
                 <a:srgbClr val="000000"/>
               </a:solidFill>
@@ -481,11 +596,12 @@
           </a:prstGeom>
         </p:spPr>
         <p:txBody>
-          <a:bodyPr lIns="0" rIns="0" tIns="0" bIns="0">
+          <a:bodyPr lIns="0" tIns="0" rIns="0" bIns="0">
             <a:normAutofit/>
           </a:bodyPr>
-          <a:p>
-            <a:endParaRPr b="0" lang="fr-FR" sz="2800" spc="-1" strike="noStrike">
+          <a:lstStyle/>
+          <a:p>
+            <a:endParaRPr lang="fr-FR" sz="2800" b="0" strike="noStrike" spc="-1">
               <a:solidFill>
                 <a:srgbClr val="000000"/>
               </a:solidFill>
@@ -514,11 +630,12 @@
           </a:prstGeom>
         </p:spPr>
         <p:txBody>
-          <a:bodyPr lIns="0" rIns="0" tIns="0" bIns="0">
+          <a:bodyPr lIns="0" tIns="0" rIns="0" bIns="0">
             <a:normAutofit/>
           </a:bodyPr>
-          <a:p>
-            <a:endParaRPr b="0" lang="fr-FR" sz="2800" spc="-1" strike="noStrike">
+          <a:lstStyle/>
+          <a:p>
+            <a:endParaRPr lang="fr-FR" sz="2800" b="0" strike="noStrike" spc="-1">
               <a:solidFill>
                 <a:srgbClr val="000000"/>
               </a:solidFill>
@@ -547,11 +664,12 @@
           </a:prstGeom>
         </p:spPr>
         <p:txBody>
-          <a:bodyPr lIns="0" rIns="0" tIns="0" bIns="0">
+          <a:bodyPr lIns="0" tIns="0" rIns="0" bIns="0">
             <a:normAutofit/>
           </a:bodyPr>
-          <a:p>
-            <a:endParaRPr b="0" lang="fr-FR" sz="2800" spc="-1" strike="noStrike">
+          <a:lstStyle/>
+          <a:p>
+            <a:endParaRPr lang="fr-FR" sz="2800" b="0" strike="noStrike" spc="-1">
               <a:solidFill>
                 <a:srgbClr val="000000"/>
               </a:solidFill>
@@ -580,11 +698,12 @@
           </a:prstGeom>
         </p:spPr>
         <p:txBody>
-          <a:bodyPr lIns="0" rIns="0" tIns="0" bIns="0">
+          <a:bodyPr lIns="0" tIns="0" rIns="0" bIns="0">
             <a:normAutofit/>
           </a:bodyPr>
-          <a:p>
-            <a:endParaRPr b="0" lang="fr-FR" sz="2800" spc="-1" strike="noStrike">
+          <a:lstStyle/>
+          <a:p>
+            <a:endParaRPr lang="fr-FR" sz="2800" b="0" strike="noStrike" spc="-1">
               <a:solidFill>
                 <a:srgbClr val="000000"/>
               </a:solidFill>
@@ -595,11 +714,14 @@
       </p:sp>
     </p:spTree>
   </p:cSld>
+  <p:clrMapOvr>
+    <a:masterClrMapping/>
+  </p:clrMapOvr>
 </p:sldLayout>
 </file>
 
 <file path=ppt/slideLayouts/slideLayout13.xml><?xml version="1.0" encoding="utf-8"?>
-<p:sldLayout xmlns:a="http://schemas.openxmlformats.org/drawingml/2006/main" xmlns:p="http://schemas.openxmlformats.org/presentationml/2006/main" xmlns:r="http://schemas.openxmlformats.org/officeDocument/2006/relationships" xmlns:p14="http://schemas.microsoft.com/office/powerpoint/2010/main" xmlns:p15="http://schemas.microsoft.com/office/powerpoint/2012/main" xmlns:mc="http://schemas.openxmlformats.org/markup-compatibility/2006" type="blank" preserve="1">
+<p:sldLayout xmlns:a="http://schemas.openxmlformats.org/drawingml/2006/main" xmlns:r="http://schemas.openxmlformats.org/officeDocument/2006/relationships" xmlns:p="http://schemas.openxmlformats.org/presentationml/2006/main" type="blank" preserve="1">
   <p:cSld name="Blank Slide">
     <p:spTree>
       <p:nvGrpSpPr>
@@ -617,11 +739,14 @@
       </p:grpSpPr>
     </p:spTree>
   </p:cSld>
+  <p:clrMapOvr>
+    <a:masterClrMapping/>
+  </p:clrMapOvr>
 </p:sldLayout>
 </file>
 
 <file path=ppt/slideLayouts/slideLayout14.xml><?xml version="1.0" encoding="utf-8"?>
-<p:sldLayout xmlns:a="http://schemas.openxmlformats.org/drawingml/2006/main" xmlns:p="http://schemas.openxmlformats.org/presentationml/2006/main" xmlns:r="http://schemas.openxmlformats.org/officeDocument/2006/relationships" xmlns:p14="http://schemas.microsoft.com/office/powerpoint/2010/main" xmlns:p15="http://schemas.microsoft.com/office/powerpoint/2012/main" xmlns:mc="http://schemas.openxmlformats.org/markup-compatibility/2006" type="tx" preserve="1">
+<p:sldLayout xmlns:a="http://schemas.openxmlformats.org/drawingml/2006/main" xmlns:r="http://schemas.openxmlformats.org/officeDocument/2006/relationships" xmlns:p="http://schemas.openxmlformats.org/presentationml/2006/main" type="tx" preserve="1">
   <p:cSld name="Title Slide">
     <p:spTree>
       <p:nvGrpSpPr>
@@ -657,9 +782,10 @@
           </a:prstGeom>
         </p:spPr>
         <p:txBody>
-          <a:bodyPr lIns="0" rIns="0" tIns="0" bIns="0" anchor="ctr"/>
-          <a:p>
-            <a:endParaRPr b="0" lang="fr-FR" sz="1800" spc="-1" strike="noStrike">
+          <a:bodyPr lIns="0" tIns="0" rIns="0" bIns="0" anchor="ctr"/>
+          <a:lstStyle/>
+          <a:p>
+            <a:endParaRPr lang="fr-FR" sz="1800" b="0" strike="noStrike" spc="-1">
               <a:solidFill>
                 <a:srgbClr val="000000"/>
               </a:solidFill>
@@ -688,10 +814,11 @@
           </a:prstGeom>
         </p:spPr>
         <p:txBody>
-          <a:bodyPr lIns="0" rIns="0" tIns="0" bIns="0" anchor="ctr"/>
+          <a:bodyPr lIns="0" tIns="0" rIns="0" bIns="0" anchor="ctr"/>
+          <a:lstStyle/>
           <a:p>
             <a:pPr algn="ctr"/>
-            <a:endParaRPr b="0" lang="fr-FR" sz="3200" spc="-1" strike="noStrike">
+            <a:endParaRPr lang="fr-FR" sz="3200" b="0" strike="noStrike" spc="-1">
               <a:latin typeface="Arial"/>
             </a:endParaRPr>
           </a:p>
@@ -699,11 +826,14 @@
       </p:sp>
     </p:spTree>
   </p:cSld>
+  <p:clrMapOvr>
+    <a:masterClrMapping/>
+  </p:clrMapOvr>
 </p:sldLayout>
 </file>
 
 <file path=ppt/slideLayouts/slideLayout15.xml><?xml version="1.0" encoding="utf-8"?>
-<p:sldLayout xmlns:a="http://schemas.openxmlformats.org/drawingml/2006/main" xmlns:p="http://schemas.openxmlformats.org/presentationml/2006/main" xmlns:r="http://schemas.openxmlformats.org/officeDocument/2006/relationships" xmlns:p14="http://schemas.microsoft.com/office/powerpoint/2010/main" xmlns:p15="http://schemas.microsoft.com/office/powerpoint/2012/main" xmlns:mc="http://schemas.openxmlformats.org/markup-compatibility/2006" type="obj" preserve="1">
+<p:sldLayout xmlns:a="http://schemas.openxmlformats.org/drawingml/2006/main" xmlns:r="http://schemas.openxmlformats.org/officeDocument/2006/relationships" xmlns:p="http://schemas.openxmlformats.org/presentationml/2006/main" type="obj" preserve="1">
   <p:cSld name="Title, Content">
     <p:spTree>
       <p:nvGrpSpPr>
@@ -739,9 +869,10 @@
           </a:prstGeom>
         </p:spPr>
         <p:txBody>
-          <a:bodyPr lIns="0" rIns="0" tIns="0" bIns="0" anchor="ctr"/>
-          <a:p>
-            <a:endParaRPr b="0" lang="fr-FR" sz="1800" spc="-1" strike="noStrike">
+          <a:bodyPr lIns="0" tIns="0" rIns="0" bIns="0" anchor="ctr"/>
+          <a:lstStyle/>
+          <a:p>
+            <a:endParaRPr lang="fr-FR" sz="1800" b="0" strike="noStrike" spc="-1">
               <a:solidFill>
                 <a:srgbClr val="000000"/>
               </a:solidFill>
@@ -770,11 +901,12 @@
           </a:prstGeom>
         </p:spPr>
         <p:txBody>
-          <a:bodyPr lIns="0" rIns="0" tIns="0" bIns="0">
+          <a:bodyPr lIns="0" tIns="0" rIns="0" bIns="0">
             <a:normAutofit/>
           </a:bodyPr>
-          <a:p>
-            <a:endParaRPr b="0" lang="fr-FR" sz="2800" spc="-1" strike="noStrike">
+          <a:lstStyle/>
+          <a:p>
+            <a:endParaRPr lang="fr-FR" sz="2800" b="0" strike="noStrike" spc="-1">
               <a:solidFill>
                 <a:srgbClr val="000000"/>
               </a:solidFill>
@@ -785,11 +917,14 @@
       </p:sp>
     </p:spTree>
   </p:cSld>
+  <p:clrMapOvr>
+    <a:masterClrMapping/>
+  </p:clrMapOvr>
 </p:sldLayout>
 </file>
 
 <file path=ppt/slideLayouts/slideLayout16.xml><?xml version="1.0" encoding="utf-8"?>
-<p:sldLayout xmlns:a="http://schemas.openxmlformats.org/drawingml/2006/main" xmlns:p="http://schemas.openxmlformats.org/presentationml/2006/main" xmlns:r="http://schemas.openxmlformats.org/officeDocument/2006/relationships" xmlns:p14="http://schemas.microsoft.com/office/powerpoint/2010/main" xmlns:p15="http://schemas.microsoft.com/office/powerpoint/2012/main" xmlns:mc="http://schemas.openxmlformats.org/markup-compatibility/2006" type="twoObj" preserve="1">
+<p:sldLayout xmlns:a="http://schemas.openxmlformats.org/drawingml/2006/main" xmlns:r="http://schemas.openxmlformats.org/officeDocument/2006/relationships" xmlns:p="http://schemas.openxmlformats.org/presentationml/2006/main" type="twoObj" preserve="1">
   <p:cSld name="Title, 2 Content">
     <p:spTree>
       <p:nvGrpSpPr>
@@ -825,9 +960,10 @@
           </a:prstGeom>
         </p:spPr>
         <p:txBody>
-          <a:bodyPr lIns="0" rIns="0" tIns="0" bIns="0" anchor="ctr"/>
-          <a:p>
-            <a:endParaRPr b="0" lang="fr-FR" sz="1800" spc="-1" strike="noStrike">
+          <a:bodyPr lIns="0" tIns="0" rIns="0" bIns="0" anchor="ctr"/>
+          <a:lstStyle/>
+          <a:p>
+            <a:endParaRPr lang="fr-FR" sz="1800" b="0" strike="noStrike" spc="-1">
               <a:solidFill>
                 <a:srgbClr val="000000"/>
               </a:solidFill>
@@ -856,11 +992,12 @@
           </a:prstGeom>
         </p:spPr>
         <p:txBody>
-          <a:bodyPr lIns="0" rIns="0" tIns="0" bIns="0">
+          <a:bodyPr lIns="0" tIns="0" rIns="0" bIns="0">
             <a:normAutofit/>
           </a:bodyPr>
-          <a:p>
-            <a:endParaRPr b="0" lang="fr-FR" sz="2800" spc="-1" strike="noStrike">
+          <a:lstStyle/>
+          <a:p>
+            <a:endParaRPr lang="fr-FR" sz="2800" b="0" strike="noStrike" spc="-1">
               <a:solidFill>
                 <a:srgbClr val="000000"/>
               </a:solidFill>
@@ -889,11 +1026,12 @@
           </a:prstGeom>
         </p:spPr>
         <p:txBody>
-          <a:bodyPr lIns="0" rIns="0" tIns="0" bIns="0">
+          <a:bodyPr lIns="0" tIns="0" rIns="0" bIns="0">
             <a:normAutofit/>
           </a:bodyPr>
-          <a:p>
-            <a:endParaRPr b="0" lang="fr-FR" sz="2800" spc="-1" strike="noStrike">
+          <a:lstStyle/>
+          <a:p>
+            <a:endParaRPr lang="fr-FR" sz="2800" b="0" strike="noStrike" spc="-1">
               <a:solidFill>
                 <a:srgbClr val="000000"/>
               </a:solidFill>
@@ -904,11 +1042,14 @@
       </p:sp>
     </p:spTree>
   </p:cSld>
+  <p:clrMapOvr>
+    <a:masterClrMapping/>
+  </p:clrMapOvr>
 </p:sldLayout>
 </file>
 
 <file path=ppt/slideLayouts/slideLayout17.xml><?xml version="1.0" encoding="utf-8"?>
-<p:sldLayout xmlns:a="http://schemas.openxmlformats.org/drawingml/2006/main" xmlns:p="http://schemas.openxmlformats.org/presentationml/2006/main" xmlns:r="http://schemas.openxmlformats.org/officeDocument/2006/relationships" xmlns:p14="http://schemas.microsoft.com/office/powerpoint/2010/main" xmlns:p15="http://schemas.microsoft.com/office/powerpoint/2012/main" xmlns:mc="http://schemas.openxmlformats.org/markup-compatibility/2006" type="titleOnly" preserve="1">
+<p:sldLayout xmlns:a="http://schemas.openxmlformats.org/drawingml/2006/main" xmlns:r="http://schemas.openxmlformats.org/officeDocument/2006/relationships" xmlns:p="http://schemas.openxmlformats.org/presentationml/2006/main" type="titleOnly" preserve="1">
   <p:cSld name="Title Only">
     <p:spTree>
       <p:nvGrpSpPr>
@@ -944,9 +1085,10 @@
           </a:prstGeom>
         </p:spPr>
         <p:txBody>
-          <a:bodyPr lIns="0" rIns="0" tIns="0" bIns="0" anchor="ctr"/>
-          <a:p>
-            <a:endParaRPr b="0" lang="fr-FR" sz="1800" spc="-1" strike="noStrike">
+          <a:bodyPr lIns="0" tIns="0" rIns="0" bIns="0" anchor="ctr"/>
+          <a:lstStyle/>
+          <a:p>
+            <a:endParaRPr lang="fr-FR" sz="1800" b="0" strike="noStrike" spc="-1">
               <a:solidFill>
                 <a:srgbClr val="000000"/>
               </a:solidFill>
@@ -957,11 +1099,14 @@
       </p:sp>
     </p:spTree>
   </p:cSld>
+  <p:clrMapOvr>
+    <a:masterClrMapping/>
+  </p:clrMapOvr>
 </p:sldLayout>
 </file>
 
 <file path=ppt/slideLayouts/slideLayout18.xml><?xml version="1.0" encoding="utf-8"?>
-<p:sldLayout xmlns:a="http://schemas.openxmlformats.org/drawingml/2006/main" xmlns:p="http://schemas.openxmlformats.org/presentationml/2006/main" xmlns:r="http://schemas.openxmlformats.org/officeDocument/2006/relationships" xmlns:p14="http://schemas.microsoft.com/office/powerpoint/2010/main" xmlns:p15="http://schemas.microsoft.com/office/powerpoint/2012/main" xmlns:mc="http://schemas.openxmlformats.org/markup-compatibility/2006" type="objOnly" preserve="1">
+<p:sldLayout xmlns:a="http://schemas.openxmlformats.org/drawingml/2006/main" xmlns:r="http://schemas.openxmlformats.org/officeDocument/2006/relationships" xmlns:p="http://schemas.openxmlformats.org/presentationml/2006/main" type="objOnly" preserve="1">
   <p:cSld name="Centered Text">
     <p:spTree>
       <p:nvGrpSpPr>
@@ -997,10 +1142,11 @@
           </a:prstGeom>
         </p:spPr>
         <p:txBody>
-          <a:bodyPr lIns="0" rIns="0" tIns="0" bIns="0" anchor="ctr"/>
+          <a:bodyPr lIns="0" tIns="0" rIns="0" bIns="0" anchor="ctr"/>
+          <a:lstStyle/>
           <a:p>
             <a:pPr algn="ctr"/>
-            <a:endParaRPr b="0" lang="fr-FR" sz="3200" spc="-1" strike="noStrike">
+            <a:endParaRPr lang="fr-FR" sz="3200" b="0" strike="noStrike" spc="-1">
               <a:latin typeface="Arial"/>
             </a:endParaRPr>
           </a:p>
@@ -1008,11 +1154,14 @@
       </p:sp>
     </p:spTree>
   </p:cSld>
+  <p:clrMapOvr>
+    <a:masterClrMapping/>
+  </p:clrMapOvr>
 </p:sldLayout>
 </file>
 
 <file path=ppt/slideLayouts/slideLayout19.xml><?xml version="1.0" encoding="utf-8"?>
-<p:sldLayout xmlns:a="http://schemas.openxmlformats.org/drawingml/2006/main" xmlns:p="http://schemas.openxmlformats.org/presentationml/2006/main" xmlns:r="http://schemas.openxmlformats.org/officeDocument/2006/relationships" xmlns:p14="http://schemas.microsoft.com/office/powerpoint/2010/main" xmlns:p15="http://schemas.microsoft.com/office/powerpoint/2012/main" xmlns:mc="http://schemas.openxmlformats.org/markup-compatibility/2006" type="twoObjAndObj" preserve="1">
+<p:sldLayout xmlns:a="http://schemas.openxmlformats.org/drawingml/2006/main" xmlns:r="http://schemas.openxmlformats.org/officeDocument/2006/relationships" xmlns:p="http://schemas.openxmlformats.org/presentationml/2006/main" type="twoObjAndObj" preserve="1">
   <p:cSld name="Title, 2 Content and Content">
     <p:spTree>
       <p:nvGrpSpPr>
@@ -1048,9 +1197,10 @@
           </a:prstGeom>
         </p:spPr>
         <p:txBody>
-          <a:bodyPr lIns="0" rIns="0" tIns="0" bIns="0" anchor="ctr"/>
-          <a:p>
-            <a:endParaRPr b="0" lang="fr-FR" sz="1800" spc="-1" strike="noStrike">
+          <a:bodyPr lIns="0" tIns="0" rIns="0" bIns="0" anchor="ctr"/>
+          <a:lstStyle/>
+          <a:p>
+            <a:endParaRPr lang="fr-FR" sz="1800" b="0" strike="noStrike" spc="-1">
               <a:solidFill>
                 <a:srgbClr val="000000"/>
               </a:solidFill>
@@ -1079,11 +1229,12 @@
           </a:prstGeom>
         </p:spPr>
         <p:txBody>
-          <a:bodyPr lIns="0" rIns="0" tIns="0" bIns="0">
+          <a:bodyPr lIns="0" tIns="0" rIns="0" bIns="0">
             <a:normAutofit/>
           </a:bodyPr>
-          <a:p>
-            <a:endParaRPr b="0" lang="fr-FR" sz="2800" spc="-1" strike="noStrike">
+          <a:lstStyle/>
+          <a:p>
+            <a:endParaRPr lang="fr-FR" sz="2800" b="0" strike="noStrike" spc="-1">
               <a:solidFill>
                 <a:srgbClr val="000000"/>
               </a:solidFill>
@@ -1112,11 +1263,12 @@
           </a:prstGeom>
         </p:spPr>
         <p:txBody>
-          <a:bodyPr lIns="0" rIns="0" tIns="0" bIns="0">
+          <a:bodyPr lIns="0" tIns="0" rIns="0" bIns="0">
             <a:normAutofit/>
           </a:bodyPr>
-          <a:p>
-            <a:endParaRPr b="0" lang="fr-FR" sz="2800" spc="-1" strike="noStrike">
+          <a:lstStyle/>
+          <a:p>
+            <a:endParaRPr lang="fr-FR" sz="2800" b="0" strike="noStrike" spc="-1">
               <a:solidFill>
                 <a:srgbClr val="000000"/>
               </a:solidFill>
@@ -1145,11 +1297,12 @@
           </a:prstGeom>
         </p:spPr>
         <p:txBody>
-          <a:bodyPr lIns="0" rIns="0" tIns="0" bIns="0">
+          <a:bodyPr lIns="0" tIns="0" rIns="0" bIns="0">
             <a:normAutofit/>
           </a:bodyPr>
-          <a:p>
-            <a:endParaRPr b="0" lang="fr-FR" sz="2800" spc="-1" strike="noStrike">
+          <a:lstStyle/>
+          <a:p>
+            <a:endParaRPr lang="fr-FR" sz="2800" b="0" strike="noStrike" spc="-1">
               <a:solidFill>
                 <a:srgbClr val="000000"/>
               </a:solidFill>
@@ -1160,11 +1313,14 @@
       </p:sp>
     </p:spTree>
   </p:cSld>
+  <p:clrMapOvr>
+    <a:masterClrMapping/>
+  </p:clrMapOvr>
 </p:sldLayout>
 </file>
 
 <file path=ppt/slideLayouts/slideLayout2.xml><?xml version="1.0" encoding="utf-8"?>
-<p:sldLayout xmlns:a="http://schemas.openxmlformats.org/drawingml/2006/main" xmlns:p="http://schemas.openxmlformats.org/presentationml/2006/main" xmlns:r="http://schemas.openxmlformats.org/officeDocument/2006/relationships" xmlns:p14="http://schemas.microsoft.com/office/powerpoint/2010/main" xmlns:p15="http://schemas.microsoft.com/office/powerpoint/2012/main" xmlns:mc="http://schemas.openxmlformats.org/markup-compatibility/2006" type="tx" preserve="1">
+<p:sldLayout xmlns:a="http://schemas.openxmlformats.org/drawingml/2006/main" xmlns:r="http://schemas.openxmlformats.org/officeDocument/2006/relationships" xmlns:p="http://schemas.openxmlformats.org/presentationml/2006/main" type="tx" preserve="1">
   <p:cSld name="Title Slide">
     <p:spTree>
       <p:nvGrpSpPr>
@@ -1200,9 +1356,10 @@
           </a:prstGeom>
         </p:spPr>
         <p:txBody>
-          <a:bodyPr lIns="0" rIns="0" tIns="0" bIns="0" anchor="ctr"/>
-          <a:p>
-            <a:endParaRPr b="0" lang="fr-FR" sz="1800" spc="-1" strike="noStrike">
+          <a:bodyPr lIns="0" tIns="0" rIns="0" bIns="0" anchor="ctr"/>
+          <a:lstStyle/>
+          <a:p>
+            <a:endParaRPr lang="fr-FR" sz="1800" b="0" strike="noStrike" spc="-1">
               <a:solidFill>
                 <a:srgbClr val="000000"/>
               </a:solidFill>
@@ -1231,10 +1388,11 @@
           </a:prstGeom>
         </p:spPr>
         <p:txBody>
-          <a:bodyPr lIns="0" rIns="0" tIns="0" bIns="0" anchor="ctr"/>
+          <a:bodyPr lIns="0" tIns="0" rIns="0" bIns="0" anchor="ctr"/>
+          <a:lstStyle/>
           <a:p>
             <a:pPr algn="ctr"/>
-            <a:endParaRPr b="0" lang="fr-FR" sz="3200" spc="-1" strike="noStrike">
+            <a:endParaRPr lang="fr-FR" sz="3200" b="0" strike="noStrike" spc="-1">
               <a:latin typeface="Arial"/>
             </a:endParaRPr>
           </a:p>
@@ -1242,11 +1400,14 @@
       </p:sp>
     </p:spTree>
   </p:cSld>
+  <p:clrMapOvr>
+    <a:masterClrMapping/>
+  </p:clrMapOvr>
 </p:sldLayout>
 </file>
 
 <file path=ppt/slideLayouts/slideLayout20.xml><?xml version="1.0" encoding="utf-8"?>
-<p:sldLayout xmlns:a="http://schemas.openxmlformats.org/drawingml/2006/main" xmlns:p="http://schemas.openxmlformats.org/presentationml/2006/main" xmlns:r="http://schemas.openxmlformats.org/officeDocument/2006/relationships" xmlns:p14="http://schemas.microsoft.com/office/powerpoint/2010/main" xmlns:p15="http://schemas.microsoft.com/office/powerpoint/2012/main" xmlns:mc="http://schemas.openxmlformats.org/markup-compatibility/2006" type="objAndTwoObj" preserve="1">
+<p:sldLayout xmlns:a="http://schemas.openxmlformats.org/drawingml/2006/main" xmlns:r="http://schemas.openxmlformats.org/officeDocument/2006/relationships" xmlns:p="http://schemas.openxmlformats.org/presentationml/2006/main" type="objAndTwoObj" preserve="1">
   <p:cSld name="Title Content and 2 Content">
     <p:spTree>
       <p:nvGrpSpPr>
@@ -1282,9 +1443,10 @@
           </a:prstGeom>
         </p:spPr>
         <p:txBody>
-          <a:bodyPr lIns="0" rIns="0" tIns="0" bIns="0" anchor="ctr"/>
-          <a:p>
-            <a:endParaRPr b="0" lang="fr-FR" sz="1800" spc="-1" strike="noStrike">
+          <a:bodyPr lIns="0" tIns="0" rIns="0" bIns="0" anchor="ctr"/>
+          <a:lstStyle/>
+          <a:p>
+            <a:endParaRPr lang="fr-FR" sz="1800" b="0" strike="noStrike" spc="-1">
               <a:solidFill>
                 <a:srgbClr val="000000"/>
               </a:solidFill>
@@ -1313,11 +1475,12 @@
           </a:prstGeom>
         </p:spPr>
         <p:txBody>
-          <a:bodyPr lIns="0" rIns="0" tIns="0" bIns="0">
+          <a:bodyPr lIns="0" tIns="0" rIns="0" bIns="0">
             <a:normAutofit/>
           </a:bodyPr>
-          <a:p>
-            <a:endParaRPr b="0" lang="fr-FR" sz="2800" spc="-1" strike="noStrike">
+          <a:lstStyle/>
+          <a:p>
+            <a:endParaRPr lang="fr-FR" sz="2800" b="0" strike="noStrike" spc="-1">
               <a:solidFill>
                 <a:srgbClr val="000000"/>
               </a:solidFill>
@@ -1346,11 +1509,12 @@
           </a:prstGeom>
         </p:spPr>
         <p:txBody>
-          <a:bodyPr lIns="0" rIns="0" tIns="0" bIns="0">
+          <a:bodyPr lIns="0" tIns="0" rIns="0" bIns="0">
             <a:normAutofit/>
           </a:bodyPr>
-          <a:p>
-            <a:endParaRPr b="0" lang="fr-FR" sz="2800" spc="-1" strike="noStrike">
+          <a:lstStyle/>
+          <a:p>
+            <a:endParaRPr lang="fr-FR" sz="2800" b="0" strike="noStrike" spc="-1">
               <a:solidFill>
                 <a:srgbClr val="000000"/>
               </a:solidFill>
@@ -1379,11 +1543,12 @@
           </a:prstGeom>
         </p:spPr>
         <p:txBody>
-          <a:bodyPr lIns="0" rIns="0" tIns="0" bIns="0">
+          <a:bodyPr lIns="0" tIns="0" rIns="0" bIns="0">
             <a:normAutofit/>
           </a:bodyPr>
-          <a:p>
-            <a:endParaRPr b="0" lang="fr-FR" sz="2800" spc="-1" strike="noStrike">
+          <a:lstStyle/>
+          <a:p>
+            <a:endParaRPr lang="fr-FR" sz="2800" b="0" strike="noStrike" spc="-1">
               <a:solidFill>
                 <a:srgbClr val="000000"/>
               </a:solidFill>
@@ -1394,11 +1559,14 @@
       </p:sp>
     </p:spTree>
   </p:cSld>
+  <p:clrMapOvr>
+    <a:masterClrMapping/>
+  </p:clrMapOvr>
 </p:sldLayout>
 </file>
 
 <file path=ppt/slideLayouts/slideLayout21.xml><?xml version="1.0" encoding="utf-8"?>
-<p:sldLayout xmlns:a="http://schemas.openxmlformats.org/drawingml/2006/main" xmlns:p="http://schemas.openxmlformats.org/presentationml/2006/main" xmlns:r="http://schemas.openxmlformats.org/officeDocument/2006/relationships" xmlns:p14="http://schemas.microsoft.com/office/powerpoint/2010/main" xmlns:p15="http://schemas.microsoft.com/office/powerpoint/2012/main" xmlns:mc="http://schemas.openxmlformats.org/markup-compatibility/2006" type="twoObjOverTx" preserve="1">
+<p:sldLayout xmlns:a="http://schemas.openxmlformats.org/drawingml/2006/main" xmlns:r="http://schemas.openxmlformats.org/officeDocument/2006/relationships" xmlns:p="http://schemas.openxmlformats.org/presentationml/2006/main" type="twoObjOverTx" preserve="1">
   <p:cSld name="Title, 2 Content over Content">
     <p:spTree>
       <p:nvGrpSpPr>
@@ -1434,9 +1602,10 @@
           </a:prstGeom>
         </p:spPr>
         <p:txBody>
-          <a:bodyPr lIns="0" rIns="0" tIns="0" bIns="0" anchor="ctr"/>
-          <a:p>
-            <a:endParaRPr b="0" lang="fr-FR" sz="1800" spc="-1" strike="noStrike">
+          <a:bodyPr lIns="0" tIns="0" rIns="0" bIns="0" anchor="ctr"/>
+          <a:lstStyle/>
+          <a:p>
+            <a:endParaRPr lang="fr-FR" sz="1800" b="0" strike="noStrike" spc="-1">
               <a:solidFill>
                 <a:srgbClr val="000000"/>
               </a:solidFill>
@@ -1465,11 +1634,12 @@
           </a:prstGeom>
         </p:spPr>
         <p:txBody>
-          <a:bodyPr lIns="0" rIns="0" tIns="0" bIns="0">
+          <a:bodyPr lIns="0" tIns="0" rIns="0" bIns="0">
             <a:normAutofit/>
           </a:bodyPr>
-          <a:p>
-            <a:endParaRPr b="0" lang="fr-FR" sz="2800" spc="-1" strike="noStrike">
+          <a:lstStyle/>
+          <a:p>
+            <a:endParaRPr lang="fr-FR" sz="2800" b="0" strike="noStrike" spc="-1">
               <a:solidFill>
                 <a:srgbClr val="000000"/>
               </a:solidFill>
@@ -1498,11 +1668,12 @@
           </a:prstGeom>
         </p:spPr>
         <p:txBody>
-          <a:bodyPr lIns="0" rIns="0" tIns="0" bIns="0">
+          <a:bodyPr lIns="0" tIns="0" rIns="0" bIns="0">
             <a:normAutofit/>
           </a:bodyPr>
-          <a:p>
-            <a:endParaRPr b="0" lang="fr-FR" sz="2800" spc="-1" strike="noStrike">
+          <a:lstStyle/>
+          <a:p>
+            <a:endParaRPr lang="fr-FR" sz="2800" b="0" strike="noStrike" spc="-1">
               <a:solidFill>
                 <a:srgbClr val="000000"/>
               </a:solidFill>
@@ -1531,11 +1702,12 @@
           </a:prstGeom>
         </p:spPr>
         <p:txBody>
-          <a:bodyPr lIns="0" rIns="0" tIns="0" bIns="0">
+          <a:bodyPr lIns="0" tIns="0" rIns="0" bIns="0">
             <a:normAutofit/>
           </a:bodyPr>
-          <a:p>
-            <a:endParaRPr b="0" lang="fr-FR" sz="2800" spc="-1" strike="noStrike">
+          <a:lstStyle/>
+          <a:p>
+            <a:endParaRPr lang="fr-FR" sz="2800" b="0" strike="noStrike" spc="-1">
               <a:solidFill>
                 <a:srgbClr val="000000"/>
               </a:solidFill>
@@ -1546,11 +1718,14 @@
       </p:sp>
     </p:spTree>
   </p:cSld>
+  <p:clrMapOvr>
+    <a:masterClrMapping/>
+  </p:clrMapOvr>
 </p:sldLayout>
 </file>
 
 <file path=ppt/slideLayouts/slideLayout22.xml><?xml version="1.0" encoding="utf-8"?>
-<p:sldLayout xmlns:a="http://schemas.openxmlformats.org/drawingml/2006/main" xmlns:p="http://schemas.openxmlformats.org/presentationml/2006/main" xmlns:r="http://schemas.openxmlformats.org/officeDocument/2006/relationships" xmlns:p14="http://schemas.microsoft.com/office/powerpoint/2010/main" xmlns:p15="http://schemas.microsoft.com/office/powerpoint/2012/main" xmlns:mc="http://schemas.openxmlformats.org/markup-compatibility/2006" type="objOverTx" preserve="1">
+<p:sldLayout xmlns:a="http://schemas.openxmlformats.org/drawingml/2006/main" xmlns:r="http://schemas.openxmlformats.org/officeDocument/2006/relationships" xmlns:p="http://schemas.openxmlformats.org/presentationml/2006/main" type="objOverTx" preserve="1">
   <p:cSld name="Title, Content over Content">
     <p:spTree>
       <p:nvGrpSpPr>
@@ -1586,9 +1761,10 @@
           </a:prstGeom>
         </p:spPr>
         <p:txBody>
-          <a:bodyPr lIns="0" rIns="0" tIns="0" bIns="0" anchor="ctr"/>
-          <a:p>
-            <a:endParaRPr b="0" lang="fr-FR" sz="1800" spc="-1" strike="noStrike">
+          <a:bodyPr lIns="0" tIns="0" rIns="0" bIns="0" anchor="ctr"/>
+          <a:lstStyle/>
+          <a:p>
+            <a:endParaRPr lang="fr-FR" sz="1800" b="0" strike="noStrike" spc="-1">
               <a:solidFill>
                 <a:srgbClr val="000000"/>
               </a:solidFill>
@@ -1617,11 +1793,12 @@
           </a:prstGeom>
         </p:spPr>
         <p:txBody>
-          <a:bodyPr lIns="0" rIns="0" tIns="0" bIns="0">
+          <a:bodyPr lIns="0" tIns="0" rIns="0" bIns="0">
             <a:normAutofit/>
           </a:bodyPr>
-          <a:p>
-            <a:endParaRPr b="0" lang="fr-FR" sz="2800" spc="-1" strike="noStrike">
+          <a:lstStyle/>
+          <a:p>
+            <a:endParaRPr lang="fr-FR" sz="2800" b="0" strike="noStrike" spc="-1">
               <a:solidFill>
                 <a:srgbClr val="000000"/>
               </a:solidFill>
@@ -1650,11 +1827,12 @@
           </a:prstGeom>
         </p:spPr>
         <p:txBody>
-          <a:bodyPr lIns="0" rIns="0" tIns="0" bIns="0">
+          <a:bodyPr lIns="0" tIns="0" rIns="0" bIns="0">
             <a:normAutofit/>
           </a:bodyPr>
-          <a:p>
-            <a:endParaRPr b="0" lang="fr-FR" sz="2800" spc="-1" strike="noStrike">
+          <a:lstStyle/>
+          <a:p>
+            <a:endParaRPr lang="fr-FR" sz="2800" b="0" strike="noStrike" spc="-1">
               <a:solidFill>
                 <a:srgbClr val="000000"/>
               </a:solidFill>
@@ -1665,11 +1843,14 @@
       </p:sp>
     </p:spTree>
   </p:cSld>
+  <p:clrMapOvr>
+    <a:masterClrMapping/>
+  </p:clrMapOvr>
 </p:sldLayout>
 </file>
 
 <file path=ppt/slideLayouts/slideLayout23.xml><?xml version="1.0" encoding="utf-8"?>
-<p:sldLayout xmlns:a="http://schemas.openxmlformats.org/drawingml/2006/main" xmlns:p="http://schemas.openxmlformats.org/presentationml/2006/main" xmlns:r="http://schemas.openxmlformats.org/officeDocument/2006/relationships" xmlns:p14="http://schemas.microsoft.com/office/powerpoint/2010/main" xmlns:p15="http://schemas.microsoft.com/office/powerpoint/2012/main" xmlns:mc="http://schemas.openxmlformats.org/markup-compatibility/2006" type="fourObj" preserve="1">
+<p:sldLayout xmlns:a="http://schemas.openxmlformats.org/drawingml/2006/main" xmlns:r="http://schemas.openxmlformats.org/officeDocument/2006/relationships" xmlns:p="http://schemas.openxmlformats.org/presentationml/2006/main" type="fourObj" preserve="1">
   <p:cSld name="Title, 4 Content">
     <p:spTree>
       <p:nvGrpSpPr>
@@ -1705,9 +1886,10 @@
           </a:prstGeom>
         </p:spPr>
         <p:txBody>
-          <a:bodyPr lIns="0" rIns="0" tIns="0" bIns="0" anchor="ctr"/>
-          <a:p>
-            <a:endParaRPr b="0" lang="fr-FR" sz="1800" spc="-1" strike="noStrike">
+          <a:bodyPr lIns="0" tIns="0" rIns="0" bIns="0" anchor="ctr"/>
+          <a:lstStyle/>
+          <a:p>
+            <a:endParaRPr lang="fr-FR" sz="1800" b="0" strike="noStrike" spc="-1">
               <a:solidFill>
                 <a:srgbClr val="000000"/>
               </a:solidFill>
@@ -1736,11 +1918,12 @@
           </a:prstGeom>
         </p:spPr>
         <p:txBody>
-          <a:bodyPr lIns="0" rIns="0" tIns="0" bIns="0">
+          <a:bodyPr lIns="0" tIns="0" rIns="0" bIns="0">
             <a:normAutofit/>
           </a:bodyPr>
-          <a:p>
-            <a:endParaRPr b="0" lang="fr-FR" sz="2800" spc="-1" strike="noStrike">
+          <a:lstStyle/>
+          <a:p>
+            <a:endParaRPr lang="fr-FR" sz="2800" b="0" strike="noStrike" spc="-1">
               <a:solidFill>
                 <a:srgbClr val="000000"/>
               </a:solidFill>
@@ -1769,11 +1952,12 @@
           </a:prstGeom>
         </p:spPr>
         <p:txBody>
-          <a:bodyPr lIns="0" rIns="0" tIns="0" bIns="0">
+          <a:bodyPr lIns="0" tIns="0" rIns="0" bIns="0">
             <a:normAutofit/>
           </a:bodyPr>
-          <a:p>
-            <a:endParaRPr b="0" lang="fr-FR" sz="2800" spc="-1" strike="noStrike">
+          <a:lstStyle/>
+          <a:p>
+            <a:endParaRPr lang="fr-FR" sz="2800" b="0" strike="noStrike" spc="-1">
               <a:solidFill>
                 <a:srgbClr val="000000"/>
               </a:solidFill>
@@ -1802,11 +1986,12 @@
           </a:prstGeom>
         </p:spPr>
         <p:txBody>
-          <a:bodyPr lIns="0" rIns="0" tIns="0" bIns="0">
+          <a:bodyPr lIns="0" tIns="0" rIns="0" bIns="0">
             <a:normAutofit/>
           </a:bodyPr>
-          <a:p>
-            <a:endParaRPr b="0" lang="fr-FR" sz="2800" spc="-1" strike="noStrike">
+          <a:lstStyle/>
+          <a:p>
+            <a:endParaRPr lang="fr-FR" sz="2800" b="0" strike="noStrike" spc="-1">
               <a:solidFill>
                 <a:srgbClr val="000000"/>
               </a:solidFill>
@@ -1835,11 +2020,12 @@
           </a:prstGeom>
         </p:spPr>
         <p:txBody>
-          <a:bodyPr lIns="0" rIns="0" tIns="0" bIns="0">
+          <a:bodyPr lIns="0" tIns="0" rIns="0" bIns="0">
             <a:normAutofit/>
           </a:bodyPr>
-          <a:p>
-            <a:endParaRPr b="0" lang="fr-FR" sz="2800" spc="-1" strike="noStrike">
+          <a:lstStyle/>
+          <a:p>
+            <a:endParaRPr lang="fr-FR" sz="2800" b="0" strike="noStrike" spc="-1">
               <a:solidFill>
                 <a:srgbClr val="000000"/>
               </a:solidFill>
@@ -1850,11 +2036,14 @@
       </p:sp>
     </p:spTree>
   </p:cSld>
+  <p:clrMapOvr>
+    <a:masterClrMapping/>
+  </p:clrMapOvr>
 </p:sldLayout>
 </file>
 
 <file path=ppt/slideLayouts/slideLayout24.xml><?xml version="1.0" encoding="utf-8"?>
-<p:sldLayout xmlns:a="http://schemas.openxmlformats.org/drawingml/2006/main" xmlns:p="http://schemas.openxmlformats.org/presentationml/2006/main" xmlns:r="http://schemas.openxmlformats.org/officeDocument/2006/relationships" xmlns:p14="http://schemas.microsoft.com/office/powerpoint/2010/main" xmlns:p15="http://schemas.microsoft.com/office/powerpoint/2012/main" xmlns:mc="http://schemas.openxmlformats.org/markup-compatibility/2006" type="blank" preserve="1">
+<p:sldLayout xmlns:a="http://schemas.openxmlformats.org/drawingml/2006/main" xmlns:r="http://schemas.openxmlformats.org/officeDocument/2006/relationships" xmlns:p="http://schemas.openxmlformats.org/presentationml/2006/main" type="blank" preserve="1">
   <p:cSld name="Title, 6 Content">
     <p:spTree>
       <p:nvGrpSpPr>
@@ -1890,9 +2079,10 @@
           </a:prstGeom>
         </p:spPr>
         <p:txBody>
-          <a:bodyPr lIns="0" rIns="0" tIns="0" bIns="0" anchor="ctr"/>
-          <a:p>
-            <a:endParaRPr b="0" lang="fr-FR" sz="1800" spc="-1" strike="noStrike">
+          <a:bodyPr lIns="0" tIns="0" rIns="0" bIns="0" anchor="ctr"/>
+          <a:lstStyle/>
+          <a:p>
+            <a:endParaRPr lang="fr-FR" sz="1800" b="0" strike="noStrike" spc="-1">
               <a:solidFill>
                 <a:srgbClr val="000000"/>
               </a:solidFill>
@@ -1921,11 +2111,12 @@
           </a:prstGeom>
         </p:spPr>
         <p:txBody>
-          <a:bodyPr lIns="0" rIns="0" tIns="0" bIns="0">
+          <a:bodyPr lIns="0" tIns="0" rIns="0" bIns="0">
             <a:normAutofit/>
           </a:bodyPr>
-          <a:p>
-            <a:endParaRPr b="0" lang="fr-FR" sz="2800" spc="-1" strike="noStrike">
+          <a:lstStyle/>
+          <a:p>
+            <a:endParaRPr lang="fr-FR" sz="2800" b="0" strike="noStrike" spc="-1">
               <a:solidFill>
                 <a:srgbClr val="000000"/>
               </a:solidFill>
@@ -1954,11 +2145,12 @@
           </a:prstGeom>
         </p:spPr>
         <p:txBody>
-          <a:bodyPr lIns="0" rIns="0" tIns="0" bIns="0">
+          <a:bodyPr lIns="0" tIns="0" rIns="0" bIns="0">
             <a:normAutofit/>
           </a:bodyPr>
-          <a:p>
-            <a:endParaRPr b="0" lang="fr-FR" sz="2800" spc="-1" strike="noStrike">
+          <a:lstStyle/>
+          <a:p>
+            <a:endParaRPr lang="fr-FR" sz="2800" b="0" strike="noStrike" spc="-1">
               <a:solidFill>
                 <a:srgbClr val="000000"/>
               </a:solidFill>
@@ -1987,11 +2179,12 @@
           </a:prstGeom>
         </p:spPr>
         <p:txBody>
-          <a:bodyPr lIns="0" rIns="0" tIns="0" bIns="0">
+          <a:bodyPr lIns="0" tIns="0" rIns="0" bIns="0">
             <a:normAutofit/>
           </a:bodyPr>
-          <a:p>
-            <a:endParaRPr b="0" lang="fr-FR" sz="2800" spc="-1" strike="noStrike">
+          <a:lstStyle/>
+          <a:p>
+            <a:endParaRPr lang="fr-FR" sz="2800" b="0" strike="noStrike" spc="-1">
               <a:solidFill>
                 <a:srgbClr val="000000"/>
               </a:solidFill>
@@ -2020,11 +2213,12 @@
           </a:prstGeom>
         </p:spPr>
         <p:txBody>
-          <a:bodyPr lIns="0" rIns="0" tIns="0" bIns="0">
+          <a:bodyPr lIns="0" tIns="0" rIns="0" bIns="0">
             <a:normAutofit/>
           </a:bodyPr>
-          <a:p>
-            <a:endParaRPr b="0" lang="fr-FR" sz="2800" spc="-1" strike="noStrike">
+          <a:lstStyle/>
+          <a:p>
+            <a:endParaRPr lang="fr-FR" sz="2800" b="0" strike="noStrike" spc="-1">
               <a:solidFill>
                 <a:srgbClr val="000000"/>
               </a:solidFill>
@@ -2053,11 +2247,12 @@
           </a:prstGeom>
         </p:spPr>
         <p:txBody>
-          <a:bodyPr lIns="0" rIns="0" tIns="0" bIns="0">
+          <a:bodyPr lIns="0" tIns="0" rIns="0" bIns="0">
             <a:normAutofit/>
           </a:bodyPr>
-          <a:p>
-            <a:endParaRPr b="0" lang="fr-FR" sz="2800" spc="-1" strike="noStrike">
+          <a:lstStyle/>
+          <a:p>
+            <a:endParaRPr lang="fr-FR" sz="2800" b="0" strike="noStrike" spc="-1">
               <a:solidFill>
                 <a:srgbClr val="000000"/>
               </a:solidFill>
@@ -2086,11 +2281,12 @@
           </a:prstGeom>
         </p:spPr>
         <p:txBody>
-          <a:bodyPr lIns="0" rIns="0" tIns="0" bIns="0">
+          <a:bodyPr lIns="0" tIns="0" rIns="0" bIns="0">
             <a:normAutofit/>
           </a:bodyPr>
-          <a:p>
-            <a:endParaRPr b="0" lang="fr-FR" sz="2800" spc="-1" strike="noStrike">
+          <a:lstStyle/>
+          <a:p>
+            <a:endParaRPr lang="fr-FR" sz="2800" b="0" strike="noStrike" spc="-1">
               <a:solidFill>
                 <a:srgbClr val="000000"/>
               </a:solidFill>
@@ -2101,11 +2297,14 @@
       </p:sp>
     </p:spTree>
   </p:cSld>
+  <p:clrMapOvr>
+    <a:masterClrMapping/>
+  </p:clrMapOvr>
 </p:sldLayout>
 </file>
 
 <file path=ppt/slideLayouts/slideLayout3.xml><?xml version="1.0" encoding="utf-8"?>
-<p:sldLayout xmlns:a="http://schemas.openxmlformats.org/drawingml/2006/main" xmlns:p="http://schemas.openxmlformats.org/presentationml/2006/main" xmlns:r="http://schemas.openxmlformats.org/officeDocument/2006/relationships" xmlns:p14="http://schemas.microsoft.com/office/powerpoint/2010/main" xmlns:p15="http://schemas.microsoft.com/office/powerpoint/2012/main" xmlns:mc="http://schemas.openxmlformats.org/markup-compatibility/2006" type="obj" preserve="1">
+<p:sldLayout xmlns:a="http://schemas.openxmlformats.org/drawingml/2006/main" xmlns:r="http://schemas.openxmlformats.org/officeDocument/2006/relationships" xmlns:p="http://schemas.openxmlformats.org/presentationml/2006/main" type="obj" preserve="1">
   <p:cSld name="Title, Content">
     <p:spTree>
       <p:nvGrpSpPr>
@@ -2141,9 +2340,10 @@
           </a:prstGeom>
         </p:spPr>
         <p:txBody>
-          <a:bodyPr lIns="0" rIns="0" tIns="0" bIns="0" anchor="ctr"/>
-          <a:p>
-            <a:endParaRPr b="0" lang="fr-FR" sz="1800" spc="-1" strike="noStrike">
+          <a:bodyPr lIns="0" tIns="0" rIns="0" bIns="0" anchor="ctr"/>
+          <a:lstStyle/>
+          <a:p>
+            <a:endParaRPr lang="fr-FR" sz="1800" b="0" strike="noStrike" spc="-1">
               <a:solidFill>
                 <a:srgbClr val="000000"/>
               </a:solidFill>
@@ -2172,11 +2372,12 @@
           </a:prstGeom>
         </p:spPr>
         <p:txBody>
-          <a:bodyPr lIns="0" rIns="0" tIns="0" bIns="0">
+          <a:bodyPr lIns="0" tIns="0" rIns="0" bIns="0">
             <a:normAutofit/>
           </a:bodyPr>
-          <a:p>
-            <a:endParaRPr b="0" lang="fr-FR" sz="2800" spc="-1" strike="noStrike">
+          <a:lstStyle/>
+          <a:p>
+            <a:endParaRPr lang="fr-FR" sz="2800" b="0" strike="noStrike" spc="-1">
               <a:solidFill>
                 <a:srgbClr val="000000"/>
               </a:solidFill>
@@ -2187,11 +2388,14 @@
       </p:sp>
     </p:spTree>
   </p:cSld>
+  <p:clrMapOvr>
+    <a:masterClrMapping/>
+  </p:clrMapOvr>
 </p:sldLayout>
 </file>
 
 <file path=ppt/slideLayouts/slideLayout4.xml><?xml version="1.0" encoding="utf-8"?>
-<p:sldLayout xmlns:a="http://schemas.openxmlformats.org/drawingml/2006/main" xmlns:p="http://schemas.openxmlformats.org/presentationml/2006/main" xmlns:r="http://schemas.openxmlformats.org/officeDocument/2006/relationships" xmlns:p14="http://schemas.microsoft.com/office/powerpoint/2010/main" xmlns:p15="http://schemas.microsoft.com/office/powerpoint/2012/main" xmlns:mc="http://schemas.openxmlformats.org/markup-compatibility/2006" type="twoObj" preserve="1">
+<p:sldLayout xmlns:a="http://schemas.openxmlformats.org/drawingml/2006/main" xmlns:r="http://schemas.openxmlformats.org/officeDocument/2006/relationships" xmlns:p="http://schemas.openxmlformats.org/presentationml/2006/main" type="twoObj" preserve="1">
   <p:cSld name="Title, 2 Content">
     <p:spTree>
       <p:nvGrpSpPr>
@@ -2227,9 +2431,10 @@
           </a:prstGeom>
         </p:spPr>
         <p:txBody>
-          <a:bodyPr lIns="0" rIns="0" tIns="0" bIns="0" anchor="ctr"/>
-          <a:p>
-            <a:endParaRPr b="0" lang="fr-FR" sz="1800" spc="-1" strike="noStrike">
+          <a:bodyPr lIns="0" tIns="0" rIns="0" bIns="0" anchor="ctr"/>
+          <a:lstStyle/>
+          <a:p>
+            <a:endParaRPr lang="fr-FR" sz="1800" b="0" strike="noStrike" spc="-1">
               <a:solidFill>
                 <a:srgbClr val="000000"/>
               </a:solidFill>
@@ -2258,11 +2463,12 @@
           </a:prstGeom>
         </p:spPr>
         <p:txBody>
-          <a:bodyPr lIns="0" rIns="0" tIns="0" bIns="0">
+          <a:bodyPr lIns="0" tIns="0" rIns="0" bIns="0">
             <a:normAutofit/>
           </a:bodyPr>
-          <a:p>
-            <a:endParaRPr b="0" lang="fr-FR" sz="2800" spc="-1" strike="noStrike">
+          <a:lstStyle/>
+          <a:p>
+            <a:endParaRPr lang="fr-FR" sz="2800" b="0" strike="noStrike" spc="-1">
               <a:solidFill>
                 <a:srgbClr val="000000"/>
               </a:solidFill>
@@ -2291,11 +2497,12 @@
           </a:prstGeom>
         </p:spPr>
         <p:txBody>
-          <a:bodyPr lIns="0" rIns="0" tIns="0" bIns="0">
+          <a:bodyPr lIns="0" tIns="0" rIns="0" bIns="0">
             <a:normAutofit/>
           </a:bodyPr>
-          <a:p>
-            <a:endParaRPr b="0" lang="fr-FR" sz="2800" spc="-1" strike="noStrike">
+          <a:lstStyle/>
+          <a:p>
+            <a:endParaRPr lang="fr-FR" sz="2800" b="0" strike="noStrike" spc="-1">
               <a:solidFill>
                 <a:srgbClr val="000000"/>
               </a:solidFill>
@@ -2306,11 +2513,14 @@
       </p:sp>
     </p:spTree>
   </p:cSld>
+  <p:clrMapOvr>
+    <a:masterClrMapping/>
+  </p:clrMapOvr>
 </p:sldLayout>
 </file>
 
 <file path=ppt/slideLayouts/slideLayout5.xml><?xml version="1.0" encoding="utf-8"?>
-<p:sldLayout xmlns:a="http://schemas.openxmlformats.org/drawingml/2006/main" xmlns:p="http://schemas.openxmlformats.org/presentationml/2006/main" xmlns:r="http://schemas.openxmlformats.org/officeDocument/2006/relationships" xmlns:p14="http://schemas.microsoft.com/office/powerpoint/2010/main" xmlns:p15="http://schemas.microsoft.com/office/powerpoint/2012/main" xmlns:mc="http://schemas.openxmlformats.org/markup-compatibility/2006" type="titleOnly" preserve="1">
+<p:sldLayout xmlns:a="http://schemas.openxmlformats.org/drawingml/2006/main" xmlns:r="http://schemas.openxmlformats.org/officeDocument/2006/relationships" xmlns:p="http://schemas.openxmlformats.org/presentationml/2006/main" type="titleOnly" preserve="1">
   <p:cSld name="Title Only">
     <p:spTree>
       <p:nvGrpSpPr>
@@ -2346,9 +2556,10 @@
           </a:prstGeom>
         </p:spPr>
         <p:txBody>
-          <a:bodyPr lIns="0" rIns="0" tIns="0" bIns="0" anchor="ctr"/>
-          <a:p>
-            <a:endParaRPr b="0" lang="fr-FR" sz="1800" spc="-1" strike="noStrike">
+          <a:bodyPr lIns="0" tIns="0" rIns="0" bIns="0" anchor="ctr"/>
+          <a:lstStyle/>
+          <a:p>
+            <a:endParaRPr lang="fr-FR" sz="1800" b="0" strike="noStrike" spc="-1">
               <a:solidFill>
                 <a:srgbClr val="000000"/>
               </a:solidFill>
@@ -2359,11 +2570,14 @@
       </p:sp>
     </p:spTree>
   </p:cSld>
+  <p:clrMapOvr>
+    <a:masterClrMapping/>
+  </p:clrMapOvr>
 </p:sldLayout>
 </file>
 
 <file path=ppt/slideLayouts/slideLayout6.xml><?xml version="1.0" encoding="utf-8"?>
-<p:sldLayout xmlns:a="http://schemas.openxmlformats.org/drawingml/2006/main" xmlns:p="http://schemas.openxmlformats.org/presentationml/2006/main" xmlns:r="http://schemas.openxmlformats.org/officeDocument/2006/relationships" xmlns:p14="http://schemas.microsoft.com/office/powerpoint/2010/main" xmlns:p15="http://schemas.microsoft.com/office/powerpoint/2012/main" xmlns:mc="http://schemas.openxmlformats.org/markup-compatibility/2006" type="objOnly" preserve="1">
+<p:sldLayout xmlns:a="http://schemas.openxmlformats.org/drawingml/2006/main" xmlns:r="http://schemas.openxmlformats.org/officeDocument/2006/relationships" xmlns:p="http://schemas.openxmlformats.org/presentationml/2006/main" type="objOnly" preserve="1">
   <p:cSld name="Centered Text">
     <p:spTree>
       <p:nvGrpSpPr>
@@ -2399,10 +2613,11 @@
           </a:prstGeom>
         </p:spPr>
         <p:txBody>
-          <a:bodyPr lIns="0" rIns="0" tIns="0" bIns="0" anchor="ctr"/>
+          <a:bodyPr lIns="0" tIns="0" rIns="0" bIns="0" anchor="ctr"/>
+          <a:lstStyle/>
           <a:p>
             <a:pPr algn="ctr"/>
-            <a:endParaRPr b="0" lang="fr-FR" sz="3200" spc="-1" strike="noStrike">
+            <a:endParaRPr lang="fr-FR" sz="3200" b="0" strike="noStrike" spc="-1">
               <a:latin typeface="Arial"/>
             </a:endParaRPr>
           </a:p>
@@ -2410,11 +2625,14 @@
       </p:sp>
     </p:spTree>
   </p:cSld>
+  <p:clrMapOvr>
+    <a:masterClrMapping/>
+  </p:clrMapOvr>
 </p:sldLayout>
 </file>
 
 <file path=ppt/slideLayouts/slideLayout7.xml><?xml version="1.0" encoding="utf-8"?>
-<p:sldLayout xmlns:a="http://schemas.openxmlformats.org/drawingml/2006/main" xmlns:p="http://schemas.openxmlformats.org/presentationml/2006/main" xmlns:r="http://schemas.openxmlformats.org/officeDocument/2006/relationships" xmlns:p14="http://schemas.microsoft.com/office/powerpoint/2010/main" xmlns:p15="http://schemas.microsoft.com/office/powerpoint/2012/main" xmlns:mc="http://schemas.openxmlformats.org/markup-compatibility/2006" type="twoObjAndObj" preserve="1">
+<p:sldLayout xmlns:a="http://schemas.openxmlformats.org/drawingml/2006/main" xmlns:r="http://schemas.openxmlformats.org/officeDocument/2006/relationships" xmlns:p="http://schemas.openxmlformats.org/presentationml/2006/main" type="twoObjAndObj" preserve="1">
   <p:cSld name="Title, 2 Content and Content">
     <p:spTree>
       <p:nvGrpSpPr>
@@ -2450,9 +2668,10 @@
           </a:prstGeom>
         </p:spPr>
         <p:txBody>
-          <a:bodyPr lIns="0" rIns="0" tIns="0" bIns="0" anchor="ctr"/>
-          <a:p>
-            <a:endParaRPr b="0" lang="fr-FR" sz="1800" spc="-1" strike="noStrike">
+          <a:bodyPr lIns="0" tIns="0" rIns="0" bIns="0" anchor="ctr"/>
+          <a:lstStyle/>
+          <a:p>
+            <a:endParaRPr lang="fr-FR" sz="1800" b="0" strike="noStrike" spc="-1">
               <a:solidFill>
                 <a:srgbClr val="000000"/>
               </a:solidFill>
@@ -2481,11 +2700,12 @@
           </a:prstGeom>
         </p:spPr>
         <p:txBody>
-          <a:bodyPr lIns="0" rIns="0" tIns="0" bIns="0">
+          <a:bodyPr lIns="0" tIns="0" rIns="0" bIns="0">
             <a:normAutofit/>
           </a:bodyPr>
-          <a:p>
-            <a:endParaRPr b="0" lang="fr-FR" sz="2800" spc="-1" strike="noStrike">
+          <a:lstStyle/>
+          <a:p>
+            <a:endParaRPr lang="fr-FR" sz="2800" b="0" strike="noStrike" spc="-1">
               <a:solidFill>
                 <a:srgbClr val="000000"/>
               </a:solidFill>
@@ -2514,11 +2734,12 @@
           </a:prstGeom>
         </p:spPr>
         <p:txBody>
-          <a:bodyPr lIns="0" rIns="0" tIns="0" bIns="0">
+          <a:bodyPr lIns="0" tIns="0" rIns="0" bIns="0">
             <a:normAutofit/>
           </a:bodyPr>
-          <a:p>
-            <a:endParaRPr b="0" lang="fr-FR" sz="2800" spc="-1" strike="noStrike">
+          <a:lstStyle/>
+          <a:p>
+            <a:endParaRPr lang="fr-FR" sz="2800" b="0" strike="noStrike" spc="-1">
               <a:solidFill>
                 <a:srgbClr val="000000"/>
               </a:solidFill>
@@ -2547,11 +2768,12 @@
           </a:prstGeom>
         </p:spPr>
         <p:txBody>
-          <a:bodyPr lIns="0" rIns="0" tIns="0" bIns="0">
+          <a:bodyPr lIns="0" tIns="0" rIns="0" bIns="0">
             <a:normAutofit/>
           </a:bodyPr>
-          <a:p>
-            <a:endParaRPr b="0" lang="fr-FR" sz="2800" spc="-1" strike="noStrike">
+          <a:lstStyle/>
+          <a:p>
+            <a:endParaRPr lang="fr-FR" sz="2800" b="0" strike="noStrike" spc="-1">
               <a:solidFill>
                 <a:srgbClr val="000000"/>
               </a:solidFill>
@@ -2562,11 +2784,14 @@
       </p:sp>
     </p:spTree>
   </p:cSld>
+  <p:clrMapOvr>
+    <a:masterClrMapping/>
+  </p:clrMapOvr>
 </p:sldLayout>
 </file>
 
 <file path=ppt/slideLayouts/slideLayout8.xml><?xml version="1.0" encoding="utf-8"?>
-<p:sldLayout xmlns:a="http://schemas.openxmlformats.org/drawingml/2006/main" xmlns:p="http://schemas.openxmlformats.org/presentationml/2006/main" xmlns:r="http://schemas.openxmlformats.org/officeDocument/2006/relationships" xmlns:p14="http://schemas.microsoft.com/office/powerpoint/2010/main" xmlns:p15="http://schemas.microsoft.com/office/powerpoint/2012/main" xmlns:mc="http://schemas.openxmlformats.org/markup-compatibility/2006" type="objAndTwoObj" preserve="1">
+<p:sldLayout xmlns:a="http://schemas.openxmlformats.org/drawingml/2006/main" xmlns:r="http://schemas.openxmlformats.org/officeDocument/2006/relationships" xmlns:p="http://schemas.openxmlformats.org/presentationml/2006/main" type="objAndTwoObj" preserve="1">
   <p:cSld name="Title Content and 2 Content">
     <p:spTree>
       <p:nvGrpSpPr>
@@ -2602,9 +2827,10 @@
           </a:prstGeom>
         </p:spPr>
         <p:txBody>
-          <a:bodyPr lIns="0" rIns="0" tIns="0" bIns="0" anchor="ctr"/>
-          <a:p>
-            <a:endParaRPr b="0" lang="fr-FR" sz="1800" spc="-1" strike="noStrike">
+          <a:bodyPr lIns="0" tIns="0" rIns="0" bIns="0" anchor="ctr"/>
+          <a:lstStyle/>
+          <a:p>
+            <a:endParaRPr lang="fr-FR" sz="1800" b="0" strike="noStrike" spc="-1">
               <a:solidFill>
                 <a:srgbClr val="000000"/>
               </a:solidFill>
@@ -2633,11 +2859,12 @@
           </a:prstGeom>
         </p:spPr>
         <p:txBody>
-          <a:bodyPr lIns="0" rIns="0" tIns="0" bIns="0">
+          <a:bodyPr lIns="0" tIns="0" rIns="0" bIns="0">
             <a:normAutofit/>
           </a:bodyPr>
-          <a:p>
-            <a:endParaRPr b="0" lang="fr-FR" sz="2800" spc="-1" strike="noStrike">
+          <a:lstStyle/>
+          <a:p>
+            <a:endParaRPr lang="fr-FR" sz="2800" b="0" strike="noStrike" spc="-1">
               <a:solidFill>
                 <a:srgbClr val="000000"/>
               </a:solidFill>
@@ -2666,11 +2893,12 @@
           </a:prstGeom>
         </p:spPr>
         <p:txBody>
-          <a:bodyPr lIns="0" rIns="0" tIns="0" bIns="0">
+          <a:bodyPr lIns="0" tIns="0" rIns="0" bIns="0">
             <a:normAutofit/>
           </a:bodyPr>
-          <a:p>
-            <a:endParaRPr b="0" lang="fr-FR" sz="2800" spc="-1" strike="noStrike">
+          <a:lstStyle/>
+          <a:p>
+            <a:endParaRPr lang="fr-FR" sz="2800" b="0" strike="noStrike" spc="-1">
               <a:solidFill>
                 <a:srgbClr val="000000"/>
               </a:solidFill>
@@ -2699,11 +2927,12 @@
           </a:prstGeom>
         </p:spPr>
         <p:txBody>
-          <a:bodyPr lIns="0" rIns="0" tIns="0" bIns="0">
+          <a:bodyPr lIns="0" tIns="0" rIns="0" bIns="0">
             <a:normAutofit/>
           </a:bodyPr>
-          <a:p>
-            <a:endParaRPr b="0" lang="fr-FR" sz="2800" spc="-1" strike="noStrike">
+          <a:lstStyle/>
+          <a:p>
+            <a:endParaRPr lang="fr-FR" sz="2800" b="0" strike="noStrike" spc="-1">
               <a:solidFill>
                 <a:srgbClr val="000000"/>
               </a:solidFill>
@@ -2714,11 +2943,14 @@
       </p:sp>
     </p:spTree>
   </p:cSld>
+  <p:clrMapOvr>
+    <a:masterClrMapping/>
+  </p:clrMapOvr>
 </p:sldLayout>
 </file>
 
 <file path=ppt/slideLayouts/slideLayout9.xml><?xml version="1.0" encoding="utf-8"?>
-<p:sldLayout xmlns:a="http://schemas.openxmlformats.org/drawingml/2006/main" xmlns:p="http://schemas.openxmlformats.org/presentationml/2006/main" xmlns:r="http://schemas.openxmlformats.org/officeDocument/2006/relationships" xmlns:p14="http://schemas.microsoft.com/office/powerpoint/2010/main" xmlns:p15="http://schemas.microsoft.com/office/powerpoint/2012/main" xmlns:mc="http://schemas.openxmlformats.org/markup-compatibility/2006" type="twoObjOverTx" preserve="1">
+<p:sldLayout xmlns:a="http://schemas.openxmlformats.org/drawingml/2006/main" xmlns:r="http://schemas.openxmlformats.org/officeDocument/2006/relationships" xmlns:p="http://schemas.openxmlformats.org/presentationml/2006/main" type="twoObjOverTx" preserve="1">
   <p:cSld name="Title, 2 Content over Content">
     <p:spTree>
       <p:nvGrpSpPr>
@@ -2754,9 +2986,10 @@
           </a:prstGeom>
         </p:spPr>
         <p:txBody>
-          <a:bodyPr lIns="0" rIns="0" tIns="0" bIns="0" anchor="ctr"/>
-          <a:p>
-            <a:endParaRPr b="0" lang="fr-FR" sz="1800" spc="-1" strike="noStrike">
+          <a:bodyPr lIns="0" tIns="0" rIns="0" bIns="0" anchor="ctr"/>
+          <a:lstStyle/>
+          <a:p>
+            <a:endParaRPr lang="fr-FR" sz="1800" b="0" strike="noStrike" spc="-1">
               <a:solidFill>
                 <a:srgbClr val="000000"/>
               </a:solidFill>
@@ -2785,11 +3018,12 @@
           </a:prstGeom>
         </p:spPr>
         <p:txBody>
-          <a:bodyPr lIns="0" rIns="0" tIns="0" bIns="0">
+          <a:bodyPr lIns="0" tIns="0" rIns="0" bIns="0">
             <a:normAutofit/>
           </a:bodyPr>
-          <a:p>
-            <a:endParaRPr b="0" lang="fr-FR" sz="2800" spc="-1" strike="noStrike">
+          <a:lstStyle/>
+          <a:p>
+            <a:endParaRPr lang="fr-FR" sz="2800" b="0" strike="noStrike" spc="-1">
               <a:solidFill>
                 <a:srgbClr val="000000"/>
               </a:solidFill>
@@ -2818,11 +3052,12 @@
           </a:prstGeom>
         </p:spPr>
         <p:txBody>
-          <a:bodyPr lIns="0" rIns="0" tIns="0" bIns="0">
+          <a:bodyPr lIns="0" tIns="0" rIns="0" bIns="0">
             <a:normAutofit/>
           </a:bodyPr>
-          <a:p>
-            <a:endParaRPr b="0" lang="fr-FR" sz="2800" spc="-1" strike="noStrike">
+          <a:lstStyle/>
+          <a:p>
+            <a:endParaRPr lang="fr-FR" sz="2800" b="0" strike="noStrike" spc="-1">
               <a:solidFill>
                 <a:srgbClr val="000000"/>
               </a:solidFill>
@@ -2851,11 +3086,12 @@
           </a:prstGeom>
         </p:spPr>
         <p:txBody>
-          <a:bodyPr lIns="0" rIns="0" tIns="0" bIns="0">
+          <a:bodyPr lIns="0" tIns="0" rIns="0" bIns="0">
             <a:normAutofit/>
           </a:bodyPr>
-          <a:p>
-            <a:endParaRPr b="0" lang="fr-FR" sz="2800" spc="-1" strike="noStrike">
+          <a:lstStyle/>
+          <a:p>
+            <a:endParaRPr lang="fr-FR" sz="2800" b="0" strike="noStrike" spc="-1">
               <a:solidFill>
                 <a:srgbClr val="000000"/>
               </a:solidFill>
@@ -2866,17 +3102,21 @@
       </p:sp>
     </p:spTree>
   </p:cSld>
+  <p:clrMapOvr>
+    <a:masterClrMapping/>
+  </p:clrMapOvr>
 </p:sldLayout>
 </file>
 
 <file path=ppt/slideMasters/slideMaster1.xml><?xml version="1.0" encoding="utf-8"?>
-<p:sldMaster xmlns:a="http://schemas.openxmlformats.org/drawingml/2006/main" xmlns:p="http://schemas.openxmlformats.org/presentationml/2006/main" xmlns:r="http://schemas.openxmlformats.org/officeDocument/2006/relationships" xmlns:p14="http://schemas.microsoft.com/office/powerpoint/2010/main" xmlns:p15="http://schemas.microsoft.com/office/powerpoint/2012/main" xmlns:mc="http://schemas.openxmlformats.org/markup-compatibility/2006">
+<p:sldMaster xmlns:a="http://schemas.openxmlformats.org/drawingml/2006/main" xmlns:r="http://schemas.openxmlformats.org/officeDocument/2006/relationships" xmlns:p="http://schemas.openxmlformats.org/presentationml/2006/main">
   <p:cSld>
     <p:bg>
       <p:bgPr>
         <a:solidFill>
-          <a:srgbClr val="ffffff"/>
+          <a:srgbClr val="FFFFFF"/>
         </a:solidFill>
+        <a:effectLst/>
       </p:bgPr>
     </p:bg>
     <p:spTree>
@@ -2895,7 +3135,7 @@
       </p:grpSpPr>
       <p:sp>
         <p:nvSpPr>
-          <p:cNvPr id="0" name="PlaceHolder 1"/>
+          <p:cNvPr id="5" name="PlaceHolder 1"/>
           <p:cNvSpPr>
             <a:spLocks noGrp="1"/>
           </p:cNvSpPr>
@@ -2914,6 +3154,7 @@
         </p:spPr>
         <p:txBody>
           <a:bodyPr anchor="b"/>
+          <a:lstStyle/>
           <a:p>
             <a:pPr algn="ctr">
               <a:lnSpc>
@@ -2921,7 +3162,7 @@
               </a:lnSpc>
             </a:pPr>
             <a:r>
-              <a:rPr b="0" lang="fr-FR" sz="6000" spc="-1" strike="noStrike">
+              <a:rPr lang="fr-FR" sz="6000" b="0" strike="noStrike" spc="-1">
                 <a:solidFill>
                   <a:srgbClr val="000000"/>
                 </a:solidFill>
@@ -2929,7 +3170,7 @@
               </a:rPr>
               <a:t>Modifiez le style du titre</a:t>
             </a:r>
-            <a:endParaRPr b="0" lang="fr-FR" sz="6000" spc="-1" strike="noStrike">
+            <a:endParaRPr lang="fr-FR" sz="6000" b="0" strike="noStrike" spc="-1">
               <a:solidFill>
                 <a:srgbClr val="000000"/>
               </a:solidFill>
@@ -2940,7 +3181,7 @@
       </p:sp>
       <p:sp>
         <p:nvSpPr>
-          <p:cNvPr id="1" name="PlaceHolder 2"/>
+          <p:cNvPr id="6" name="PlaceHolder 2"/>
           <p:cNvSpPr>
             <a:spLocks noGrp="1"/>
           </p:cNvSpPr>
@@ -2959,6 +3200,7 @@
         </p:spPr>
         <p:txBody>
           <a:bodyPr anchor="ctr"/>
+          <a:lstStyle/>
           <a:p>
             <a:pPr>
               <a:lnSpc>
@@ -2966,15 +3208,15 @@
               </a:lnSpc>
             </a:pPr>
             <a:fld id="{F1E1F58D-53A2-4EC9-AC37-0AB7FB48AC54}" type="datetime">
-              <a:rPr b="0" lang="fr-FR" sz="1200" spc="-1" strike="noStrike">
+              <a:rPr lang="fr-FR" sz="1200" b="0" strike="noStrike" spc="-1">
                 <a:solidFill>
-                  <a:srgbClr val="8b8b8b"/>
+                  <a:srgbClr val="8B8B8B"/>
                 </a:solidFill>
                 <a:latin typeface="Calibri"/>
               </a:rPr>
-              <a:t>12/12/2018</a:t>
+              <a:t>14/12/2018</a:t>
             </a:fld>
-            <a:endParaRPr b="0" lang="fr-FR" sz="1200" spc="-1" strike="noStrike">
+            <a:endParaRPr lang="fr-FR" sz="1200" b="0" strike="noStrike" spc="-1">
               <a:latin typeface="Times New Roman"/>
             </a:endParaRPr>
           </a:p>
@@ -3001,8 +3243,9 @@
         </p:spPr>
         <p:txBody>
           <a:bodyPr anchor="ctr"/>
-          <a:p>
-            <a:endParaRPr b="0" lang="fr-FR" sz="2400" spc="-1" strike="noStrike">
+          <a:lstStyle/>
+          <a:p>
+            <a:endParaRPr lang="fr-FR" sz="2400" b="0" strike="noStrike" spc="-1">
               <a:latin typeface="Times New Roman"/>
             </a:endParaRPr>
           </a:p>
@@ -3029,6 +3272,7 @@
         </p:spPr>
         <p:txBody>
           <a:bodyPr anchor="ctr"/>
+          <a:lstStyle/>
           <a:p>
             <a:pPr algn="r">
               <a:lnSpc>
@@ -3036,15 +3280,15 @@
               </a:lnSpc>
             </a:pPr>
             <a:fld id="{7939B94F-485A-464A-99D1-EAAE2B31BA44}" type="slidenum">
-              <a:rPr b="0" lang="fr-FR" sz="1200" spc="-1" strike="noStrike">
+              <a:rPr lang="fr-FR" sz="1200" b="0" strike="noStrike" spc="-1">
                 <a:solidFill>
-                  <a:srgbClr val="8b8b8b"/>
+                  <a:srgbClr val="8B8B8B"/>
                 </a:solidFill>
                 <a:latin typeface="Calibri"/>
               </a:rPr>
-              <a:t>&lt;numéro&gt;</a:t>
+              <a:t>‹N°›</a:t>
             </a:fld>
-            <a:endParaRPr b="0" lang="fr-FR" sz="1200" spc="-1" strike="noStrike">
+            <a:endParaRPr lang="fr-FR" sz="1200" b="0" strike="noStrike" spc="-1">
               <a:latin typeface="Times New Roman"/>
             </a:endParaRPr>
           </a:p>
@@ -3070,9 +3314,10 @@
           </a:prstGeom>
         </p:spPr>
         <p:txBody>
-          <a:bodyPr lIns="0" rIns="0" tIns="0" bIns="0">
+          <a:bodyPr lIns="0" tIns="0" rIns="0" bIns="0">
             <a:normAutofit/>
           </a:bodyPr>
+          <a:lstStyle/>
           <a:p>
             <a:pPr marL="432000" indent="-324000">
               <a:spcBef>
@@ -3086,7 +3331,7 @@
               <a:buChar char=""/>
             </a:pPr>
             <a:r>
-              <a:rPr b="0" lang="fr-FR" sz="2800" spc="-1" strike="noStrike">
+              <a:rPr lang="fr-FR" sz="2800" b="0" strike="noStrike" spc="-1">
                 <a:solidFill>
                   <a:srgbClr val="000000"/>
                 </a:solidFill>
@@ -3094,15 +3339,9 @@
               </a:rPr>
               <a:t>Cliquez pour éditer le format du plan de texte</a:t>
             </a:r>
-            <a:endParaRPr b="0" lang="fr-FR" sz="2800" spc="-1" strike="noStrike">
-              <a:solidFill>
-                <a:srgbClr val="000000"/>
-              </a:solidFill>
-              <a:latin typeface="Calibri"/>
-            </a:endParaRPr>
-          </a:p>
-          <a:p>
-            <a:pPr lvl="1" marL="864000" indent="-324000">
+          </a:p>
+          <a:p>
+            <a:pPr marL="864000" lvl="1" indent="-324000">
               <a:spcBef>
                 <a:spcPts val="1134"/>
               </a:spcBef>
@@ -3114,7 +3353,7 @@
               <a:buChar char=""/>
             </a:pPr>
             <a:r>
-              <a:rPr b="0" lang="fr-FR" sz="2000" spc="-1" strike="noStrike">
+              <a:rPr lang="fr-FR" sz="2000" b="0" strike="noStrike" spc="-1">
                 <a:solidFill>
                   <a:srgbClr val="000000"/>
                 </a:solidFill>
@@ -3122,15 +3361,9 @@
               </a:rPr>
               <a:t>Second niveau de plan</a:t>
             </a:r>
-            <a:endParaRPr b="0" lang="fr-FR" sz="2000" spc="-1" strike="noStrike">
-              <a:solidFill>
-                <a:srgbClr val="000000"/>
-              </a:solidFill>
-              <a:latin typeface="Calibri"/>
-            </a:endParaRPr>
-          </a:p>
-          <a:p>
-            <a:pPr lvl="2" marL="1296000" indent="-288000">
+          </a:p>
+          <a:p>
+            <a:pPr marL="1296000" lvl="2" indent="-288000">
               <a:spcBef>
                 <a:spcPts val="850"/>
               </a:spcBef>
@@ -3142,7 +3375,7 @@
               <a:buChar char=""/>
             </a:pPr>
             <a:r>
-              <a:rPr b="0" lang="fr-FR" sz="1800" spc="-1" strike="noStrike">
+              <a:rPr lang="fr-FR" sz="1800" b="0" strike="noStrike" spc="-1">
                 <a:solidFill>
                   <a:srgbClr val="000000"/>
                 </a:solidFill>
@@ -3150,15 +3383,9 @@
               </a:rPr>
               <a:t>Troisième niveau de plan</a:t>
             </a:r>
-            <a:endParaRPr b="0" lang="fr-FR" sz="1800" spc="-1" strike="noStrike">
-              <a:solidFill>
-                <a:srgbClr val="000000"/>
-              </a:solidFill>
-              <a:latin typeface="Calibri"/>
-            </a:endParaRPr>
-          </a:p>
-          <a:p>
-            <a:pPr lvl="3" marL="1728000" indent="-216000">
+          </a:p>
+          <a:p>
+            <a:pPr marL="1728000" lvl="3" indent="-216000">
               <a:spcBef>
                 <a:spcPts val="567"/>
               </a:spcBef>
@@ -3170,7 +3397,7 @@
               <a:buChar char=""/>
             </a:pPr>
             <a:r>
-              <a:rPr b="0" lang="fr-FR" sz="1800" spc="-1" strike="noStrike">
+              <a:rPr lang="fr-FR" sz="1800" b="0" strike="noStrike" spc="-1">
                 <a:solidFill>
                   <a:srgbClr val="000000"/>
                 </a:solidFill>
@@ -3178,15 +3405,9 @@
               </a:rPr>
               <a:t>Quatrième niveau de plan</a:t>
             </a:r>
-            <a:endParaRPr b="0" lang="fr-FR" sz="1800" spc="-1" strike="noStrike">
-              <a:solidFill>
-                <a:srgbClr val="000000"/>
-              </a:solidFill>
-              <a:latin typeface="Calibri"/>
-            </a:endParaRPr>
-          </a:p>
-          <a:p>
-            <a:pPr lvl="4" marL="2160000" indent="-216000">
+          </a:p>
+          <a:p>
+            <a:pPr marL="2160000" lvl="4" indent="-216000">
               <a:spcBef>
                 <a:spcPts val="283"/>
               </a:spcBef>
@@ -3198,7 +3419,7 @@
               <a:buChar char=""/>
             </a:pPr>
             <a:r>
-              <a:rPr b="0" lang="fr-FR" sz="2000" spc="-1" strike="noStrike">
+              <a:rPr lang="fr-FR" sz="2000" b="0" strike="noStrike" spc="-1">
                 <a:solidFill>
                   <a:srgbClr val="000000"/>
                 </a:solidFill>
@@ -3206,15 +3427,9 @@
               </a:rPr>
               <a:t>Cinquième niveau de plan</a:t>
             </a:r>
-            <a:endParaRPr b="0" lang="fr-FR" sz="2000" spc="-1" strike="noStrike">
-              <a:solidFill>
-                <a:srgbClr val="000000"/>
-              </a:solidFill>
-              <a:latin typeface="Calibri"/>
-            </a:endParaRPr>
-          </a:p>
-          <a:p>
-            <a:pPr lvl="5" marL="2592000" indent="-216000">
+          </a:p>
+          <a:p>
+            <a:pPr marL="2592000" lvl="5" indent="-216000">
               <a:spcBef>
                 <a:spcPts val="283"/>
               </a:spcBef>
@@ -3226,7 +3441,7 @@
               <a:buChar char=""/>
             </a:pPr>
             <a:r>
-              <a:rPr b="0" lang="fr-FR" sz="2000" spc="-1" strike="noStrike">
+              <a:rPr lang="fr-FR" sz="2000" b="0" strike="noStrike" spc="-1">
                 <a:solidFill>
                   <a:srgbClr val="000000"/>
                 </a:solidFill>
@@ -3234,15 +3449,9 @@
               </a:rPr>
               <a:t>Sixième niveau de plan</a:t>
             </a:r>
-            <a:endParaRPr b="0" lang="fr-FR" sz="2000" spc="-1" strike="noStrike">
-              <a:solidFill>
-                <a:srgbClr val="000000"/>
-              </a:solidFill>
-              <a:latin typeface="Calibri"/>
-            </a:endParaRPr>
-          </a:p>
-          <a:p>
-            <a:pPr lvl="6" marL="3024000" indent="-216000">
+          </a:p>
+          <a:p>
+            <a:pPr marL="3024000" lvl="6" indent="-216000">
               <a:spcBef>
                 <a:spcPts val="283"/>
               </a:spcBef>
@@ -3254,7 +3463,7 @@
               <a:buChar char=""/>
             </a:pPr>
             <a:r>
-              <a:rPr b="0" lang="fr-FR" sz="2000" spc="-1" strike="noStrike">
+              <a:rPr lang="fr-FR" sz="2000" b="0" strike="noStrike" spc="-1">
                 <a:solidFill>
                   <a:srgbClr val="000000"/>
                 </a:solidFill>
@@ -3262,43 +3471,318 @@
               </a:rPr>
               <a:t>Septième niveau de plan</a:t>
             </a:r>
-            <a:endParaRPr b="0" lang="fr-FR" sz="2000" spc="-1" strike="noStrike">
-              <a:solidFill>
-                <a:srgbClr val="000000"/>
-              </a:solidFill>
-              <a:latin typeface="Calibri"/>
-            </a:endParaRPr>
           </a:p>
         </p:txBody>
       </p:sp>
     </p:spTree>
   </p:cSld>
-  <p:clrMap bg1="lt1" bg2="lt2" tx1="dk1" tx2="dk2" accent1="accent1" accent2="accent2" accent3="accent3" accent4="accent4" accent5="accent5" accent6="accent6" hlink="hlink" folHlink="folHlink"/>
+  <p:clrMap bg1="lt1" tx1="dk1" bg2="lt2" tx2="dk2" accent1="accent1" accent2="accent2" accent3="accent3" accent4="accent4" accent5="accent5" accent6="accent6" hlink="hlink" folHlink="folHlink"/>
   <p:sldLayoutIdLst>
-    <p:sldLayoutId id="2147483649" r:id="rId2"/>
-    <p:sldLayoutId id="2147483650" r:id="rId3"/>
-    <p:sldLayoutId id="2147483651" r:id="rId4"/>
-    <p:sldLayoutId id="2147483652" r:id="rId5"/>
-    <p:sldLayoutId id="2147483653" r:id="rId6"/>
-    <p:sldLayoutId id="2147483654" r:id="rId7"/>
-    <p:sldLayoutId id="2147483655" r:id="rId8"/>
-    <p:sldLayoutId id="2147483656" r:id="rId9"/>
-    <p:sldLayoutId id="2147483657" r:id="rId10"/>
-    <p:sldLayoutId id="2147483658" r:id="rId11"/>
-    <p:sldLayoutId id="2147483659" r:id="rId12"/>
-    <p:sldLayoutId id="2147483660" r:id="rId13"/>
+    <p:sldLayoutId id="2147483649" r:id="rId1"/>
+    <p:sldLayoutId id="2147483650" r:id="rId2"/>
+    <p:sldLayoutId id="2147483651" r:id="rId3"/>
+    <p:sldLayoutId id="2147483652" r:id="rId4"/>
+    <p:sldLayoutId id="2147483653" r:id="rId5"/>
+    <p:sldLayoutId id="2147483654" r:id="rId6"/>
+    <p:sldLayoutId id="2147483655" r:id="rId7"/>
+    <p:sldLayoutId id="2147483656" r:id="rId8"/>
+    <p:sldLayoutId id="2147483657" r:id="rId9"/>
+    <p:sldLayoutId id="2147483658" r:id="rId10"/>
+    <p:sldLayoutId id="2147483659" r:id="rId11"/>
+    <p:sldLayoutId id="2147483660" r:id="rId12"/>
   </p:sldLayoutIdLst>
+  <p:txStyles>
+    <p:titleStyle>
+      <a:lvl1pPr algn="l" defTabSz="914400" rtl="0" eaLnBrk="1" latinLnBrk="0" hangingPunct="1">
+        <a:lnSpc>
+          <a:spcPct val="90000"/>
+        </a:lnSpc>
+        <a:spcBef>
+          <a:spcPct val="0"/>
+        </a:spcBef>
+        <a:buNone/>
+        <a:defRPr sz="4400" kern="1200">
+          <a:solidFill>
+            <a:schemeClr val="tx1"/>
+          </a:solidFill>
+          <a:latin typeface="+mj-lt"/>
+          <a:ea typeface="+mj-ea"/>
+          <a:cs typeface="+mj-cs"/>
+        </a:defRPr>
+      </a:lvl1pPr>
+    </p:titleStyle>
+    <p:bodyStyle>
+      <a:lvl1pPr marL="228600" indent="-228600" algn="l" defTabSz="914400" rtl="0" eaLnBrk="1" latinLnBrk="0" hangingPunct="1">
+        <a:lnSpc>
+          <a:spcPct val="90000"/>
+        </a:lnSpc>
+        <a:spcBef>
+          <a:spcPts val="1000"/>
+        </a:spcBef>
+        <a:buFont typeface="Arial" panose="020B0604020202020204" pitchFamily="34" charset="0"/>
+        <a:buChar char="•"/>
+        <a:defRPr sz="2800" kern="1200">
+          <a:solidFill>
+            <a:schemeClr val="tx1"/>
+          </a:solidFill>
+          <a:latin typeface="+mn-lt"/>
+          <a:ea typeface="+mn-ea"/>
+          <a:cs typeface="+mn-cs"/>
+        </a:defRPr>
+      </a:lvl1pPr>
+      <a:lvl2pPr marL="685800" indent="-228600" algn="l" defTabSz="914400" rtl="0" eaLnBrk="1" latinLnBrk="0" hangingPunct="1">
+        <a:lnSpc>
+          <a:spcPct val="90000"/>
+        </a:lnSpc>
+        <a:spcBef>
+          <a:spcPts val="500"/>
+        </a:spcBef>
+        <a:buFont typeface="Arial" panose="020B0604020202020204" pitchFamily="34" charset="0"/>
+        <a:buChar char="•"/>
+        <a:defRPr sz="2400" kern="1200">
+          <a:solidFill>
+            <a:schemeClr val="tx1"/>
+          </a:solidFill>
+          <a:latin typeface="+mn-lt"/>
+          <a:ea typeface="+mn-ea"/>
+          <a:cs typeface="+mn-cs"/>
+        </a:defRPr>
+      </a:lvl2pPr>
+      <a:lvl3pPr marL="1143000" indent="-228600" algn="l" defTabSz="914400" rtl="0" eaLnBrk="1" latinLnBrk="0" hangingPunct="1">
+        <a:lnSpc>
+          <a:spcPct val="90000"/>
+        </a:lnSpc>
+        <a:spcBef>
+          <a:spcPts val="500"/>
+        </a:spcBef>
+        <a:buFont typeface="Arial" panose="020B0604020202020204" pitchFamily="34" charset="0"/>
+        <a:buChar char="•"/>
+        <a:defRPr sz="2000" kern="1200">
+          <a:solidFill>
+            <a:schemeClr val="tx1"/>
+          </a:solidFill>
+          <a:latin typeface="+mn-lt"/>
+          <a:ea typeface="+mn-ea"/>
+          <a:cs typeface="+mn-cs"/>
+        </a:defRPr>
+      </a:lvl3pPr>
+      <a:lvl4pPr marL="1600200" indent="-228600" algn="l" defTabSz="914400" rtl="0" eaLnBrk="1" latinLnBrk="0" hangingPunct="1">
+        <a:lnSpc>
+          <a:spcPct val="90000"/>
+        </a:lnSpc>
+        <a:spcBef>
+          <a:spcPts val="500"/>
+        </a:spcBef>
+        <a:buFont typeface="Arial" panose="020B0604020202020204" pitchFamily="34" charset="0"/>
+        <a:buChar char="•"/>
+        <a:defRPr sz="1800" kern="1200">
+          <a:solidFill>
+            <a:schemeClr val="tx1"/>
+          </a:solidFill>
+          <a:latin typeface="+mn-lt"/>
+          <a:ea typeface="+mn-ea"/>
+          <a:cs typeface="+mn-cs"/>
+        </a:defRPr>
+      </a:lvl4pPr>
+      <a:lvl5pPr marL="2057400" indent="-228600" algn="l" defTabSz="914400" rtl="0" eaLnBrk="1" latinLnBrk="0" hangingPunct="1">
+        <a:lnSpc>
+          <a:spcPct val="90000"/>
+        </a:lnSpc>
+        <a:spcBef>
+          <a:spcPts val="500"/>
+        </a:spcBef>
+        <a:buFont typeface="Arial" panose="020B0604020202020204" pitchFamily="34" charset="0"/>
+        <a:buChar char="•"/>
+        <a:defRPr sz="1800" kern="1200">
+          <a:solidFill>
+            <a:schemeClr val="tx1"/>
+          </a:solidFill>
+          <a:latin typeface="+mn-lt"/>
+          <a:ea typeface="+mn-ea"/>
+          <a:cs typeface="+mn-cs"/>
+        </a:defRPr>
+      </a:lvl5pPr>
+      <a:lvl6pPr marL="2514600" indent="-228600" algn="l" defTabSz="914400" rtl="0" eaLnBrk="1" latinLnBrk="0" hangingPunct="1">
+        <a:lnSpc>
+          <a:spcPct val="90000"/>
+        </a:lnSpc>
+        <a:spcBef>
+          <a:spcPts val="500"/>
+        </a:spcBef>
+        <a:buFont typeface="Arial" panose="020B0604020202020204" pitchFamily="34" charset="0"/>
+        <a:buChar char="•"/>
+        <a:defRPr sz="1800" kern="1200">
+          <a:solidFill>
+            <a:schemeClr val="tx1"/>
+          </a:solidFill>
+          <a:latin typeface="+mn-lt"/>
+          <a:ea typeface="+mn-ea"/>
+          <a:cs typeface="+mn-cs"/>
+        </a:defRPr>
+      </a:lvl6pPr>
+      <a:lvl7pPr marL="2971800" indent="-228600" algn="l" defTabSz="914400" rtl="0" eaLnBrk="1" latinLnBrk="0" hangingPunct="1">
+        <a:lnSpc>
+          <a:spcPct val="90000"/>
+        </a:lnSpc>
+        <a:spcBef>
+          <a:spcPts val="500"/>
+        </a:spcBef>
+        <a:buFont typeface="Arial" panose="020B0604020202020204" pitchFamily="34" charset="0"/>
+        <a:buChar char="•"/>
+        <a:defRPr sz="1800" kern="1200">
+          <a:solidFill>
+            <a:schemeClr val="tx1"/>
+          </a:solidFill>
+          <a:latin typeface="+mn-lt"/>
+          <a:ea typeface="+mn-ea"/>
+          <a:cs typeface="+mn-cs"/>
+        </a:defRPr>
+      </a:lvl7pPr>
+      <a:lvl8pPr marL="3429000" indent="-228600" algn="l" defTabSz="914400" rtl="0" eaLnBrk="1" latinLnBrk="0" hangingPunct="1">
+        <a:lnSpc>
+          <a:spcPct val="90000"/>
+        </a:lnSpc>
+        <a:spcBef>
+          <a:spcPts val="500"/>
+        </a:spcBef>
+        <a:buFont typeface="Arial" panose="020B0604020202020204" pitchFamily="34" charset="0"/>
+        <a:buChar char="•"/>
+        <a:defRPr sz="1800" kern="1200">
+          <a:solidFill>
+            <a:schemeClr val="tx1"/>
+          </a:solidFill>
+          <a:latin typeface="+mn-lt"/>
+          <a:ea typeface="+mn-ea"/>
+          <a:cs typeface="+mn-cs"/>
+        </a:defRPr>
+      </a:lvl8pPr>
+      <a:lvl9pPr marL="3886200" indent="-228600" algn="l" defTabSz="914400" rtl="0" eaLnBrk="1" latinLnBrk="0" hangingPunct="1">
+        <a:lnSpc>
+          <a:spcPct val="90000"/>
+        </a:lnSpc>
+        <a:spcBef>
+          <a:spcPts val="500"/>
+        </a:spcBef>
+        <a:buFont typeface="Arial" panose="020B0604020202020204" pitchFamily="34" charset="0"/>
+        <a:buChar char="•"/>
+        <a:defRPr sz="1800" kern="1200">
+          <a:solidFill>
+            <a:schemeClr val="tx1"/>
+          </a:solidFill>
+          <a:latin typeface="+mn-lt"/>
+          <a:ea typeface="+mn-ea"/>
+          <a:cs typeface="+mn-cs"/>
+        </a:defRPr>
+      </a:lvl9pPr>
+    </p:bodyStyle>
+    <p:otherStyle>
+      <a:defPPr>
+        <a:defRPr lang="fr-FR"/>
+      </a:defPPr>
+      <a:lvl1pPr marL="0" algn="l" defTabSz="914400" rtl="0" eaLnBrk="1" latinLnBrk="0" hangingPunct="1">
+        <a:defRPr sz="1800" kern="1200">
+          <a:solidFill>
+            <a:schemeClr val="tx1"/>
+          </a:solidFill>
+          <a:latin typeface="+mn-lt"/>
+          <a:ea typeface="+mn-ea"/>
+          <a:cs typeface="+mn-cs"/>
+        </a:defRPr>
+      </a:lvl1pPr>
+      <a:lvl2pPr marL="457200" algn="l" defTabSz="914400" rtl="0" eaLnBrk="1" latinLnBrk="0" hangingPunct="1">
+        <a:defRPr sz="1800" kern="1200">
+          <a:solidFill>
+            <a:schemeClr val="tx1"/>
+          </a:solidFill>
+          <a:latin typeface="+mn-lt"/>
+          <a:ea typeface="+mn-ea"/>
+          <a:cs typeface="+mn-cs"/>
+        </a:defRPr>
+      </a:lvl2pPr>
+      <a:lvl3pPr marL="914400" algn="l" defTabSz="914400" rtl="0" eaLnBrk="1" latinLnBrk="0" hangingPunct="1">
+        <a:defRPr sz="1800" kern="1200">
+          <a:solidFill>
+            <a:schemeClr val="tx1"/>
+          </a:solidFill>
+          <a:latin typeface="+mn-lt"/>
+          <a:ea typeface="+mn-ea"/>
+          <a:cs typeface="+mn-cs"/>
+        </a:defRPr>
+      </a:lvl3pPr>
+      <a:lvl4pPr marL="1371600" algn="l" defTabSz="914400" rtl="0" eaLnBrk="1" latinLnBrk="0" hangingPunct="1">
+        <a:defRPr sz="1800" kern="1200">
+          <a:solidFill>
+            <a:schemeClr val="tx1"/>
+          </a:solidFill>
+          <a:latin typeface="+mn-lt"/>
+          <a:ea typeface="+mn-ea"/>
+          <a:cs typeface="+mn-cs"/>
+        </a:defRPr>
+      </a:lvl4pPr>
+      <a:lvl5pPr marL="1828800" algn="l" defTabSz="914400" rtl="0" eaLnBrk="1" latinLnBrk="0" hangingPunct="1">
+        <a:defRPr sz="1800" kern="1200">
+          <a:solidFill>
+            <a:schemeClr val="tx1"/>
+          </a:solidFill>
+          <a:latin typeface="+mn-lt"/>
+          <a:ea typeface="+mn-ea"/>
+          <a:cs typeface="+mn-cs"/>
+        </a:defRPr>
+      </a:lvl5pPr>
+      <a:lvl6pPr marL="2286000" algn="l" defTabSz="914400" rtl="0" eaLnBrk="1" latinLnBrk="0" hangingPunct="1">
+        <a:defRPr sz="1800" kern="1200">
+          <a:solidFill>
+            <a:schemeClr val="tx1"/>
+          </a:solidFill>
+          <a:latin typeface="+mn-lt"/>
+          <a:ea typeface="+mn-ea"/>
+          <a:cs typeface="+mn-cs"/>
+        </a:defRPr>
+      </a:lvl6pPr>
+      <a:lvl7pPr marL="2743200" algn="l" defTabSz="914400" rtl="0" eaLnBrk="1" latinLnBrk="0" hangingPunct="1">
+        <a:defRPr sz="1800" kern="1200">
+          <a:solidFill>
+            <a:schemeClr val="tx1"/>
+          </a:solidFill>
+          <a:latin typeface="+mn-lt"/>
+          <a:ea typeface="+mn-ea"/>
+          <a:cs typeface="+mn-cs"/>
+        </a:defRPr>
+      </a:lvl7pPr>
+      <a:lvl8pPr marL="3200400" algn="l" defTabSz="914400" rtl="0" eaLnBrk="1" latinLnBrk="0" hangingPunct="1">
+        <a:defRPr sz="1800" kern="1200">
+          <a:solidFill>
+            <a:schemeClr val="tx1"/>
+          </a:solidFill>
+          <a:latin typeface="+mn-lt"/>
+          <a:ea typeface="+mn-ea"/>
+          <a:cs typeface="+mn-cs"/>
+        </a:defRPr>
+      </a:lvl8pPr>
+      <a:lvl9pPr marL="3657600" algn="l" defTabSz="914400" rtl="0" eaLnBrk="1" latinLnBrk="0" hangingPunct="1">
+        <a:defRPr sz="1800" kern="1200">
+          <a:solidFill>
+            <a:schemeClr val="tx1"/>
+          </a:solidFill>
+          <a:latin typeface="+mn-lt"/>
+          <a:ea typeface="+mn-ea"/>
+          <a:cs typeface="+mn-cs"/>
+        </a:defRPr>
+      </a:lvl9pPr>
+    </p:otherStyle>
+  </p:txStyles>
 </p:sldMaster>
 </file>
 
 <file path=ppt/slideMasters/slideMaster2.xml><?xml version="1.0" encoding="utf-8"?>
-<p:sldMaster xmlns:a="http://schemas.openxmlformats.org/drawingml/2006/main" xmlns:p="http://schemas.openxmlformats.org/presentationml/2006/main" xmlns:r="http://schemas.openxmlformats.org/officeDocument/2006/relationships" xmlns:p14="http://schemas.microsoft.com/office/powerpoint/2010/main" xmlns:p15="http://schemas.microsoft.com/office/powerpoint/2012/main" xmlns:mc="http://schemas.openxmlformats.org/markup-compatibility/2006">
+<p:sldMaster xmlns:a="http://schemas.openxmlformats.org/drawingml/2006/main" xmlns:r="http://schemas.openxmlformats.org/officeDocument/2006/relationships" xmlns:p="http://schemas.openxmlformats.org/presentationml/2006/main">
   <p:cSld>
     <p:bg>
       <p:bgPr>
         <a:solidFill>
-          <a:srgbClr val="ffffff"/>
+          <a:srgbClr val="FFFFFF"/>
         </a:solidFill>
+        <a:effectLst/>
       </p:bgPr>
     </p:bg>
     <p:spTree>
@@ -3336,6 +3820,7 @@
         </p:spPr>
         <p:txBody>
           <a:bodyPr anchor="ctr"/>
+          <a:lstStyle/>
           <a:p>
             <a:pPr>
               <a:lnSpc>
@@ -3343,7 +3828,7 @@
               </a:lnSpc>
             </a:pPr>
             <a:r>
-              <a:rPr b="0" lang="fr-FR" sz="4400" spc="-1" strike="noStrike">
+              <a:rPr lang="fr-FR" sz="4400" b="0" strike="noStrike" spc="-1">
                 <a:solidFill>
                   <a:srgbClr val="000000"/>
                 </a:solidFill>
@@ -3351,7 +3836,7 @@
               </a:rPr>
               <a:t>Modifiez le style du titre</a:t>
             </a:r>
-            <a:endParaRPr b="0" lang="fr-FR" sz="4400" spc="-1" strike="noStrike">
+            <a:endParaRPr lang="fr-FR" sz="4400" b="0" strike="noStrike" spc="-1">
               <a:solidFill>
                 <a:srgbClr val="000000"/>
               </a:solidFill>
@@ -3381,6 +3866,7 @@
         </p:spPr>
         <p:txBody>
           <a:bodyPr/>
+          <a:lstStyle/>
           <a:p>
             <a:pPr marL="432000" indent="-324000">
               <a:spcBef>
@@ -3394,7 +3880,7 @@
               <a:buChar char=""/>
             </a:pPr>
             <a:r>
-              <a:rPr b="0" lang="fr-FR" sz="2800" spc="-1" strike="noStrike">
+              <a:rPr lang="fr-FR" sz="2800" b="0" strike="noStrike" spc="-1">
                 <a:solidFill>
                   <a:srgbClr val="000000"/>
                 </a:solidFill>
@@ -3402,12 +3888,6 @@
               </a:rPr>
               <a:t>Modifier les styles du texte du masque</a:t>
             </a:r>
-            <a:endParaRPr b="0" lang="fr-FR" sz="2800" spc="-1" strike="noStrike">
-              <a:solidFill>
-                <a:srgbClr val="000000"/>
-              </a:solidFill>
-              <a:latin typeface="Calibri"/>
-            </a:endParaRPr>
           </a:p>
           <a:p>
             <a:pPr marL="432000" indent="-324000">
@@ -3422,7 +3902,7 @@
               <a:buChar char=""/>
             </a:pPr>
             <a:r>
-              <a:rPr b="0" lang="fr-FR" sz="2800" spc="-1" strike="noStrike">
+              <a:rPr lang="fr-FR" sz="2800" b="0" strike="noStrike" spc="-1">
                 <a:solidFill>
                   <a:srgbClr val="000000"/>
                 </a:solidFill>
@@ -3430,12 +3910,6 @@
               </a:rPr>
               <a:t>Deuxième niveau</a:t>
             </a:r>
-            <a:endParaRPr b="0" lang="fr-FR" sz="2800" spc="-1" strike="noStrike">
-              <a:solidFill>
-                <a:srgbClr val="000000"/>
-              </a:solidFill>
-              <a:latin typeface="Calibri"/>
-            </a:endParaRPr>
           </a:p>
           <a:p>
             <a:pPr marL="432000" indent="-324000">
@@ -3450,7 +3924,7 @@
               <a:buChar char=""/>
             </a:pPr>
             <a:r>
-              <a:rPr b="0" lang="fr-FR" sz="2800" spc="-1" strike="noStrike">
+              <a:rPr lang="fr-FR" sz="2800" b="0" strike="noStrike" spc="-1">
                 <a:solidFill>
                   <a:srgbClr val="000000"/>
                 </a:solidFill>
@@ -3458,12 +3932,6 @@
               </a:rPr>
               <a:t>Troisième niveau</a:t>
             </a:r>
-            <a:endParaRPr b="0" lang="fr-FR" sz="2800" spc="-1" strike="noStrike">
-              <a:solidFill>
-                <a:srgbClr val="000000"/>
-              </a:solidFill>
-              <a:latin typeface="Calibri"/>
-            </a:endParaRPr>
           </a:p>
           <a:p>
             <a:pPr marL="432000" indent="-324000">
@@ -3478,7 +3946,7 @@
               <a:buChar char=""/>
             </a:pPr>
             <a:r>
-              <a:rPr b="0" lang="fr-FR" sz="2800" spc="-1" strike="noStrike">
+              <a:rPr lang="fr-FR" sz="2800" b="0" strike="noStrike" spc="-1">
                 <a:solidFill>
                   <a:srgbClr val="000000"/>
                 </a:solidFill>
@@ -3486,12 +3954,6 @@
               </a:rPr>
               <a:t>Quatrième niveau</a:t>
             </a:r>
-            <a:endParaRPr b="0" lang="fr-FR" sz="2800" spc="-1" strike="noStrike">
-              <a:solidFill>
-                <a:srgbClr val="000000"/>
-              </a:solidFill>
-              <a:latin typeface="Calibri"/>
-            </a:endParaRPr>
           </a:p>
           <a:p>
             <a:pPr marL="228600" indent="-228240">
@@ -3508,7 +3970,7 @@
               <a:buChar char="•"/>
             </a:pPr>
             <a:r>
-              <a:rPr b="0" lang="fr-FR" sz="2800" spc="-1" strike="noStrike">
+              <a:rPr lang="fr-FR" sz="2800" b="0" strike="noStrike" spc="-1">
                 <a:solidFill>
                   <a:srgbClr val="000000"/>
                 </a:solidFill>
@@ -3516,12 +3978,6 @@
               </a:rPr>
               <a:t>Cinquième niveau</a:t>
             </a:r>
-            <a:endParaRPr b="0" lang="fr-FR" sz="2800" spc="-1" strike="noStrike">
-              <a:solidFill>
-                <a:srgbClr val="000000"/>
-              </a:solidFill>
-              <a:latin typeface="Calibri"/>
-            </a:endParaRPr>
           </a:p>
         </p:txBody>
       </p:sp>
@@ -3546,6 +4002,7 @@
         </p:spPr>
         <p:txBody>
           <a:bodyPr anchor="ctr"/>
+          <a:lstStyle/>
           <a:p>
             <a:pPr>
               <a:lnSpc>
@@ -3553,15 +4010,15 @@
               </a:lnSpc>
             </a:pPr>
             <a:fld id="{A28690BA-5DBA-45B6-960E-55C3D67B1D71}" type="datetime">
-              <a:rPr b="0" lang="fr-FR" sz="1200" spc="-1" strike="noStrike">
+              <a:rPr lang="fr-FR" sz="1200" b="0" strike="noStrike" spc="-1">
                 <a:solidFill>
-                  <a:srgbClr val="8b8b8b"/>
+                  <a:srgbClr val="8B8B8B"/>
                 </a:solidFill>
                 <a:latin typeface="Calibri"/>
               </a:rPr>
-              <a:t>12/12/2018</a:t>
+              <a:t>14/12/2018</a:t>
             </a:fld>
-            <a:endParaRPr b="0" lang="fr-FR" sz="1200" spc="-1" strike="noStrike">
+            <a:endParaRPr lang="fr-FR" sz="1200" b="0" strike="noStrike" spc="-1">
               <a:latin typeface="Times New Roman"/>
             </a:endParaRPr>
           </a:p>
@@ -3588,8 +4045,9 @@
         </p:spPr>
         <p:txBody>
           <a:bodyPr anchor="ctr"/>
-          <a:p>
-            <a:endParaRPr b="0" lang="fr-FR" sz="2400" spc="-1" strike="noStrike">
+          <a:lstStyle/>
+          <a:p>
+            <a:endParaRPr lang="fr-FR" sz="2400" b="0" strike="noStrike" spc="-1">
               <a:latin typeface="Times New Roman"/>
             </a:endParaRPr>
           </a:p>
@@ -3616,6 +4074,7 @@
         </p:spPr>
         <p:txBody>
           <a:bodyPr anchor="ctr"/>
+          <a:lstStyle/>
           <a:p>
             <a:pPr algn="r">
               <a:lnSpc>
@@ -3623,15 +4082,15 @@
               </a:lnSpc>
             </a:pPr>
             <a:fld id="{A4BF6090-912A-4817-95FA-DF8BDC943ADC}" type="slidenum">
-              <a:rPr b="0" lang="fr-FR" sz="1200" spc="-1" strike="noStrike">
+              <a:rPr lang="fr-FR" sz="1200" b="0" strike="noStrike" spc="-1">
                 <a:solidFill>
-                  <a:srgbClr val="8b8b8b"/>
+                  <a:srgbClr val="8B8B8B"/>
                 </a:solidFill>
                 <a:latin typeface="Calibri"/>
               </a:rPr>
-              <a:t>&lt;numéro&gt;</a:t>
+              <a:t>‹N°›</a:t>
             </a:fld>
-            <a:endParaRPr b="0" lang="fr-FR" sz="1200" spc="-1" strike="noStrike">
+            <a:endParaRPr lang="fr-FR" sz="1200" b="0" strike="noStrike" spc="-1">
               <a:latin typeface="Times New Roman"/>
             </a:endParaRPr>
           </a:p>
@@ -3639,26 +4098,306 @@
       </p:sp>
     </p:spTree>
   </p:cSld>
-  <p:clrMap bg1="lt1" bg2="lt2" tx1="dk1" tx2="dk2" accent1="accent1" accent2="accent2" accent3="accent3" accent4="accent4" accent5="accent5" accent6="accent6" hlink="hlink" folHlink="folHlink"/>
+  <p:clrMap bg1="lt1" tx1="dk1" bg2="lt2" tx2="dk2" accent1="accent1" accent2="accent2" accent3="accent3" accent4="accent4" accent5="accent5" accent6="accent6" hlink="hlink" folHlink="folHlink"/>
   <p:sldLayoutIdLst>
-    <p:sldLayoutId id="2147483662" r:id="rId2"/>
-    <p:sldLayoutId id="2147483663" r:id="rId3"/>
-    <p:sldLayoutId id="2147483664" r:id="rId4"/>
-    <p:sldLayoutId id="2147483665" r:id="rId5"/>
-    <p:sldLayoutId id="2147483666" r:id="rId6"/>
-    <p:sldLayoutId id="2147483667" r:id="rId7"/>
-    <p:sldLayoutId id="2147483668" r:id="rId8"/>
-    <p:sldLayoutId id="2147483669" r:id="rId9"/>
-    <p:sldLayoutId id="2147483670" r:id="rId10"/>
-    <p:sldLayoutId id="2147483671" r:id="rId11"/>
-    <p:sldLayoutId id="2147483672" r:id="rId12"/>
-    <p:sldLayoutId id="2147483673" r:id="rId13"/>
+    <p:sldLayoutId id="2147483662" r:id="rId1"/>
+    <p:sldLayoutId id="2147483663" r:id="rId2"/>
+    <p:sldLayoutId id="2147483664" r:id="rId3"/>
+    <p:sldLayoutId id="2147483665" r:id="rId4"/>
+    <p:sldLayoutId id="2147483666" r:id="rId5"/>
+    <p:sldLayoutId id="2147483667" r:id="rId6"/>
+    <p:sldLayoutId id="2147483668" r:id="rId7"/>
+    <p:sldLayoutId id="2147483669" r:id="rId8"/>
+    <p:sldLayoutId id="2147483670" r:id="rId9"/>
+    <p:sldLayoutId id="2147483671" r:id="rId10"/>
+    <p:sldLayoutId id="2147483672" r:id="rId11"/>
+    <p:sldLayoutId id="2147483673" r:id="rId12"/>
   </p:sldLayoutIdLst>
+  <p:txStyles>
+    <p:titleStyle>
+      <a:lvl1pPr algn="l" defTabSz="914400" rtl="0" eaLnBrk="1" latinLnBrk="0" hangingPunct="1">
+        <a:lnSpc>
+          <a:spcPct val="90000"/>
+        </a:lnSpc>
+        <a:spcBef>
+          <a:spcPct val="0"/>
+        </a:spcBef>
+        <a:buNone/>
+        <a:defRPr sz="4400" kern="1200">
+          <a:solidFill>
+            <a:schemeClr val="tx1"/>
+          </a:solidFill>
+          <a:latin typeface="+mj-lt"/>
+          <a:ea typeface="+mj-ea"/>
+          <a:cs typeface="+mj-cs"/>
+        </a:defRPr>
+      </a:lvl1pPr>
+    </p:titleStyle>
+    <p:bodyStyle>
+      <a:lvl1pPr marL="228600" indent="-228600" algn="l" defTabSz="914400" rtl="0" eaLnBrk="1" latinLnBrk="0" hangingPunct="1">
+        <a:lnSpc>
+          <a:spcPct val="90000"/>
+        </a:lnSpc>
+        <a:spcBef>
+          <a:spcPts val="1000"/>
+        </a:spcBef>
+        <a:buFont typeface="Arial" panose="020B0604020202020204" pitchFamily="34" charset="0"/>
+        <a:buChar char="•"/>
+        <a:defRPr sz="2800" kern="1200">
+          <a:solidFill>
+            <a:schemeClr val="tx1"/>
+          </a:solidFill>
+          <a:latin typeface="+mn-lt"/>
+          <a:ea typeface="+mn-ea"/>
+          <a:cs typeface="+mn-cs"/>
+        </a:defRPr>
+      </a:lvl1pPr>
+      <a:lvl2pPr marL="685800" indent="-228600" algn="l" defTabSz="914400" rtl="0" eaLnBrk="1" latinLnBrk="0" hangingPunct="1">
+        <a:lnSpc>
+          <a:spcPct val="90000"/>
+        </a:lnSpc>
+        <a:spcBef>
+          <a:spcPts val="500"/>
+        </a:spcBef>
+        <a:buFont typeface="Arial" panose="020B0604020202020204" pitchFamily="34" charset="0"/>
+        <a:buChar char="•"/>
+        <a:defRPr sz="2400" kern="1200">
+          <a:solidFill>
+            <a:schemeClr val="tx1"/>
+          </a:solidFill>
+          <a:latin typeface="+mn-lt"/>
+          <a:ea typeface="+mn-ea"/>
+          <a:cs typeface="+mn-cs"/>
+        </a:defRPr>
+      </a:lvl2pPr>
+      <a:lvl3pPr marL="1143000" indent="-228600" algn="l" defTabSz="914400" rtl="0" eaLnBrk="1" latinLnBrk="0" hangingPunct="1">
+        <a:lnSpc>
+          <a:spcPct val="90000"/>
+        </a:lnSpc>
+        <a:spcBef>
+          <a:spcPts val="500"/>
+        </a:spcBef>
+        <a:buFont typeface="Arial" panose="020B0604020202020204" pitchFamily="34" charset="0"/>
+        <a:buChar char="•"/>
+        <a:defRPr sz="2000" kern="1200">
+          <a:solidFill>
+            <a:schemeClr val="tx1"/>
+          </a:solidFill>
+          <a:latin typeface="+mn-lt"/>
+          <a:ea typeface="+mn-ea"/>
+          <a:cs typeface="+mn-cs"/>
+        </a:defRPr>
+      </a:lvl3pPr>
+      <a:lvl4pPr marL="1600200" indent="-228600" algn="l" defTabSz="914400" rtl="0" eaLnBrk="1" latinLnBrk="0" hangingPunct="1">
+        <a:lnSpc>
+          <a:spcPct val="90000"/>
+        </a:lnSpc>
+        <a:spcBef>
+          <a:spcPts val="500"/>
+        </a:spcBef>
+        <a:buFont typeface="Arial" panose="020B0604020202020204" pitchFamily="34" charset="0"/>
+        <a:buChar char="•"/>
+        <a:defRPr sz="1800" kern="1200">
+          <a:solidFill>
+            <a:schemeClr val="tx1"/>
+          </a:solidFill>
+          <a:latin typeface="+mn-lt"/>
+          <a:ea typeface="+mn-ea"/>
+          <a:cs typeface="+mn-cs"/>
+        </a:defRPr>
+      </a:lvl4pPr>
+      <a:lvl5pPr marL="2057400" indent="-228600" algn="l" defTabSz="914400" rtl="0" eaLnBrk="1" latinLnBrk="0" hangingPunct="1">
+        <a:lnSpc>
+          <a:spcPct val="90000"/>
+        </a:lnSpc>
+        <a:spcBef>
+          <a:spcPts val="500"/>
+        </a:spcBef>
+        <a:buFont typeface="Arial" panose="020B0604020202020204" pitchFamily="34" charset="0"/>
+        <a:buChar char="•"/>
+        <a:defRPr sz="1800" kern="1200">
+          <a:solidFill>
+            <a:schemeClr val="tx1"/>
+          </a:solidFill>
+          <a:latin typeface="+mn-lt"/>
+          <a:ea typeface="+mn-ea"/>
+          <a:cs typeface="+mn-cs"/>
+        </a:defRPr>
+      </a:lvl5pPr>
+      <a:lvl6pPr marL="2514600" indent="-228600" algn="l" defTabSz="914400" rtl="0" eaLnBrk="1" latinLnBrk="0" hangingPunct="1">
+        <a:lnSpc>
+          <a:spcPct val="90000"/>
+        </a:lnSpc>
+        <a:spcBef>
+          <a:spcPts val="500"/>
+        </a:spcBef>
+        <a:buFont typeface="Arial" panose="020B0604020202020204" pitchFamily="34" charset="0"/>
+        <a:buChar char="•"/>
+        <a:defRPr sz="1800" kern="1200">
+          <a:solidFill>
+            <a:schemeClr val="tx1"/>
+          </a:solidFill>
+          <a:latin typeface="+mn-lt"/>
+          <a:ea typeface="+mn-ea"/>
+          <a:cs typeface="+mn-cs"/>
+        </a:defRPr>
+      </a:lvl6pPr>
+      <a:lvl7pPr marL="2971800" indent="-228600" algn="l" defTabSz="914400" rtl="0" eaLnBrk="1" latinLnBrk="0" hangingPunct="1">
+        <a:lnSpc>
+          <a:spcPct val="90000"/>
+        </a:lnSpc>
+        <a:spcBef>
+          <a:spcPts val="500"/>
+        </a:spcBef>
+        <a:buFont typeface="Arial" panose="020B0604020202020204" pitchFamily="34" charset="0"/>
+        <a:buChar char="•"/>
+        <a:defRPr sz="1800" kern="1200">
+          <a:solidFill>
+            <a:schemeClr val="tx1"/>
+          </a:solidFill>
+          <a:latin typeface="+mn-lt"/>
+          <a:ea typeface="+mn-ea"/>
+          <a:cs typeface="+mn-cs"/>
+        </a:defRPr>
+      </a:lvl7pPr>
+      <a:lvl8pPr marL="3429000" indent="-228600" algn="l" defTabSz="914400" rtl="0" eaLnBrk="1" latinLnBrk="0" hangingPunct="1">
+        <a:lnSpc>
+          <a:spcPct val="90000"/>
+        </a:lnSpc>
+        <a:spcBef>
+          <a:spcPts val="500"/>
+        </a:spcBef>
+        <a:buFont typeface="Arial" panose="020B0604020202020204" pitchFamily="34" charset="0"/>
+        <a:buChar char="•"/>
+        <a:defRPr sz="1800" kern="1200">
+          <a:solidFill>
+            <a:schemeClr val="tx1"/>
+          </a:solidFill>
+          <a:latin typeface="+mn-lt"/>
+          <a:ea typeface="+mn-ea"/>
+          <a:cs typeface="+mn-cs"/>
+        </a:defRPr>
+      </a:lvl8pPr>
+      <a:lvl9pPr marL="3886200" indent="-228600" algn="l" defTabSz="914400" rtl="0" eaLnBrk="1" latinLnBrk="0" hangingPunct="1">
+        <a:lnSpc>
+          <a:spcPct val="90000"/>
+        </a:lnSpc>
+        <a:spcBef>
+          <a:spcPts val="500"/>
+        </a:spcBef>
+        <a:buFont typeface="Arial" panose="020B0604020202020204" pitchFamily="34" charset="0"/>
+        <a:buChar char="•"/>
+        <a:defRPr sz="1800" kern="1200">
+          <a:solidFill>
+            <a:schemeClr val="tx1"/>
+          </a:solidFill>
+          <a:latin typeface="+mn-lt"/>
+          <a:ea typeface="+mn-ea"/>
+          <a:cs typeface="+mn-cs"/>
+        </a:defRPr>
+      </a:lvl9pPr>
+    </p:bodyStyle>
+    <p:otherStyle>
+      <a:defPPr>
+        <a:defRPr lang="fr-FR"/>
+      </a:defPPr>
+      <a:lvl1pPr marL="0" algn="l" defTabSz="914400" rtl="0" eaLnBrk="1" latinLnBrk="0" hangingPunct="1">
+        <a:defRPr sz="1800" kern="1200">
+          <a:solidFill>
+            <a:schemeClr val="tx1"/>
+          </a:solidFill>
+          <a:latin typeface="+mn-lt"/>
+          <a:ea typeface="+mn-ea"/>
+          <a:cs typeface="+mn-cs"/>
+        </a:defRPr>
+      </a:lvl1pPr>
+      <a:lvl2pPr marL="457200" algn="l" defTabSz="914400" rtl="0" eaLnBrk="1" latinLnBrk="0" hangingPunct="1">
+        <a:defRPr sz="1800" kern="1200">
+          <a:solidFill>
+            <a:schemeClr val="tx1"/>
+          </a:solidFill>
+          <a:latin typeface="+mn-lt"/>
+          <a:ea typeface="+mn-ea"/>
+          <a:cs typeface="+mn-cs"/>
+        </a:defRPr>
+      </a:lvl2pPr>
+      <a:lvl3pPr marL="914400" algn="l" defTabSz="914400" rtl="0" eaLnBrk="1" latinLnBrk="0" hangingPunct="1">
+        <a:defRPr sz="1800" kern="1200">
+          <a:solidFill>
+            <a:schemeClr val="tx1"/>
+          </a:solidFill>
+          <a:latin typeface="+mn-lt"/>
+          <a:ea typeface="+mn-ea"/>
+          <a:cs typeface="+mn-cs"/>
+        </a:defRPr>
+      </a:lvl3pPr>
+      <a:lvl4pPr marL="1371600" algn="l" defTabSz="914400" rtl="0" eaLnBrk="1" latinLnBrk="0" hangingPunct="1">
+        <a:defRPr sz="1800" kern="1200">
+          <a:solidFill>
+            <a:schemeClr val="tx1"/>
+          </a:solidFill>
+          <a:latin typeface="+mn-lt"/>
+          <a:ea typeface="+mn-ea"/>
+          <a:cs typeface="+mn-cs"/>
+        </a:defRPr>
+      </a:lvl4pPr>
+      <a:lvl5pPr marL="1828800" algn="l" defTabSz="914400" rtl="0" eaLnBrk="1" latinLnBrk="0" hangingPunct="1">
+        <a:defRPr sz="1800" kern="1200">
+          <a:solidFill>
+            <a:schemeClr val="tx1"/>
+          </a:solidFill>
+          <a:latin typeface="+mn-lt"/>
+          <a:ea typeface="+mn-ea"/>
+          <a:cs typeface="+mn-cs"/>
+        </a:defRPr>
+      </a:lvl5pPr>
+      <a:lvl6pPr marL="2286000" algn="l" defTabSz="914400" rtl="0" eaLnBrk="1" latinLnBrk="0" hangingPunct="1">
+        <a:defRPr sz="1800" kern="1200">
+          <a:solidFill>
+            <a:schemeClr val="tx1"/>
+          </a:solidFill>
+          <a:latin typeface="+mn-lt"/>
+          <a:ea typeface="+mn-ea"/>
+          <a:cs typeface="+mn-cs"/>
+        </a:defRPr>
+      </a:lvl6pPr>
+      <a:lvl7pPr marL="2743200" algn="l" defTabSz="914400" rtl="0" eaLnBrk="1" latinLnBrk="0" hangingPunct="1">
+        <a:defRPr sz="1800" kern="1200">
+          <a:solidFill>
+            <a:schemeClr val="tx1"/>
+          </a:solidFill>
+          <a:latin typeface="+mn-lt"/>
+          <a:ea typeface="+mn-ea"/>
+          <a:cs typeface="+mn-cs"/>
+        </a:defRPr>
+      </a:lvl7pPr>
+      <a:lvl8pPr marL="3200400" algn="l" defTabSz="914400" rtl="0" eaLnBrk="1" latinLnBrk="0" hangingPunct="1">
+        <a:defRPr sz="1800" kern="1200">
+          <a:solidFill>
+            <a:schemeClr val="tx1"/>
+          </a:solidFill>
+          <a:latin typeface="+mn-lt"/>
+          <a:ea typeface="+mn-ea"/>
+          <a:cs typeface="+mn-cs"/>
+        </a:defRPr>
+      </a:lvl8pPr>
+      <a:lvl9pPr marL="3657600" algn="l" defTabSz="914400" rtl="0" eaLnBrk="1" latinLnBrk="0" hangingPunct="1">
+        <a:defRPr sz="1800" kern="1200">
+          <a:solidFill>
+            <a:schemeClr val="tx1"/>
+          </a:solidFill>
+          <a:latin typeface="+mn-lt"/>
+          <a:ea typeface="+mn-ea"/>
+          <a:cs typeface="+mn-cs"/>
+        </a:defRPr>
+      </a:lvl9pPr>
+    </p:otherStyle>
+  </p:txStyles>
 </p:sldMaster>
 </file>
 
 <file path=ppt/slides/slide1.xml><?xml version="1.0" encoding="utf-8"?>
-<p:sld xmlns:a="http://schemas.openxmlformats.org/drawingml/2006/main" xmlns:p="http://schemas.openxmlformats.org/presentationml/2006/main" xmlns:r="http://schemas.openxmlformats.org/officeDocument/2006/relationships" xmlns:p14="http://schemas.microsoft.com/office/powerpoint/2010/main" xmlns:p15="http://schemas.microsoft.com/office/powerpoint/2012/main" xmlns:mc="http://schemas.openxmlformats.org/markup-compatibility/2006">
+<p:sld xmlns:a="http://schemas.openxmlformats.org/drawingml/2006/main" xmlns:r="http://schemas.openxmlformats.org/officeDocument/2006/relationships" xmlns:p="http://schemas.openxmlformats.org/presentationml/2006/main">
   <p:cSld>
     <p:spTree>
       <p:nvGrpSpPr>
@@ -3772,13 +4511,20 @@
           </a:ln>
         </p:spPr>
         <p:style>
-          <a:lnRef idx="0"/>
-          <a:fillRef idx="0"/>
-          <a:effectRef idx="0"/>
+          <a:lnRef idx="0">
+            <a:scrgbClr r="0" g="0" b="0"/>
+          </a:lnRef>
+          <a:fillRef idx="0">
+            <a:scrgbClr r="0" g="0" b="0"/>
+          </a:fillRef>
+          <a:effectRef idx="0">
+            <a:scrgbClr r="0" g="0" b="0"/>
+          </a:effectRef>
           <a:fontRef idx="minor"/>
         </p:style>
         <p:txBody>
-          <a:bodyPr lIns="90000" rIns="90000" tIns="45000" bIns="45000"/>
+          <a:bodyPr lIns="90000" tIns="45000" rIns="90000" bIns="45000"/>
+          <a:lstStyle/>
           <a:p>
             <a:pPr algn="ctr">
               <a:lnSpc>
@@ -3786,7 +4532,7 @@
               </a:lnSpc>
             </a:pPr>
             <a:r>
-              <a:rPr b="0" lang="fr-FR" sz="2400" spc="-1" strike="noStrike">
+              <a:rPr lang="fr-FR" sz="2400" b="0" strike="noStrike" spc="-1">
                 <a:solidFill>
                   <a:srgbClr val="000000"/>
                 </a:solidFill>
@@ -3795,7 +4541,7 @@
               </a:rPr>
               <a:t>Anki Sami – Rodriguez Benjamin – Simajchel Yann</a:t>
             </a:r>
-            <a:endParaRPr b="0" lang="fr-FR" sz="2400" spc="-1" strike="noStrike">
+            <a:endParaRPr lang="fr-FR" sz="2400" b="0" strike="noStrike" spc="-1">
               <a:latin typeface="Arial"/>
             </a:endParaRPr>
           </a:p>
@@ -3803,30 +4549,7 @@
       </p:sp>
       <p:pic>
         <p:nvPicPr>
-          <p:cNvPr id="85" name="Image 12" descr=""/>
-          <p:cNvPicPr/>
-          <p:nvPr/>
-        </p:nvPicPr>
-        <p:blipFill>
-          <a:blip r:embed="rId1"/>
-          <a:stretch/>
-        </p:blipFill>
-        <p:spPr>
-          <a:xfrm>
-            <a:off x="4208040" y="91080"/>
-            <a:ext cx="3775680" cy="969120"/>
-          </a:xfrm>
-          <a:prstGeom prst="rect">
-            <a:avLst/>
-          </a:prstGeom>
-          <a:ln>
-            <a:noFill/>
-          </a:ln>
-        </p:spPr>
-      </p:pic>
-      <p:pic>
-        <p:nvPicPr>
-          <p:cNvPr id="86" name="Image 1" descr=""/>
+          <p:cNvPr id="85" name="Image 12"/>
           <p:cNvPicPr/>
           <p:nvPr/>
         </p:nvPicPr>
@@ -3836,8 +4559,8 @@
         </p:blipFill>
         <p:spPr>
           <a:xfrm>
-            <a:off x="1471320" y="1744920"/>
-            <a:ext cx="9248760" cy="4600080"/>
+            <a:off x="4208040" y="91080"/>
+            <a:ext cx="3775680" cy="969120"/>
           </a:xfrm>
           <a:prstGeom prst="rect">
             <a:avLst/>
@@ -3847,44 +4570,9 @@
           </a:ln>
         </p:spPr>
       </p:pic>
-      <p:sp>
-        <p:nvSpPr>
-          <p:cNvPr id="87" name="TextShape 4"/>
-          <p:cNvSpPr txBox="1"/>
-          <p:nvPr/>
-        </p:nvSpPr>
-        <p:spPr>
-          <a:xfrm>
-            <a:off x="3312000" y="1102680"/>
-            <a:ext cx="5544000" cy="553320"/>
-          </a:xfrm>
-          <a:prstGeom prst="rect">
-            <a:avLst/>
-          </a:prstGeom>
-          <a:noFill/>
-          <a:ln>
-            <a:noFill/>
-          </a:ln>
-        </p:spPr>
-        <p:txBody>
-          <a:bodyPr lIns="90000" rIns="90000" tIns="45000" bIns="45000"/>
-          <a:p>
-            <a:pPr algn="ctr"/>
-            <a:r>
-              <a:rPr b="1" lang="fr-FR" sz="1800" spc="-1" strike="noStrike">
-                <a:latin typeface="Arial"/>
-              </a:rPr>
-              <a:t>Site d’apprentissage par flashcards</a:t>
-            </a:r>
-            <a:endParaRPr b="1" lang="fr-FR" sz="1800" spc="-1" strike="noStrike">
-              <a:latin typeface="Arial"/>
-            </a:endParaRPr>
-          </a:p>
-        </p:txBody>
-      </p:sp>
       <p:pic>
         <p:nvPicPr>
-          <p:cNvPr id="88" name="" descr=""/>
+          <p:cNvPr id="86" name="Image 1"/>
           <p:cNvPicPr/>
           <p:nvPr/>
         </p:nvPicPr>
@@ -3894,8 +4582,8 @@
         </p:blipFill>
         <p:spPr>
           <a:xfrm>
-            <a:off x="10384200" y="51120"/>
-            <a:ext cx="1797840" cy="1604880"/>
+            <a:off x="1471320" y="1744920"/>
+            <a:ext cx="9248760" cy="4600080"/>
           </a:xfrm>
           <a:prstGeom prst="rect">
             <a:avLst/>
@@ -3905,10 +4593,69 @@
           </a:ln>
         </p:spPr>
       </p:pic>
+      <p:sp>
+        <p:nvSpPr>
+          <p:cNvPr id="87" name="TextShape 4"/>
+          <p:cNvSpPr txBox="1"/>
+          <p:nvPr/>
+        </p:nvSpPr>
+        <p:spPr>
+          <a:xfrm>
+            <a:off x="3312000" y="1102680"/>
+            <a:ext cx="5544000" cy="553320"/>
+          </a:xfrm>
+          <a:prstGeom prst="rect">
+            <a:avLst/>
+          </a:prstGeom>
+          <a:noFill/>
+          <a:ln>
+            <a:noFill/>
+          </a:ln>
+        </p:spPr>
+        <p:txBody>
+          <a:bodyPr lIns="90000" tIns="45000" rIns="90000" bIns="45000"/>
+          <a:lstStyle/>
+          <a:p>
+            <a:pPr algn="ctr"/>
+            <a:r>
+              <a:rPr lang="fr-FR" sz="1800" b="1" strike="noStrike" spc="-1">
+                <a:latin typeface="Arial"/>
+              </a:rPr>
+              <a:t>Site d’apprentissage par flashcards</a:t>
+            </a:r>
+          </a:p>
+        </p:txBody>
+      </p:sp>
+      <p:pic>
+        <p:nvPicPr>
+          <p:cNvPr id="88" name="Image 87"/>
+          <p:cNvPicPr/>
+          <p:nvPr/>
+        </p:nvPicPr>
+        <p:blipFill>
+          <a:blip r:embed="rId4"/>
+          <a:stretch/>
+        </p:blipFill>
+        <p:spPr>
+          <a:xfrm>
+            <a:off x="10384200" y="51120"/>
+            <a:ext cx="1797840" cy="1604880"/>
+          </a:xfrm>
+          <a:prstGeom prst="rect">
+            <a:avLst/>
+          </a:prstGeom>
+          <a:ln>
+            <a:noFill/>
+          </a:ln>
+        </p:spPr>
+      </p:pic>
     </p:spTree>
   </p:cSld>
+  <p:clrMapOvr>
+    <a:masterClrMapping/>
+  </p:clrMapOvr>
   <p:transition spd="slow">
-    <p:wipe dir="l"/>
+    <p:wipe/>
   </p:transition>
   <p:timing>
     <p:tnLst>
@@ -3918,14 +4665,14 @@
             <p:seq>
               <p:cTn id="2" nodeType="mainSeq"/>
               <p:prevCondLst>
-                <p:cond delay="0" evt="onPrev">
+                <p:cond evt="onPrev" delay="0">
                   <p:tgtEl>
                     <p:sldTgt/>
                   </p:tgtEl>
                 </p:cond>
               </p:prevCondLst>
               <p:nextCondLst>
-                <p:cond delay="0" evt="onNext">
+                <p:cond evt="onNext" delay="0">
                   <p:tgtEl>
                     <p:sldTgt/>
                   </p:tgtEl>
@@ -3941,7 +4688,7 @@
 </file>
 
 <file path=ppt/slides/slide2.xml><?xml version="1.0" encoding="utf-8"?>
-<p:sld xmlns:a="http://schemas.openxmlformats.org/drawingml/2006/main" xmlns:p="http://schemas.openxmlformats.org/presentationml/2006/main" xmlns:r="http://schemas.openxmlformats.org/officeDocument/2006/relationships" xmlns:p14="http://schemas.microsoft.com/office/powerpoint/2010/main" xmlns:p15="http://schemas.microsoft.com/office/powerpoint/2012/main" xmlns:mc="http://schemas.openxmlformats.org/markup-compatibility/2006">
+<p:sld xmlns:a="http://schemas.openxmlformats.org/drawingml/2006/main" xmlns:r="http://schemas.openxmlformats.org/officeDocument/2006/relationships" xmlns:p="http://schemas.openxmlformats.org/presentationml/2006/main">
   <p:cSld>
     <p:spTree>
       <p:nvGrpSpPr>
@@ -4056,6 +4803,7 @@
         </p:spPr>
         <p:txBody>
           <a:bodyPr/>
+          <a:lstStyle/>
           <a:p>
             <a:pPr marL="228600" indent="-228240">
               <a:lnSpc>
@@ -4071,7 +4819,7 @@
               <a:buChar char="•"/>
             </a:pPr>
             <a:r>
-              <a:rPr b="0" lang="fr-FR" sz="2800" spc="-1" strike="noStrike">
+              <a:rPr lang="fr-FR" sz="2800" b="0" strike="noStrike" spc="-1">
                 <a:solidFill>
                   <a:srgbClr val="000000"/>
                 </a:solidFill>
@@ -4079,12 +4827,6 @@
               </a:rPr>
               <a:t>Objectifs du projet</a:t>
             </a:r>
-            <a:endParaRPr b="0" lang="fr-FR" sz="2800" spc="-1" strike="noStrike">
-              <a:solidFill>
-                <a:srgbClr val="000000"/>
-              </a:solidFill>
-              <a:latin typeface="Calibri"/>
-            </a:endParaRPr>
           </a:p>
           <a:p>
             <a:pPr marL="228600" indent="-228240">
@@ -4101,7 +4843,7 @@
               <a:buChar char="•"/>
             </a:pPr>
             <a:r>
-              <a:rPr b="0" lang="fr-FR" sz="2800" spc="-1" strike="noStrike">
+              <a:rPr lang="fr-FR" sz="2800" b="0" strike="noStrike" spc="-1">
                 <a:solidFill>
                   <a:srgbClr val="000000"/>
                 </a:solidFill>
@@ -4109,12 +4851,6 @@
               </a:rPr>
               <a:t>Arborescence</a:t>
             </a:r>
-            <a:endParaRPr b="0" lang="fr-FR" sz="2800" spc="-1" strike="noStrike">
-              <a:solidFill>
-                <a:srgbClr val="000000"/>
-              </a:solidFill>
-              <a:latin typeface="Calibri"/>
-            </a:endParaRPr>
           </a:p>
           <a:p>
             <a:pPr marL="228600" indent="-228240">
@@ -4131,7 +4867,7 @@
               <a:buChar char="•"/>
             </a:pPr>
             <a:r>
-              <a:rPr b="0" lang="fr-FR" sz="2800" spc="-1" strike="noStrike">
+              <a:rPr lang="fr-FR" sz="2800" b="0" strike="noStrike" spc="-1">
                 <a:solidFill>
                   <a:srgbClr val="000000"/>
                 </a:solidFill>
@@ -4139,12 +4875,6 @@
               </a:rPr>
               <a:t>MCD (Modèle conceptuel de données)</a:t>
             </a:r>
-            <a:endParaRPr b="0" lang="fr-FR" sz="2800" spc="-1" strike="noStrike">
-              <a:solidFill>
-                <a:srgbClr val="000000"/>
-              </a:solidFill>
-              <a:latin typeface="Calibri"/>
-            </a:endParaRPr>
           </a:p>
           <a:p>
             <a:pPr marL="228600" indent="-228240">
@@ -4161,7 +4891,7 @@
               <a:buChar char="•"/>
             </a:pPr>
             <a:r>
-              <a:rPr b="0" lang="fr-FR" sz="2800" spc="-1" strike="noStrike">
+              <a:rPr lang="fr-FR" sz="2800" b="0" strike="noStrike" spc="-1">
                 <a:solidFill>
                   <a:srgbClr val="000000"/>
                 </a:solidFill>
@@ -4169,12 +4899,6 @@
               </a:rPr>
               <a:t>Objectifs fixés de l’ITE 1</a:t>
             </a:r>
-            <a:endParaRPr b="0" lang="fr-FR" sz="2800" spc="-1" strike="noStrike">
-              <a:solidFill>
-                <a:srgbClr val="000000"/>
-              </a:solidFill>
-              <a:latin typeface="Calibri"/>
-            </a:endParaRPr>
           </a:p>
           <a:p>
             <a:pPr marL="228600" indent="-228240">
@@ -4191,7 +4915,7 @@
               <a:buChar char="•"/>
             </a:pPr>
             <a:r>
-              <a:rPr b="0" lang="fr-FR" sz="2800" spc="-1" strike="noStrike">
+              <a:rPr lang="fr-FR" sz="2800" b="0" strike="noStrike" spc="-1">
                 <a:solidFill>
                   <a:srgbClr val="000000"/>
                 </a:solidFill>
@@ -4199,12 +4923,6 @@
               </a:rPr>
               <a:t>Démonstration du site</a:t>
             </a:r>
-            <a:endParaRPr b="0" lang="fr-FR" sz="2800" spc="-1" strike="noStrike">
-              <a:solidFill>
-                <a:srgbClr val="000000"/>
-              </a:solidFill>
-              <a:latin typeface="Calibri"/>
-            </a:endParaRPr>
           </a:p>
           <a:p>
             <a:pPr marL="228600" indent="-228240">
@@ -4221,7 +4939,7 @@
               <a:buChar char="•"/>
             </a:pPr>
             <a:r>
-              <a:rPr b="0" lang="fr-FR" sz="2800" spc="-1" strike="noStrike">
+              <a:rPr lang="fr-FR" sz="2800" b="0" strike="noStrike" spc="-1">
                 <a:solidFill>
                   <a:srgbClr val="000000"/>
                 </a:solidFill>
@@ -4229,12 +4947,6 @@
               </a:rPr>
               <a:t>Prévisions pour l’it-2</a:t>
             </a:r>
-            <a:endParaRPr b="0" lang="fr-FR" sz="2800" spc="-1" strike="noStrike">
-              <a:solidFill>
-                <a:srgbClr val="000000"/>
-              </a:solidFill>
-              <a:latin typeface="Calibri"/>
-            </a:endParaRPr>
           </a:p>
           <a:p>
             <a:pPr>
@@ -4245,7 +4957,7 @@
                 <a:spcPts val="1001"/>
               </a:spcBef>
             </a:pPr>
-            <a:endParaRPr b="0" lang="fr-FR" sz="2800" spc="-1" strike="noStrike">
+            <a:endParaRPr lang="fr-FR" sz="2800" b="0" strike="noStrike" spc="-1">
               <a:solidFill>
                 <a:srgbClr val="000000"/>
               </a:solidFill>
@@ -4261,7 +4973,7 @@
                 <a:spcPts val="1001"/>
               </a:spcBef>
             </a:pPr>
-            <a:endParaRPr b="0" lang="fr-FR" sz="2800" spc="-1" strike="noStrike">
+            <a:endParaRPr lang="fr-FR" sz="2800" b="0" strike="noStrike" spc="-1">
               <a:solidFill>
                 <a:srgbClr val="000000"/>
               </a:solidFill>
@@ -4291,6 +5003,7 @@
         </p:spPr>
         <p:txBody>
           <a:bodyPr anchor="ctr"/>
+          <a:lstStyle/>
           <a:p>
             <a:pPr algn="ctr">
               <a:lnSpc>
@@ -4298,7 +5011,7 @@
               </a:lnSpc>
             </a:pPr>
             <a:r>
-              <a:rPr b="1" lang="fr-FR" sz="4400" spc="-1" strike="noStrike">
+              <a:rPr lang="fr-FR" sz="4400" b="1" strike="noStrike" spc="-1">
                 <a:solidFill>
                   <a:srgbClr val="000000"/>
                 </a:solidFill>
@@ -4306,7 +5019,7 @@
               </a:rPr>
               <a:t>Contexte de la présentation</a:t>
             </a:r>
-            <a:endParaRPr b="0" lang="fr-FR" sz="4400" spc="-1" strike="noStrike">
+            <a:endParaRPr lang="fr-FR" sz="4400" b="0" strike="noStrike" spc="-1">
               <a:solidFill>
                 <a:srgbClr val="000000"/>
               </a:solidFill>
@@ -4317,12 +5030,12 @@
       </p:sp>
       <p:pic>
         <p:nvPicPr>
-          <p:cNvPr id="93" name="Image 12" descr=""/>
+          <p:cNvPr id="93" name="Image 12"/>
           <p:cNvPicPr/>
           <p:nvPr/>
         </p:nvPicPr>
         <p:blipFill>
-          <a:blip r:embed="rId1"/>
+          <a:blip r:embed="rId2"/>
           <a:stretch/>
         </p:blipFill>
         <p:spPr>
@@ -4340,25 +5053,28 @@
       </p:pic>
     </p:spTree>
   </p:cSld>
+  <p:clrMapOvr>
+    <a:masterClrMapping/>
+  </p:clrMapOvr>
   <p:transition spd="slow">
-    <p:wipe dir="l"/>
+    <p:wipe/>
   </p:transition>
   <p:timing>
     <p:tnLst>
       <p:par>
-        <p:cTn id="3" dur="indefinite" restart="never" nodeType="tmRoot">
+        <p:cTn id="1" dur="indefinite" restart="never" nodeType="tmRoot">
           <p:childTnLst>
             <p:seq>
-              <p:cTn id="4" nodeType="mainSeq"/>
+              <p:cTn id="2" nodeType="mainSeq"/>
               <p:prevCondLst>
-                <p:cond delay="0" evt="onPrev">
+                <p:cond evt="onPrev" delay="0">
                   <p:tgtEl>
                     <p:sldTgt/>
                   </p:tgtEl>
                 </p:cond>
               </p:prevCondLst>
               <p:nextCondLst>
-                <p:cond delay="0" evt="onNext">
+                <p:cond evt="onNext" delay="0">
                   <p:tgtEl>
                     <p:sldTgt/>
                   </p:tgtEl>
@@ -4374,7 +5090,7 @@
 </file>
 
 <file path=ppt/slides/slide3.xml><?xml version="1.0" encoding="utf-8"?>
-<p:sld xmlns:a="http://schemas.openxmlformats.org/drawingml/2006/main" xmlns:p="http://schemas.openxmlformats.org/presentationml/2006/main" xmlns:r="http://schemas.openxmlformats.org/officeDocument/2006/relationships" xmlns:p14="http://schemas.microsoft.com/office/powerpoint/2010/main" xmlns:p15="http://schemas.microsoft.com/office/powerpoint/2012/main" xmlns:mc="http://schemas.openxmlformats.org/markup-compatibility/2006">
+<p:sld xmlns:a="http://schemas.openxmlformats.org/drawingml/2006/main" xmlns:r="http://schemas.openxmlformats.org/officeDocument/2006/relationships" xmlns:p="http://schemas.openxmlformats.org/presentationml/2006/main">
   <p:cSld>
     <p:spTree>
       <p:nvGrpSpPr>
@@ -4488,15 +5204,22 @@
           </a:ln>
         </p:spPr>
         <p:style>
-          <a:lnRef idx="0"/>
-          <a:fillRef idx="0"/>
-          <a:effectRef idx="0"/>
+          <a:lnRef idx="0">
+            <a:scrgbClr r="0" g="0" b="0"/>
+          </a:lnRef>
+          <a:fillRef idx="0">
+            <a:scrgbClr r="0" g="0" b="0"/>
+          </a:fillRef>
+          <a:effectRef idx="0">
+            <a:scrgbClr r="0" g="0" b="0"/>
+          </a:effectRef>
           <a:fontRef idx="minor"/>
         </p:style>
         <p:txBody>
           <a:bodyPr anchor="ctr">
             <a:normAutofit/>
           </a:bodyPr>
+          <a:lstStyle/>
           <a:p>
             <a:pPr algn="ctr">
               <a:lnSpc>
@@ -4504,7 +5227,7 @@
               </a:lnSpc>
             </a:pPr>
             <a:r>
-              <a:rPr b="1" lang="fr-FR" sz="4400" spc="-1" strike="noStrike">
+              <a:rPr lang="fr-FR" sz="4400" b="1" strike="noStrike" spc="-1">
                 <a:solidFill>
                   <a:srgbClr val="000000"/>
                 </a:solidFill>
@@ -4512,7 +5235,7 @@
               </a:rPr>
               <a:t>Objectifs du projet</a:t>
             </a:r>
-            <a:endParaRPr b="0" lang="fr-FR" sz="4400" spc="-1" strike="noStrike">
+            <a:endParaRPr lang="fr-FR" sz="4400" b="0" strike="noStrike" spc="-1">
               <a:latin typeface="Arial"/>
             </a:endParaRPr>
           </a:p>
@@ -4539,8 +5262,9 @@
         </p:spPr>
         <p:txBody>
           <a:bodyPr>
-            <a:normAutofit/>
+            <a:normAutofit lnSpcReduction="10000"/>
           </a:bodyPr>
+          <a:lstStyle/>
           <a:p>
             <a:pPr marL="228600" indent="-228240">
               <a:lnSpc>
@@ -4556,7 +5280,7 @@
               <a:buChar char="•"/>
             </a:pPr>
             <a:r>
-              <a:rPr b="0" lang="fr-FR" sz="2800" spc="-1" strike="noStrike">
+              <a:rPr lang="fr-FR" sz="2800" b="0" strike="noStrike" spc="-1">
                 <a:solidFill>
                   <a:srgbClr val="000000"/>
                 </a:solidFill>
@@ -4564,12 +5288,6 @@
               </a:rPr>
               <a:t>Site d’apprentissage par flashcards</a:t>
             </a:r>
-            <a:endParaRPr b="0" lang="fr-FR" sz="2800" spc="-1" strike="noStrike">
-              <a:solidFill>
-                <a:srgbClr val="000000"/>
-              </a:solidFill>
-              <a:latin typeface="Calibri"/>
-            </a:endParaRPr>
           </a:p>
           <a:p>
             <a:pPr marL="228600" indent="-228240">
@@ -4586,7 +5304,7 @@
               <a:buChar char="•"/>
             </a:pPr>
             <a:r>
-              <a:rPr b="0" lang="fr-FR" sz="2800" spc="-1" strike="noStrike">
+              <a:rPr lang="fr-FR" sz="2800" b="0" strike="noStrike" spc="-1">
                 <a:solidFill>
                   <a:srgbClr val="000000"/>
                 </a:solidFill>
@@ -4594,12 +5312,6 @@
               </a:rPr>
               <a:t>4 Grandes parties:</a:t>
             </a:r>
-            <a:endParaRPr b="0" lang="fr-FR" sz="2800" spc="-1" strike="noStrike">
-              <a:solidFill>
-                <a:srgbClr val="000000"/>
-              </a:solidFill>
-              <a:latin typeface="Calibri"/>
-            </a:endParaRPr>
           </a:p>
           <a:p>
             <a:pPr>
@@ -4611,7 +5323,7 @@
               </a:spcBef>
             </a:pPr>
             <a:r>
-              <a:rPr b="0" lang="fr-FR" sz="2800" spc="-1" strike="noStrike">
+              <a:rPr lang="fr-FR" sz="2800" b="0" strike="noStrike" spc="-1">
                 <a:solidFill>
                   <a:srgbClr val="000000"/>
                 </a:solidFill>
@@ -4619,12 +5331,6 @@
               </a:rPr>
               <a:t>1. Un utilisateur peut apprendre grâce aux flashcards. </a:t>
             </a:r>
-            <a:endParaRPr b="0" lang="fr-FR" sz="2800" spc="-1" strike="noStrike">
-              <a:solidFill>
-                <a:srgbClr val="000000"/>
-              </a:solidFill>
-              <a:latin typeface="Calibri"/>
-            </a:endParaRPr>
           </a:p>
           <a:p>
             <a:pPr>
@@ -4636,7 +5342,7 @@
               </a:spcBef>
             </a:pPr>
             <a:r>
-              <a:rPr b="0" lang="fr-FR" sz="2800" spc="-1" strike="noStrike">
+              <a:rPr lang="fr-FR" sz="2800" b="0" strike="noStrike" spc="-1">
                 <a:solidFill>
                   <a:srgbClr val="000000"/>
                 </a:solidFill>
@@ -4644,12 +5350,6 @@
               </a:rPr>
               <a:t>2. Un utilisateur peut aller sur le forum et échanger avec les autres utilisateurs</a:t>
             </a:r>
-            <a:endParaRPr b="0" lang="fr-FR" sz="2800" spc="-1" strike="noStrike">
-              <a:solidFill>
-                <a:srgbClr val="000000"/>
-              </a:solidFill>
-              <a:latin typeface="Calibri"/>
-            </a:endParaRPr>
           </a:p>
           <a:p>
             <a:pPr>
@@ -4661,7 +5361,7 @@
               </a:spcBef>
             </a:pPr>
             <a:r>
-              <a:rPr b="0" lang="fr-FR" sz="2800" spc="-1" strike="noStrike">
+              <a:rPr lang="fr-FR" sz="2800" b="0" strike="noStrike" spc="-1">
                 <a:solidFill>
                   <a:srgbClr val="000000"/>
                 </a:solidFill>
@@ -4669,12 +5369,6 @@
               </a:rPr>
               <a:t>3. Un utilisateur peut aller sur son profil et modifier ses infos personnelles</a:t>
             </a:r>
-            <a:endParaRPr b="0" lang="fr-FR" sz="2800" spc="-1" strike="noStrike">
-              <a:solidFill>
-                <a:srgbClr val="000000"/>
-              </a:solidFill>
-              <a:latin typeface="Calibri"/>
-            </a:endParaRPr>
           </a:p>
           <a:p>
             <a:pPr>
@@ -4686,7 +5380,7 @@
               </a:spcBef>
             </a:pPr>
             <a:r>
-              <a:rPr b="0" lang="fr-FR" sz="2800" spc="-1" strike="noStrike">
+              <a:rPr lang="fr-FR" sz="2800" b="0" strike="noStrike" spc="-1">
                 <a:solidFill>
                   <a:srgbClr val="000000"/>
                 </a:solidFill>
@@ -4694,12 +5388,6 @@
               </a:rPr>
               <a:t>4. Un utilisateur peut aller sur le « Cardstore » et apprendrre avec de nouveaux decks et partager les siens</a:t>
             </a:r>
-            <a:endParaRPr b="0" lang="fr-FR" sz="2800" spc="-1" strike="noStrike">
-              <a:solidFill>
-                <a:srgbClr val="000000"/>
-              </a:solidFill>
-              <a:latin typeface="Calibri"/>
-            </a:endParaRPr>
           </a:p>
           <a:p>
             <a:pPr marL="216000" indent="-216000">
@@ -4717,40 +5405,25 @@
               <a:buChar char=""/>
             </a:pPr>
             <a:r>
-              <a:rPr b="0" lang="fr-FR" sz="2800" spc="-1" strike="noStrike">
+              <a:rPr lang="fr-FR" sz="2800" b="0" strike="noStrike" spc="-1">
                 <a:solidFill>
                   <a:srgbClr val="000000"/>
                 </a:solidFill>
                 <a:latin typeface="Calibri"/>
               </a:rPr>
-              <a:t> </a:t>
+              <a:t> Une nouvelle façon d’apprendre</a:t>
             </a:r>
-            <a:r>
-              <a:rPr b="0" lang="fr-FR" sz="2800" spc="-1" strike="noStrike">
-                <a:solidFill>
-                  <a:srgbClr val="000000"/>
-                </a:solidFill>
-                <a:latin typeface="Calibri"/>
-              </a:rPr>
-              <a:t>Une nouvelle façon d’apprendre</a:t>
-            </a:r>
-            <a:endParaRPr b="0" lang="fr-FR" sz="2800" spc="-1" strike="noStrike">
-              <a:solidFill>
-                <a:srgbClr val="000000"/>
-              </a:solidFill>
-              <a:latin typeface="Calibri"/>
-            </a:endParaRPr>
           </a:p>
         </p:txBody>
       </p:sp>
       <p:pic>
         <p:nvPicPr>
-          <p:cNvPr id="98" name="Image 11" descr=""/>
+          <p:cNvPr id="98" name="Image 11"/>
           <p:cNvPicPr/>
           <p:nvPr/>
         </p:nvPicPr>
         <p:blipFill>
-          <a:blip r:embed="rId1"/>
+          <a:blip r:embed="rId2"/>
           <a:stretch/>
         </p:blipFill>
         <p:spPr>
@@ -4768,25 +5441,28 @@
       </p:pic>
     </p:spTree>
   </p:cSld>
+  <p:clrMapOvr>
+    <a:masterClrMapping/>
+  </p:clrMapOvr>
   <p:transition spd="slow">
-    <p:wipe dir="l"/>
+    <p:wipe/>
   </p:transition>
   <p:timing>
     <p:tnLst>
       <p:par>
-        <p:cTn id="5" dur="indefinite" restart="never" nodeType="tmRoot">
+        <p:cTn id="1" dur="indefinite" restart="never" nodeType="tmRoot">
           <p:childTnLst>
             <p:seq>
-              <p:cTn id="6" nodeType="mainSeq"/>
+              <p:cTn id="2" nodeType="mainSeq"/>
               <p:prevCondLst>
-                <p:cond delay="0" evt="onPrev">
+                <p:cond evt="onPrev" delay="0">
                   <p:tgtEl>
                     <p:sldTgt/>
                   </p:tgtEl>
                 </p:cond>
               </p:prevCondLst>
               <p:nextCondLst>
-                <p:cond delay="0" evt="onNext">
+                <p:cond evt="onNext" delay="0">
                   <p:tgtEl>
                     <p:sldTgt/>
                   </p:tgtEl>
@@ -4802,7 +5478,7 @@
 </file>
 
 <file path=ppt/slides/slide4.xml><?xml version="1.0" encoding="utf-8"?>
-<p:sld xmlns:a="http://schemas.openxmlformats.org/drawingml/2006/main" xmlns:p="http://schemas.openxmlformats.org/presentationml/2006/main" xmlns:r="http://schemas.openxmlformats.org/officeDocument/2006/relationships" xmlns:p14="http://schemas.microsoft.com/office/powerpoint/2010/main" xmlns:p15="http://schemas.microsoft.com/office/powerpoint/2012/main" xmlns:mc="http://schemas.openxmlformats.org/markup-compatibility/2006">
+<p:sld xmlns:a="http://schemas.openxmlformats.org/drawingml/2006/main" xmlns:r="http://schemas.openxmlformats.org/officeDocument/2006/relationships" xmlns:p="http://schemas.openxmlformats.org/presentationml/2006/main">
   <p:cSld>
     <p:spTree>
       <p:nvGrpSpPr>
@@ -4877,15 +5553,22 @@
           </a:ln>
         </p:spPr>
         <p:style>
-          <a:lnRef idx="0"/>
-          <a:fillRef idx="0"/>
-          <a:effectRef idx="0"/>
+          <a:lnRef idx="0">
+            <a:scrgbClr r="0" g="0" b="0"/>
+          </a:lnRef>
+          <a:fillRef idx="0">
+            <a:scrgbClr r="0" g="0" b="0"/>
+          </a:fillRef>
+          <a:effectRef idx="0">
+            <a:scrgbClr r="0" g="0" b="0"/>
+          </a:effectRef>
           <a:fontRef idx="minor"/>
         </p:style>
         <p:txBody>
           <a:bodyPr anchor="ctr">
             <a:normAutofit/>
           </a:bodyPr>
+          <a:lstStyle/>
           <a:p>
             <a:pPr algn="ctr">
               <a:lnSpc>
@@ -4893,7 +5576,7 @@
               </a:lnSpc>
             </a:pPr>
             <a:r>
-              <a:rPr b="1" lang="fr-FR" sz="4400" spc="-1" strike="noStrike">
+              <a:rPr lang="fr-FR" sz="4400" b="1" strike="noStrike" spc="-1">
                 <a:solidFill>
                   <a:srgbClr val="000000"/>
                 </a:solidFill>
@@ -4901,7 +5584,7 @@
               </a:rPr>
               <a:t>Arborescence</a:t>
             </a:r>
-            <a:endParaRPr b="0" lang="fr-FR" sz="4400" spc="-1" strike="noStrike">
+            <a:endParaRPr lang="fr-FR" sz="4400" b="0" strike="noStrike" spc="-1">
               <a:latin typeface="Arial"/>
             </a:endParaRPr>
           </a:p>
@@ -4909,12 +5592,12 @@
       </p:sp>
       <p:pic>
         <p:nvPicPr>
-          <p:cNvPr id="101" name="" descr=""/>
+          <p:cNvPr id="101" name="Image 100"/>
           <p:cNvPicPr/>
           <p:nvPr/>
         </p:nvPicPr>
         <p:blipFill>
-          <a:blip r:embed="rId1"/>
+          <a:blip r:embed="rId2"/>
           <a:stretch/>
         </p:blipFill>
         <p:spPr>
@@ -4971,12 +5654,12 @@
       </p:sp>
       <p:pic>
         <p:nvPicPr>
-          <p:cNvPr id="103" name="Image 11" descr=""/>
+          <p:cNvPr id="103" name="Image 11"/>
           <p:cNvPicPr/>
           <p:nvPr/>
         </p:nvPicPr>
         <p:blipFill>
-          <a:blip r:embed="rId2"/>
+          <a:blip r:embed="rId3"/>
           <a:stretch/>
         </p:blipFill>
         <p:spPr>
@@ -4994,25 +5677,28 @@
       </p:pic>
     </p:spTree>
   </p:cSld>
+  <p:clrMapOvr>
+    <a:masterClrMapping/>
+  </p:clrMapOvr>
   <p:transition spd="slow">
-    <p:wipe dir="l"/>
+    <p:wipe/>
   </p:transition>
   <p:timing>
     <p:tnLst>
       <p:par>
-        <p:cTn id="7" dur="indefinite" restart="never" nodeType="tmRoot">
+        <p:cTn id="1" dur="indefinite" restart="never" nodeType="tmRoot">
           <p:childTnLst>
             <p:seq>
-              <p:cTn id="8" nodeType="mainSeq"/>
+              <p:cTn id="2" nodeType="mainSeq"/>
               <p:prevCondLst>
-                <p:cond delay="0" evt="onPrev">
+                <p:cond evt="onPrev" delay="0">
                   <p:tgtEl>
                     <p:sldTgt/>
                   </p:tgtEl>
                 </p:cond>
               </p:prevCondLst>
               <p:nextCondLst>
-                <p:cond delay="0" evt="onNext">
+                <p:cond evt="onNext" delay="0">
                   <p:tgtEl>
                     <p:sldTgt/>
                   </p:tgtEl>
@@ -5028,7 +5714,7 @@
 </file>
 
 <file path=ppt/slides/slide5.xml><?xml version="1.0" encoding="utf-8"?>
-<p:sld xmlns:a="http://schemas.openxmlformats.org/drawingml/2006/main" xmlns:p="http://schemas.openxmlformats.org/presentationml/2006/main" xmlns:r="http://schemas.openxmlformats.org/officeDocument/2006/relationships" xmlns:p14="http://schemas.microsoft.com/office/powerpoint/2010/main" xmlns:p15="http://schemas.microsoft.com/office/powerpoint/2012/main" xmlns:mc="http://schemas.openxmlformats.org/markup-compatibility/2006">
+<p:sld xmlns:a="http://schemas.openxmlformats.org/drawingml/2006/main" xmlns:r="http://schemas.openxmlformats.org/officeDocument/2006/relationships" xmlns:p="http://schemas.openxmlformats.org/presentationml/2006/main">
   <p:cSld>
     <p:spTree>
       <p:nvGrpSpPr>
@@ -5103,15 +5789,22 @@
           </a:ln>
         </p:spPr>
         <p:style>
-          <a:lnRef idx="0"/>
-          <a:fillRef idx="0"/>
-          <a:effectRef idx="0"/>
+          <a:lnRef idx="0">
+            <a:scrgbClr r="0" g="0" b="0"/>
+          </a:lnRef>
+          <a:fillRef idx="0">
+            <a:scrgbClr r="0" g="0" b="0"/>
+          </a:fillRef>
+          <a:effectRef idx="0">
+            <a:scrgbClr r="0" g="0" b="0"/>
+          </a:effectRef>
           <a:fontRef idx="minor"/>
         </p:style>
         <p:txBody>
           <a:bodyPr anchor="ctr">
             <a:normAutofit/>
           </a:bodyPr>
+          <a:lstStyle/>
           <a:p>
             <a:pPr algn="ctr">
               <a:lnSpc>
@@ -5119,7 +5812,7 @@
               </a:lnSpc>
             </a:pPr>
             <a:r>
-              <a:rPr b="1" lang="fr-FR" sz="4400" spc="-1" strike="noStrike">
+              <a:rPr lang="fr-FR" sz="4400" b="1" strike="noStrike" spc="-1">
                 <a:solidFill>
                   <a:srgbClr val="000000"/>
                 </a:solidFill>
@@ -5127,7 +5820,7 @@
               </a:rPr>
               <a:t>MCD (Modèle conceptuel de données)</a:t>
             </a:r>
-            <a:endParaRPr b="0" lang="fr-FR" sz="4400" spc="-1" strike="noStrike">
+            <a:endParaRPr lang="fr-FR" sz="4400" b="0" strike="noStrike" spc="-1">
               <a:latin typeface="Arial"/>
             </a:endParaRPr>
           </a:p>
@@ -5135,12 +5828,12 @@
       </p:sp>
       <p:pic>
         <p:nvPicPr>
-          <p:cNvPr id="106" name="Image 2" descr=""/>
+          <p:cNvPr id="106" name="Image 2"/>
           <p:cNvPicPr/>
           <p:nvPr/>
         </p:nvPicPr>
         <p:blipFill>
-          <a:blip r:embed="rId1"/>
+          <a:blip r:embed="rId2"/>
           <a:stretch/>
         </p:blipFill>
         <p:spPr>
@@ -5197,12 +5890,12 @@
       </p:sp>
       <p:pic>
         <p:nvPicPr>
-          <p:cNvPr id="108" name="Image 11" descr=""/>
+          <p:cNvPr id="108" name="Image 11"/>
           <p:cNvPicPr/>
           <p:nvPr/>
         </p:nvPicPr>
         <p:blipFill>
-          <a:blip r:embed="rId2"/>
+          <a:blip r:embed="rId3"/>
           <a:stretch/>
         </p:blipFill>
         <p:spPr>
@@ -5220,25 +5913,28 @@
       </p:pic>
     </p:spTree>
   </p:cSld>
+  <p:clrMapOvr>
+    <a:masterClrMapping/>
+  </p:clrMapOvr>
   <p:transition spd="slow">
-    <p:wipe dir="l"/>
+    <p:wipe/>
   </p:transition>
   <p:timing>
     <p:tnLst>
       <p:par>
-        <p:cTn id="9" dur="indefinite" restart="never" nodeType="tmRoot">
+        <p:cTn id="1" dur="indefinite" restart="never" nodeType="tmRoot">
           <p:childTnLst>
             <p:seq>
-              <p:cTn id="10" nodeType="mainSeq"/>
+              <p:cTn id="2" nodeType="mainSeq"/>
               <p:prevCondLst>
-                <p:cond delay="0" evt="onPrev">
+                <p:cond evt="onPrev" delay="0">
                   <p:tgtEl>
                     <p:sldTgt/>
                   </p:tgtEl>
                 </p:cond>
               </p:prevCondLst>
               <p:nextCondLst>
-                <p:cond delay="0" evt="onNext">
+                <p:cond evt="onNext" delay="0">
                   <p:tgtEl>
                     <p:sldTgt/>
                   </p:tgtEl>
@@ -5254,7 +5950,7 @@
 </file>
 
 <file path=ppt/slides/slide6.xml><?xml version="1.0" encoding="utf-8"?>
-<p:sld xmlns:a="http://schemas.openxmlformats.org/drawingml/2006/main" xmlns:p="http://schemas.openxmlformats.org/presentationml/2006/main" xmlns:r="http://schemas.openxmlformats.org/officeDocument/2006/relationships" xmlns:p14="http://schemas.microsoft.com/office/powerpoint/2010/main" xmlns:p15="http://schemas.microsoft.com/office/powerpoint/2012/main" xmlns:mc="http://schemas.openxmlformats.org/markup-compatibility/2006">
+<p:sld xmlns:a="http://schemas.openxmlformats.org/drawingml/2006/main" xmlns:r="http://schemas.openxmlformats.org/officeDocument/2006/relationships" xmlns:p="http://schemas.openxmlformats.org/presentationml/2006/main">
   <p:cSld>
     <p:spTree>
       <p:nvGrpSpPr>
@@ -5368,15 +6064,22 @@
           </a:ln>
         </p:spPr>
         <p:style>
-          <a:lnRef idx="0"/>
-          <a:fillRef idx="0"/>
-          <a:effectRef idx="0"/>
+          <a:lnRef idx="0">
+            <a:scrgbClr r="0" g="0" b="0"/>
+          </a:lnRef>
+          <a:fillRef idx="0">
+            <a:scrgbClr r="0" g="0" b="0"/>
+          </a:fillRef>
+          <a:effectRef idx="0">
+            <a:scrgbClr r="0" g="0" b="0"/>
+          </a:effectRef>
           <a:fontRef idx="minor"/>
         </p:style>
         <p:txBody>
           <a:bodyPr anchor="ctr">
             <a:normAutofit/>
           </a:bodyPr>
+          <a:lstStyle/>
           <a:p>
             <a:pPr algn="ctr">
               <a:lnSpc>
@@ -5384,7 +6087,7 @@
               </a:lnSpc>
             </a:pPr>
             <a:r>
-              <a:rPr b="1" lang="fr-FR" sz="4400" spc="-1" strike="noStrike">
+              <a:rPr lang="fr-FR" sz="4400" b="1" strike="noStrike" spc="-1">
                 <a:solidFill>
                   <a:srgbClr val="000000"/>
                 </a:solidFill>
@@ -5392,7 +6095,7 @@
               </a:rPr>
               <a:t>Objecitfs fixés de l’ITE 1</a:t>
             </a:r>
-            <a:endParaRPr b="0" lang="fr-FR" sz="4400" spc="-1" strike="noStrike">
+            <a:endParaRPr lang="fr-FR" sz="4400" b="0" strike="noStrike" spc="-1">
               <a:latin typeface="Arial"/>
             </a:endParaRPr>
           </a:p>
@@ -5400,12 +6103,12 @@
       </p:sp>
       <p:pic>
         <p:nvPicPr>
-          <p:cNvPr id="112" name="Image 11" descr=""/>
+          <p:cNvPr id="112" name="Image 11"/>
           <p:cNvPicPr/>
           <p:nvPr/>
         </p:nvPicPr>
         <p:blipFill>
-          <a:blip r:embed="rId1"/>
+          <a:blip r:embed="rId2"/>
           <a:stretch/>
         </p:blipFill>
         <p:spPr>
@@ -5441,7 +6144,8 @@
           </a:ln>
         </p:spPr>
         <p:txBody>
-          <a:bodyPr lIns="90000" rIns="90000" tIns="45000" bIns="45000"/>
+          <a:bodyPr lIns="90000" tIns="45000" rIns="90000" bIns="45000"/>
+          <a:lstStyle/>
           <a:p>
             <a:pPr marL="216000" indent="-216000">
               <a:buClr>
@@ -5452,14 +6156,11 @@
               <a:buChar char=""/>
             </a:pPr>
             <a:r>
-              <a:rPr b="0" lang="fr-FR" sz="4800" spc="-1" strike="noStrike">
+              <a:rPr lang="fr-FR" sz="4800" b="0" strike="noStrike" spc="-1">
                 <a:latin typeface="Arial"/>
               </a:rPr>
               <a:t>I. Inscription</a:t>
             </a:r>
-            <a:endParaRPr b="0" lang="fr-FR" sz="4800" spc="-1" strike="noStrike">
-              <a:latin typeface="Arial"/>
-            </a:endParaRPr>
           </a:p>
           <a:p>
             <a:pPr marL="216000" indent="-216000">
@@ -5471,14 +6172,11 @@
               <a:buChar char=""/>
             </a:pPr>
             <a:r>
-              <a:rPr b="0" lang="fr-FR" sz="4800" spc="-1" strike="noStrike">
+              <a:rPr lang="fr-FR" sz="4800" b="0" strike="noStrike" spc="-1">
                 <a:latin typeface="Arial"/>
               </a:rPr>
               <a:t>II. Profil</a:t>
             </a:r>
-            <a:endParaRPr b="0" lang="fr-FR" sz="4800" spc="-1" strike="noStrike">
-              <a:latin typeface="Arial"/>
-            </a:endParaRPr>
           </a:p>
           <a:p>
             <a:pPr marL="216000" indent="-216000">
@@ -5490,14 +6188,11 @@
               <a:buChar char=""/>
             </a:pPr>
             <a:r>
-              <a:rPr b="0" lang="fr-FR" sz="4800" spc="-1" strike="noStrike">
+              <a:rPr lang="fr-FR" sz="4800" b="0" strike="noStrike" spc="-1">
                 <a:latin typeface="Arial"/>
               </a:rPr>
               <a:t>III. Inventaire de deck</a:t>
             </a:r>
-            <a:endParaRPr b="0" lang="fr-FR" sz="4800" spc="-1" strike="noStrike">
-              <a:latin typeface="Arial"/>
-            </a:endParaRPr>
           </a:p>
           <a:p>
             <a:pPr marL="216000" indent="-216000">
@@ -5509,14 +6204,11 @@
               <a:buChar char=""/>
             </a:pPr>
             <a:r>
-              <a:rPr b="0" lang="fr-FR" sz="4800" spc="-1" strike="noStrike">
+              <a:rPr lang="fr-FR" sz="4800" b="0" strike="noStrike" spc="-1">
                 <a:latin typeface="Arial"/>
               </a:rPr>
               <a:t>IV. Forum</a:t>
             </a:r>
-            <a:endParaRPr b="0" lang="fr-FR" sz="4800" spc="-1" strike="noStrike">
-              <a:latin typeface="Arial"/>
-            </a:endParaRPr>
           </a:p>
           <a:p>
             <a:pPr marL="216000" indent="-216000">
@@ -5528,38 +6220,38 @@
               <a:buChar char=""/>
             </a:pPr>
             <a:r>
-              <a:rPr b="0" lang="fr-FR" sz="4800" spc="-1" strike="noStrike">
+              <a:rPr lang="fr-FR" sz="4800" b="0" strike="noStrike" spc="-1">
                 <a:latin typeface="Arial"/>
               </a:rPr>
               <a:t>Algorithme de jeu</a:t>
             </a:r>
-            <a:endParaRPr b="0" lang="fr-FR" sz="4800" spc="-1" strike="noStrike">
-              <a:latin typeface="Arial"/>
-            </a:endParaRPr>
           </a:p>
         </p:txBody>
       </p:sp>
     </p:spTree>
   </p:cSld>
+  <p:clrMapOvr>
+    <a:masterClrMapping/>
+  </p:clrMapOvr>
   <p:transition spd="slow">
-    <p:wipe dir="l"/>
+    <p:wipe/>
   </p:transition>
   <p:timing>
     <p:tnLst>
       <p:par>
-        <p:cTn id="11" dur="indefinite" restart="never" nodeType="tmRoot">
+        <p:cTn id="1" dur="indefinite" restart="never" nodeType="tmRoot">
           <p:childTnLst>
             <p:seq>
-              <p:cTn id="12" nodeType="mainSeq"/>
+              <p:cTn id="2" nodeType="mainSeq"/>
               <p:prevCondLst>
-                <p:cond delay="0" evt="onPrev">
+                <p:cond evt="onPrev" delay="0">
                   <p:tgtEl>
                     <p:sldTgt/>
                   </p:tgtEl>
                 </p:cond>
               </p:prevCondLst>
               <p:nextCondLst>
-                <p:cond delay="0" evt="onNext">
+                <p:cond evt="onNext" delay="0">
                   <p:tgtEl>
                     <p:sldTgt/>
                   </p:tgtEl>
@@ -5575,7 +6267,7 @@
 </file>
 
 <file path=ppt/slides/slide7.xml><?xml version="1.0" encoding="utf-8"?>
-<p:sld xmlns:a="http://schemas.openxmlformats.org/drawingml/2006/main" xmlns:p="http://schemas.openxmlformats.org/presentationml/2006/main" xmlns:r="http://schemas.openxmlformats.org/officeDocument/2006/relationships" xmlns:p14="http://schemas.microsoft.com/office/powerpoint/2010/main" xmlns:p15="http://schemas.microsoft.com/office/powerpoint/2012/main" xmlns:mc="http://schemas.openxmlformats.org/markup-compatibility/2006">
+<p:sld xmlns:a="http://schemas.openxmlformats.org/drawingml/2006/main" xmlns:r="http://schemas.openxmlformats.org/officeDocument/2006/relationships" xmlns:p="http://schemas.openxmlformats.org/presentationml/2006/main">
   <p:cSld>
     <p:spTree>
       <p:nvGrpSpPr>
@@ -5671,30 +6363,7 @@
       </p:sp>
       <p:pic>
         <p:nvPicPr>
-          <p:cNvPr id="116" name="Image 11" descr=""/>
-          <p:cNvPicPr/>
-          <p:nvPr/>
-        </p:nvPicPr>
-        <p:blipFill>
-          <a:blip r:embed="rId1"/>
-          <a:stretch/>
-        </p:blipFill>
-        <p:spPr>
-          <a:xfrm>
-            <a:off x="10064880" y="6201720"/>
-            <a:ext cx="1938240" cy="497520"/>
-          </a:xfrm>
-          <a:prstGeom prst="rect">
-            <a:avLst/>
-          </a:prstGeom>
-          <a:ln>
-            <a:noFill/>
-          </a:ln>
-        </p:spPr>
-      </p:pic>
-      <p:pic>
-        <p:nvPicPr>
-          <p:cNvPr id="117" name="" descr=""/>
+          <p:cNvPr id="116" name="Image 11"/>
           <p:cNvPicPr/>
           <p:nvPr/>
         </p:nvPicPr>
@@ -5704,8 +6373,8 @@
         </p:blipFill>
         <p:spPr>
           <a:xfrm>
-            <a:off x="0" y="0"/>
-            <a:ext cx="2613240" cy="6947640"/>
+            <a:off x="10064880" y="6201720"/>
+            <a:ext cx="1938240" cy="497520"/>
           </a:xfrm>
           <a:prstGeom prst="rect">
             <a:avLst/>
@@ -5717,7 +6386,7 @@
       </p:pic>
       <p:pic>
         <p:nvPicPr>
-          <p:cNvPr id="118" name="" descr=""/>
+          <p:cNvPr id="117" name="Image 116"/>
           <p:cNvPicPr/>
           <p:nvPr/>
         </p:nvPicPr>
@@ -5727,8 +6396,8 @@
         </p:blipFill>
         <p:spPr>
           <a:xfrm>
-            <a:off x="2433240" y="-36000"/>
-            <a:ext cx="2575080" cy="6983640"/>
+            <a:off x="0" y="0"/>
+            <a:ext cx="2613240" cy="6947640"/>
           </a:xfrm>
           <a:prstGeom prst="rect">
             <a:avLst/>
@@ -5740,7 +6409,7 @@
       </p:pic>
       <p:pic>
         <p:nvPicPr>
-          <p:cNvPr id="119" name="" descr=""/>
+          <p:cNvPr id="118" name="Image 117"/>
           <p:cNvPicPr/>
           <p:nvPr/>
         </p:nvPicPr>
@@ -5750,8 +6419,8 @@
         </p:blipFill>
         <p:spPr>
           <a:xfrm>
-            <a:off x="4861440" y="-36000"/>
-            <a:ext cx="2613240" cy="6947640"/>
+            <a:off x="2433240" y="-36000"/>
+            <a:ext cx="2575080" cy="6983640"/>
           </a:xfrm>
           <a:prstGeom prst="rect">
             <a:avLst/>
@@ -5763,7 +6432,7 @@
       </p:pic>
       <p:pic>
         <p:nvPicPr>
-          <p:cNvPr id="120" name="" descr=""/>
+          <p:cNvPr id="119" name="Image 118"/>
           <p:cNvPicPr/>
           <p:nvPr/>
         </p:nvPicPr>
@@ -5773,8 +6442,8 @@
         </p:blipFill>
         <p:spPr>
           <a:xfrm>
-            <a:off x="7326720" y="0"/>
-            <a:ext cx="2529360" cy="6947640"/>
+            <a:off x="4861440" y="-36000"/>
+            <a:ext cx="2613240" cy="6947640"/>
           </a:xfrm>
           <a:prstGeom prst="rect">
             <a:avLst/>
@@ -5786,7 +6455,7 @@
       </p:pic>
       <p:pic>
         <p:nvPicPr>
-          <p:cNvPr id="121" name="" descr=""/>
+          <p:cNvPr id="120" name="Image 119"/>
           <p:cNvPicPr/>
           <p:nvPr/>
         </p:nvPicPr>
@@ -5796,8 +6465,8 @@
         </p:blipFill>
         <p:spPr>
           <a:xfrm>
-            <a:off x="9706320" y="2242080"/>
-            <a:ext cx="2605680" cy="3013920"/>
+            <a:off x="7326720" y="0"/>
+            <a:ext cx="2529360" cy="6947640"/>
           </a:xfrm>
           <a:prstGeom prst="rect">
             <a:avLst/>
@@ -5807,27 +6476,53 @@
           </a:ln>
         </p:spPr>
       </p:pic>
+      <p:pic>
+        <p:nvPicPr>
+          <p:cNvPr id="121" name="Image 120"/>
+          <p:cNvPicPr/>
+          <p:nvPr/>
+        </p:nvPicPr>
+        <p:blipFill>
+          <a:blip r:embed="rId7"/>
+          <a:stretch/>
+        </p:blipFill>
+        <p:spPr>
+          <a:xfrm>
+            <a:off x="9706320" y="2242080"/>
+            <a:ext cx="2605680" cy="3013920"/>
+          </a:xfrm>
+          <a:prstGeom prst="rect">
+            <a:avLst/>
+          </a:prstGeom>
+          <a:ln>
+            <a:noFill/>
+          </a:ln>
+        </p:spPr>
+      </p:pic>
     </p:spTree>
   </p:cSld>
+  <p:clrMapOvr>
+    <a:masterClrMapping/>
+  </p:clrMapOvr>
   <p:transition spd="slow">
-    <p:wipe dir="l"/>
+    <p:wipe/>
   </p:transition>
   <p:timing>
     <p:tnLst>
       <p:par>
-        <p:cTn id="13" dur="indefinite" restart="never" nodeType="tmRoot">
+        <p:cTn id="1" dur="indefinite" restart="never" nodeType="tmRoot">
           <p:childTnLst>
             <p:seq>
-              <p:cTn id="14" nodeType="mainSeq"/>
+              <p:cTn id="2" nodeType="mainSeq"/>
               <p:prevCondLst>
-                <p:cond delay="0" evt="onPrev">
+                <p:cond evt="onPrev" delay="0">
                   <p:tgtEl>
                     <p:sldTgt/>
                   </p:tgtEl>
                 </p:cond>
               </p:prevCondLst>
               <p:nextCondLst>
-                <p:cond delay="0" evt="onNext">
+                <p:cond evt="onNext" delay="0">
                   <p:tgtEl>
                     <p:sldTgt/>
                   </p:tgtEl>
@@ -5843,7 +6538,7 @@
 </file>
 
 <file path=ppt/slides/slide8.xml><?xml version="1.0" encoding="utf-8"?>
-<p:sld xmlns:a="http://schemas.openxmlformats.org/drawingml/2006/main" xmlns:p="http://schemas.openxmlformats.org/presentationml/2006/main" xmlns:r="http://schemas.openxmlformats.org/officeDocument/2006/relationships" xmlns:p14="http://schemas.microsoft.com/office/powerpoint/2010/main" xmlns:p15="http://schemas.microsoft.com/office/powerpoint/2012/main" xmlns:mc="http://schemas.openxmlformats.org/markup-compatibility/2006">
+<p:sld xmlns:a="http://schemas.openxmlformats.org/drawingml/2006/main" xmlns:r="http://schemas.openxmlformats.org/officeDocument/2006/relationships" xmlns:p="http://schemas.openxmlformats.org/presentationml/2006/main">
   <p:cSld>
     <p:spTree>
       <p:nvGrpSpPr>
@@ -5957,15 +6652,22 @@
           </a:ln>
         </p:spPr>
         <p:style>
-          <a:lnRef idx="0"/>
-          <a:fillRef idx="0"/>
-          <a:effectRef idx="0"/>
+          <a:lnRef idx="0">
+            <a:scrgbClr r="0" g="0" b="0"/>
+          </a:lnRef>
+          <a:fillRef idx="0">
+            <a:scrgbClr r="0" g="0" b="0"/>
+          </a:fillRef>
+          <a:effectRef idx="0">
+            <a:scrgbClr r="0" g="0" b="0"/>
+          </a:effectRef>
           <a:fontRef idx="minor"/>
         </p:style>
         <p:txBody>
           <a:bodyPr anchor="ctr">
             <a:normAutofit/>
           </a:bodyPr>
+          <a:lstStyle/>
           <a:p>
             <a:pPr algn="ctr">
               <a:lnSpc>
@@ -5973,7 +6675,7 @@
               </a:lnSpc>
             </a:pPr>
             <a:r>
-              <a:rPr b="1" lang="fr-FR" sz="4400" spc="-1" strike="noStrike">
+              <a:rPr lang="fr-FR" sz="4400" b="1" strike="noStrike" spc="-1">
                 <a:solidFill>
                   <a:srgbClr val="000000"/>
                 </a:solidFill>
@@ -5981,7 +6683,7 @@
               </a:rPr>
               <a:t>Démonstration du site</a:t>
             </a:r>
-            <a:endParaRPr b="0" lang="fr-FR" sz="4400" spc="-1" strike="noStrike">
+            <a:endParaRPr lang="fr-FR" sz="4400" b="0" strike="noStrike" spc="-1">
               <a:latin typeface="Arial"/>
             </a:endParaRPr>
           </a:p>
@@ -6010,6 +6712,7 @@
           <a:bodyPr>
             <a:normAutofit/>
           </a:bodyPr>
+          <a:lstStyle/>
           <a:p>
             <a:pPr marL="228600" indent="-228240">
               <a:lnSpc>
@@ -6025,7 +6728,7 @@
               <a:buChar char="•"/>
             </a:pPr>
             <a:r>
-              <a:rPr b="0" lang="fr-FR" sz="2800" spc="-1" strike="noStrike">
+              <a:rPr lang="fr-FR" sz="2800" b="0" strike="noStrike" spc="-1">
                 <a:solidFill>
                   <a:srgbClr val="000000"/>
                 </a:solidFill>
@@ -6033,12 +6736,6 @@
               </a:rPr>
               <a:t>Inscription</a:t>
             </a:r>
-            <a:endParaRPr b="0" lang="fr-FR" sz="2800" spc="-1" strike="noStrike">
-              <a:solidFill>
-                <a:srgbClr val="000000"/>
-              </a:solidFill>
-              <a:latin typeface="Calibri"/>
-            </a:endParaRPr>
           </a:p>
           <a:p>
             <a:pPr marL="228600" indent="-228240">
@@ -6055,7 +6752,7 @@
               <a:buChar char="•"/>
             </a:pPr>
             <a:r>
-              <a:rPr b="0" lang="fr-FR" sz="2800" spc="-1" strike="noStrike">
+              <a:rPr lang="fr-FR" sz="2800" b="0" strike="noStrike" spc="-1">
                 <a:solidFill>
                   <a:srgbClr val="000000"/>
                 </a:solidFill>
@@ -6063,12 +6760,6 @@
               </a:rPr>
               <a:t>Connection en temps qu’utilisateur:</a:t>
             </a:r>
-            <a:endParaRPr b="0" lang="fr-FR" sz="2800" spc="-1" strike="noStrike">
-              <a:solidFill>
-                <a:srgbClr val="000000"/>
-              </a:solidFill>
-              <a:latin typeface="Calibri"/>
-            </a:endParaRPr>
           </a:p>
           <a:p>
             <a:pPr>
@@ -6080,7 +6771,7 @@
               </a:spcBef>
             </a:pPr>
             <a:r>
-              <a:rPr b="0" lang="fr-FR" sz="2800" spc="-1" strike="noStrike">
+              <a:rPr lang="fr-FR" sz="2800" b="0" strike="noStrike" spc="-1">
                 <a:solidFill>
                   <a:srgbClr val="000000"/>
                 </a:solidFill>
@@ -6088,12 +6779,6 @@
               </a:rPr>
               <a:t>- Présentation « Home » et ses possibilités</a:t>
             </a:r>
-            <a:endParaRPr b="0" lang="fr-FR" sz="2800" spc="-1" strike="noStrike">
-              <a:solidFill>
-                <a:srgbClr val="000000"/>
-              </a:solidFill>
-              <a:latin typeface="Calibri"/>
-            </a:endParaRPr>
           </a:p>
           <a:p>
             <a:pPr>
@@ -6105,7 +6790,7 @@
               </a:spcBef>
             </a:pPr>
             <a:r>
-              <a:rPr b="0" lang="fr-FR" sz="2800" spc="-1" strike="noStrike">
+              <a:rPr lang="fr-FR" sz="2800" b="0" strike="noStrike" spc="-1">
                 <a:solidFill>
                   <a:srgbClr val="000000"/>
                 </a:solidFill>
@@ -6113,12 +6798,6 @@
               </a:rPr>
               <a:t>- Présentation « Profile » et ses possibilités</a:t>
             </a:r>
-            <a:endParaRPr b="0" lang="fr-FR" sz="2800" spc="-1" strike="noStrike">
-              <a:solidFill>
-                <a:srgbClr val="000000"/>
-              </a:solidFill>
-              <a:latin typeface="Calibri"/>
-            </a:endParaRPr>
           </a:p>
           <a:p>
             <a:pPr>
@@ -6130,7 +6809,7 @@
               </a:spcBef>
             </a:pPr>
             <a:r>
-              <a:rPr b="0" lang="fr-FR" sz="2800" spc="-1" strike="noStrike">
+              <a:rPr lang="fr-FR" sz="2800" b="0" strike="noStrike" spc="-1">
                 <a:solidFill>
                   <a:srgbClr val="000000"/>
                 </a:solidFill>
@@ -6138,12 +6817,6 @@
               </a:rPr>
               <a:t>- Présentation « Inventory » et ses possibilités</a:t>
             </a:r>
-            <a:endParaRPr b="0" lang="fr-FR" sz="2800" spc="-1" strike="noStrike">
-              <a:solidFill>
-                <a:srgbClr val="000000"/>
-              </a:solidFill>
-              <a:latin typeface="Calibri"/>
-            </a:endParaRPr>
           </a:p>
           <a:p>
             <a:pPr>
@@ -6155,7 +6828,7 @@
               </a:spcBef>
             </a:pPr>
             <a:r>
-              <a:rPr b="0" lang="fr-FR" sz="2800" spc="-1" strike="noStrike">
+              <a:rPr lang="fr-FR" sz="2800" b="0" strike="noStrike" spc="-1">
                 <a:solidFill>
                   <a:srgbClr val="000000"/>
                 </a:solidFill>
@@ -6163,12 +6836,6 @@
               </a:rPr>
               <a:t>- Présentation « Forum » et ses possibilités</a:t>
             </a:r>
-            <a:endParaRPr b="0" lang="fr-FR" sz="2800" spc="-1" strike="noStrike">
-              <a:solidFill>
-                <a:srgbClr val="000000"/>
-              </a:solidFill>
-              <a:latin typeface="Calibri"/>
-            </a:endParaRPr>
           </a:p>
           <a:p>
             <a:pPr marL="228600" indent="-228240">
@@ -6185,7 +6852,7 @@
               <a:buChar char="-"/>
             </a:pPr>
             <a:r>
-              <a:rPr b="0" lang="fr-FR" sz="2800" spc="-1" strike="noStrike">
+              <a:rPr lang="fr-FR" sz="2800" b="0" strike="noStrike" spc="-1">
                 <a:solidFill>
                   <a:srgbClr val="000000"/>
                 </a:solidFill>
@@ -6193,23 +6860,17 @@
               </a:rPr>
               <a:t>Désinscription</a:t>
             </a:r>
-            <a:endParaRPr b="0" lang="fr-FR" sz="2800" spc="-1" strike="noStrike">
-              <a:solidFill>
-                <a:srgbClr val="000000"/>
-              </a:solidFill>
-              <a:latin typeface="Calibri"/>
-            </a:endParaRPr>
           </a:p>
         </p:txBody>
       </p:sp>
       <p:pic>
         <p:nvPicPr>
-          <p:cNvPr id="126" name="Image 11" descr=""/>
+          <p:cNvPr id="126" name="Image 11"/>
           <p:cNvPicPr/>
           <p:nvPr/>
         </p:nvPicPr>
         <p:blipFill>
-          <a:blip r:embed="rId1"/>
+          <a:blip r:embed="rId2"/>
           <a:stretch/>
         </p:blipFill>
         <p:spPr>
@@ -6227,25 +6888,28 @@
       </p:pic>
     </p:spTree>
   </p:cSld>
+  <p:clrMapOvr>
+    <a:masterClrMapping/>
+  </p:clrMapOvr>
   <p:transition spd="slow">
-    <p:wipe dir="l"/>
+    <p:wipe/>
   </p:transition>
   <p:timing>
     <p:tnLst>
       <p:par>
-        <p:cTn id="15" dur="indefinite" restart="never" nodeType="tmRoot">
+        <p:cTn id="1" dur="indefinite" restart="never" nodeType="tmRoot">
           <p:childTnLst>
             <p:seq>
-              <p:cTn id="16" nodeType="mainSeq"/>
+              <p:cTn id="2" nodeType="mainSeq"/>
               <p:prevCondLst>
-                <p:cond delay="0" evt="onPrev">
+                <p:cond evt="onPrev" delay="0">
                   <p:tgtEl>
                     <p:sldTgt/>
                   </p:tgtEl>
                 </p:cond>
               </p:prevCondLst>
               <p:nextCondLst>
-                <p:cond delay="0" evt="onNext">
+                <p:cond evt="onNext" delay="0">
                   <p:tgtEl>
                     <p:sldTgt/>
                   </p:tgtEl>
@@ -6261,7 +6925,7 @@
 </file>
 
 <file path=ppt/slides/slide9.xml><?xml version="1.0" encoding="utf-8"?>
-<p:sld xmlns:a="http://schemas.openxmlformats.org/drawingml/2006/main" xmlns:p="http://schemas.openxmlformats.org/presentationml/2006/main" xmlns:r="http://schemas.openxmlformats.org/officeDocument/2006/relationships" xmlns:p14="http://schemas.microsoft.com/office/powerpoint/2010/main" xmlns:p15="http://schemas.microsoft.com/office/powerpoint/2012/main" xmlns:mc="http://schemas.openxmlformats.org/markup-compatibility/2006">
+<p:sld xmlns:a="http://schemas.openxmlformats.org/drawingml/2006/main" xmlns:r="http://schemas.openxmlformats.org/officeDocument/2006/relationships" xmlns:p="http://schemas.openxmlformats.org/presentationml/2006/main">
   <p:cSld>
     <p:spTree>
       <p:nvGrpSpPr>
@@ -6375,15 +7039,22 @@
           </a:ln>
         </p:spPr>
         <p:style>
-          <a:lnRef idx="0"/>
-          <a:fillRef idx="0"/>
-          <a:effectRef idx="0"/>
+          <a:lnRef idx="0">
+            <a:scrgbClr r="0" g="0" b="0"/>
+          </a:lnRef>
+          <a:fillRef idx="0">
+            <a:scrgbClr r="0" g="0" b="0"/>
+          </a:fillRef>
+          <a:effectRef idx="0">
+            <a:scrgbClr r="0" g="0" b="0"/>
+          </a:effectRef>
           <a:fontRef idx="minor"/>
         </p:style>
         <p:txBody>
           <a:bodyPr anchor="ctr">
             <a:normAutofit/>
           </a:bodyPr>
+          <a:lstStyle/>
           <a:p>
             <a:pPr algn="ctr">
               <a:lnSpc>
@@ -6391,7 +7062,7 @@
               </a:lnSpc>
             </a:pPr>
             <a:r>
-              <a:rPr b="1" lang="fr-FR" sz="4400" spc="-1" strike="noStrike">
+              <a:rPr lang="fr-FR" sz="4400" b="1" strike="noStrike" spc="-1">
                 <a:solidFill>
                   <a:srgbClr val="000000"/>
                 </a:solidFill>
@@ -6399,7 +7070,7 @@
               </a:rPr>
               <a:t>Prévisions pour l’it-2</a:t>
             </a:r>
-            <a:endParaRPr b="0" lang="fr-FR" sz="4400" spc="-1" strike="noStrike">
+            <a:endParaRPr lang="fr-FR" sz="4400" b="0" strike="noStrike" spc="-1">
               <a:latin typeface="Arial"/>
             </a:endParaRPr>
           </a:p>
@@ -6426,6 +7097,7 @@
         </p:spPr>
         <p:txBody>
           <a:bodyPr/>
+          <a:lstStyle/>
           <a:p>
             <a:pPr>
               <a:lnSpc>
@@ -6435,7 +7107,7 @@
                 <a:spcPts val="1001"/>
               </a:spcBef>
             </a:pPr>
-            <a:endParaRPr b="0" lang="fr-FR" sz="2800" spc="-1" strike="noStrike">
+            <a:endParaRPr lang="fr-FR" sz="2800" b="0" strike="noStrike" spc="-1">
               <a:solidFill>
                 <a:srgbClr val="000000"/>
               </a:solidFill>
@@ -6451,7 +7123,7 @@
                 <a:spcPts val="1001"/>
               </a:spcBef>
             </a:pPr>
-            <a:endParaRPr b="0" lang="fr-FR" sz="2800" spc="-1" strike="noStrike">
+            <a:endParaRPr lang="fr-FR" sz="2800" b="0" strike="noStrike" spc="-1">
               <a:solidFill>
                 <a:srgbClr val="000000"/>
               </a:solidFill>
@@ -6462,12 +7134,12 @@
       </p:sp>
       <p:pic>
         <p:nvPicPr>
-          <p:cNvPr id="131" name="Image 2" descr=""/>
+          <p:cNvPr id="131" name="Image 2"/>
           <p:cNvPicPr/>
           <p:nvPr/>
         </p:nvPicPr>
         <p:blipFill>
-          <a:blip r:embed="rId1"/>
+          <a:blip r:embed="rId2"/>
           <a:stretch/>
         </p:blipFill>
         <p:spPr>
@@ -6491,7 +7163,7 @@
         </p:nvSpPr>
         <p:spPr>
           <a:xfrm>
-            <a:off x="1656000" y="1872000"/>
+            <a:off x="2381040" y="2624760"/>
             <a:ext cx="9720000" cy="4050720"/>
           </a:xfrm>
           <a:prstGeom prst="rect">
@@ -6503,7 +7175,8 @@
           </a:ln>
         </p:spPr>
         <p:txBody>
-          <a:bodyPr lIns="90000" rIns="90000" tIns="45000" bIns="45000"/>
+          <a:bodyPr lIns="90000" tIns="45000" rIns="90000" bIns="45000"/>
+          <a:lstStyle/>
           <a:p>
             <a:pPr marL="216000" indent="-216000">
               <a:buClr>
@@ -6514,18 +7187,18 @@
               <a:buChar char=""/>
             </a:pPr>
             <a:r>
-              <a:rPr b="0" lang="fr-FR" sz="4400" spc="-1" strike="noStrike">
+              <a:rPr lang="fr-FR" sz="4400" b="0" strike="noStrike" spc="-1" dirty="0">
                 <a:latin typeface="Arial"/>
               </a:rPr>
-              <a:t> </a:t>
+              <a:t> V. </a:t>
             </a:r>
             <a:r>
-              <a:rPr b="0" lang="fr-FR" sz="4400" spc="-1" strike="noStrike">
+              <a:rPr lang="fr-FR" sz="4400" b="0" strike="noStrike" spc="-1" dirty="0" err="1">
                 <a:latin typeface="Arial"/>
               </a:rPr>
-              <a:t>V. Cardstore</a:t>
+              <a:t>Cardstore</a:t>
             </a:r>
-            <a:endParaRPr b="0" lang="fr-FR" sz="4400" spc="-1" strike="noStrike">
+            <a:endParaRPr lang="fr-FR" sz="4400" b="0" strike="noStrike" spc="-1" dirty="0">
               <a:latin typeface="Arial"/>
             </a:endParaRPr>
           </a:p>
@@ -6539,20 +7212,11 @@
               <a:buChar char=""/>
             </a:pPr>
             <a:r>
-              <a:rPr b="0" lang="fr-FR" sz="4400" spc="-1" strike="noStrike">
+              <a:rPr lang="fr-FR" sz="4400" b="0" strike="noStrike" spc="-1" dirty="0">
                 <a:latin typeface="Arial"/>
               </a:rPr>
-              <a:t> </a:t>
+              <a:t> Partie « admin »</a:t>
             </a:r>
-            <a:r>
-              <a:rPr b="0" lang="fr-FR" sz="4400" spc="-1" strike="noStrike">
-                <a:latin typeface="Arial"/>
-              </a:rPr>
-              <a:t>Partie « admin »</a:t>
-            </a:r>
-            <a:endParaRPr b="0" lang="fr-FR" sz="4400" spc="-1" strike="noStrike">
-              <a:latin typeface="Arial"/>
-            </a:endParaRPr>
           </a:p>
           <a:p>
             <a:pPr marL="216000" indent="-216000">
@@ -6564,44 +7228,38 @@
               <a:buChar char=""/>
             </a:pPr>
             <a:r>
-              <a:rPr b="0" lang="fr-FR" sz="4400" spc="-1" strike="noStrike">
+              <a:rPr lang="fr-FR" sz="4400" b="0" strike="noStrike" spc="-1" dirty="0">
                 <a:latin typeface="Arial"/>
               </a:rPr>
-              <a:t> </a:t>
+              <a:t> Amélioration du design</a:t>
             </a:r>
-            <a:r>
-              <a:rPr b="0" lang="fr-FR" sz="4400" spc="-1" strike="noStrike">
-                <a:latin typeface="Arial"/>
-              </a:rPr>
-              <a:t>Amélioration du design</a:t>
-            </a:r>
-            <a:endParaRPr b="0" lang="fr-FR" sz="4400" spc="-1" strike="noStrike">
-              <a:latin typeface="Arial"/>
-            </a:endParaRPr>
           </a:p>
         </p:txBody>
       </p:sp>
     </p:spTree>
   </p:cSld>
+  <p:clrMapOvr>
+    <a:masterClrMapping/>
+  </p:clrMapOvr>
   <p:transition spd="slow">
-    <p:wipe dir="l"/>
+    <p:wipe/>
   </p:transition>
   <p:timing>
     <p:tnLst>
       <p:par>
-        <p:cTn id="17" dur="indefinite" restart="never" nodeType="tmRoot">
+        <p:cTn id="1" dur="indefinite" restart="never" nodeType="tmRoot">
           <p:childTnLst>
             <p:seq>
-              <p:cTn id="18" nodeType="mainSeq"/>
+              <p:cTn id="2" nodeType="mainSeq"/>
               <p:prevCondLst>
-                <p:cond delay="0" evt="onPrev">
+                <p:cond evt="onPrev" delay="0">
                   <p:tgtEl>
                     <p:sldTgt/>
                   </p:tgtEl>
                 </p:cond>
               </p:prevCondLst>
               <p:nextCondLst>
-                <p:cond delay="0" evt="onNext">
+                <p:cond evt="onNext" delay="0">
                   <p:tgtEl>
                     <p:sldTgt/>
                   </p:tgtEl>
@@ -6627,34 +7285,34 @@
         <a:sysClr val="window" lastClr="FFFFFF"/>
       </a:lt1>
       <a:dk2>
-        <a:srgbClr val="44546a"/>
+        <a:srgbClr val="44546A"/>
       </a:dk2>
       <a:lt2>
-        <a:srgbClr val="e7e6e6"/>
+        <a:srgbClr val="E7E6E6"/>
       </a:lt2>
       <a:accent1>
-        <a:srgbClr val="4472c4"/>
+        <a:srgbClr val="4472C4"/>
       </a:accent1>
       <a:accent2>
-        <a:srgbClr val="ed7d31"/>
+        <a:srgbClr val="ED7D31"/>
       </a:accent2>
       <a:accent3>
-        <a:srgbClr val="a5a5a5"/>
+        <a:srgbClr val="A5A5A5"/>
       </a:accent3>
       <a:accent4>
-        <a:srgbClr val="ffc000"/>
+        <a:srgbClr val="FFC000"/>
       </a:accent4>
       <a:accent5>
-        <a:srgbClr val="5b9bd5"/>
+        <a:srgbClr val="5B9BD5"/>
       </a:accent5>
       <a:accent6>
-        <a:srgbClr val="70ad47"/>
+        <a:srgbClr val="70AD47"/>
       </a:accent6>
       <a:hlink>
-        <a:srgbClr val="0563c1"/>
+        <a:srgbClr val="0563C1"/>
       </a:hlink>
       <a:folHlink>
-        <a:srgbClr val="954f72"/>
+        <a:srgbClr val="954F72"/>
       </a:folHlink>
     </a:clrScheme>
     <a:fontScheme name="Office">
@@ -6836,6 +7494,8 @@
       </a:bgFillStyleLst>
     </a:fmtScheme>
   </a:themeElements>
+  <a:objectDefaults/>
+  <a:extraClrSchemeLst/>
 </a:theme>
 </file>
 
@@ -6850,34 +7510,34 @@
         <a:sysClr val="window" lastClr="FFFFFF"/>
       </a:lt1>
       <a:dk2>
-        <a:srgbClr val="44546a"/>
+        <a:srgbClr val="44546A"/>
       </a:dk2>
       <a:lt2>
-        <a:srgbClr val="e7e6e6"/>
+        <a:srgbClr val="E7E6E6"/>
       </a:lt2>
       <a:accent1>
-        <a:srgbClr val="4472c4"/>
+        <a:srgbClr val="4472C4"/>
       </a:accent1>
       <a:accent2>
-        <a:srgbClr val="ed7d31"/>
+        <a:srgbClr val="ED7D31"/>
       </a:accent2>
       <a:accent3>
-        <a:srgbClr val="a5a5a5"/>
+        <a:srgbClr val="A5A5A5"/>
       </a:accent3>
       <a:accent4>
-        <a:srgbClr val="ffc000"/>
+        <a:srgbClr val="FFC000"/>
       </a:accent4>
       <a:accent5>
-        <a:srgbClr val="5b9bd5"/>
+        <a:srgbClr val="5B9BD5"/>
       </a:accent5>
       <a:accent6>
-        <a:srgbClr val="70ad47"/>
+        <a:srgbClr val="70AD47"/>
       </a:accent6>
       <a:hlink>
-        <a:srgbClr val="0563c1"/>
+        <a:srgbClr val="0563C1"/>
       </a:hlink>
       <a:folHlink>
-        <a:srgbClr val="954f72"/>
+        <a:srgbClr val="954F72"/>
       </a:folHlink>
     </a:clrScheme>
     <a:fontScheme name="Office">
@@ -7059,5 +7719,7 @@
       </a:bgFillStyleLst>
     </a:fmtScheme>
   </a:themeElements>
+  <a:objectDefaults/>
+  <a:extraClrSchemeLst/>
 </a:theme>
 </file>
--- a/MemoCards_Ite1.pptx
+++ b/MemoCards_Ite1.pptx
@@ -113,6 +113,11 @@
       </a:defRPr>
     </a:lvl9pPr>
   </p:defaultTextStyle>
+  <p:extLst>
+    <p:ext uri="{EFAFB233-063F-42B5-8137-9DF3F51BA10A}">
+      <p15:sldGuideLst xmlns:p15="http://schemas.microsoft.com/office/powerpoint/2012/main"/>
+    </p:ext>
+  </p:extLst>
 </p:presentation>
 </file>
 
@@ -138,6 +143,9 @@
   <p:clrMapOvr>
     <a:masterClrMapping/>
   </p:clrMapOvr>
+  <p:transition spd="slow">
+    <p:cover/>
+  </p:transition>
 </p:sldLayout>
 </file>
 
@@ -263,6 +271,9 @@
   <p:clrMapOvr>
     <a:masterClrMapping/>
   </p:clrMapOvr>
+  <p:transition spd="slow">
+    <p:cover/>
+  </p:transition>
 </p:sldLayout>
 </file>
 
@@ -456,6 +467,9 @@
   <p:clrMapOvr>
     <a:masterClrMapping/>
   </p:clrMapOvr>
+  <p:transition spd="slow">
+    <p:cover/>
+  </p:transition>
 </p:sldLayout>
 </file>
 
@@ -717,6 +731,9 @@
   <p:clrMapOvr>
     <a:masterClrMapping/>
   </p:clrMapOvr>
+  <p:transition spd="slow">
+    <p:cover/>
+  </p:transition>
 </p:sldLayout>
 </file>
 
@@ -742,6 +759,9 @@
   <p:clrMapOvr>
     <a:masterClrMapping/>
   </p:clrMapOvr>
+  <p:transition spd="slow">
+    <p:cover/>
+  </p:transition>
 </p:sldLayout>
 </file>
 
@@ -829,6 +849,9 @@
   <p:clrMapOvr>
     <a:masterClrMapping/>
   </p:clrMapOvr>
+  <p:transition spd="slow">
+    <p:cover/>
+  </p:transition>
 </p:sldLayout>
 </file>
 
@@ -920,6 +943,9 @@
   <p:clrMapOvr>
     <a:masterClrMapping/>
   </p:clrMapOvr>
+  <p:transition spd="slow">
+    <p:cover/>
+  </p:transition>
 </p:sldLayout>
 </file>
 
@@ -1045,6 +1071,9 @@
   <p:clrMapOvr>
     <a:masterClrMapping/>
   </p:clrMapOvr>
+  <p:transition spd="slow">
+    <p:cover/>
+  </p:transition>
 </p:sldLayout>
 </file>
 
@@ -1102,6 +1131,9 @@
   <p:clrMapOvr>
     <a:masterClrMapping/>
   </p:clrMapOvr>
+  <p:transition spd="slow">
+    <p:cover/>
+  </p:transition>
 </p:sldLayout>
 </file>
 
@@ -1157,6 +1189,9 @@
   <p:clrMapOvr>
     <a:masterClrMapping/>
   </p:clrMapOvr>
+  <p:transition spd="slow">
+    <p:cover/>
+  </p:transition>
 </p:sldLayout>
 </file>
 
@@ -1316,6 +1351,9 @@
   <p:clrMapOvr>
     <a:masterClrMapping/>
   </p:clrMapOvr>
+  <p:transition spd="slow">
+    <p:cover/>
+  </p:transition>
 </p:sldLayout>
 </file>
 
@@ -1403,6 +1441,9 @@
   <p:clrMapOvr>
     <a:masterClrMapping/>
   </p:clrMapOvr>
+  <p:transition spd="slow">
+    <p:cover/>
+  </p:transition>
 </p:sldLayout>
 </file>
 
@@ -1562,6 +1603,9 @@
   <p:clrMapOvr>
     <a:masterClrMapping/>
   </p:clrMapOvr>
+  <p:transition spd="slow">
+    <p:cover/>
+  </p:transition>
 </p:sldLayout>
 </file>
 
@@ -1721,6 +1765,9 @@
   <p:clrMapOvr>
     <a:masterClrMapping/>
   </p:clrMapOvr>
+  <p:transition spd="slow">
+    <p:cover/>
+  </p:transition>
 </p:sldLayout>
 </file>
 
@@ -1846,6 +1893,9 @@
   <p:clrMapOvr>
     <a:masterClrMapping/>
   </p:clrMapOvr>
+  <p:transition spd="slow">
+    <p:cover/>
+  </p:transition>
 </p:sldLayout>
 </file>
 
@@ -2039,6 +2089,9 @@
   <p:clrMapOvr>
     <a:masterClrMapping/>
   </p:clrMapOvr>
+  <p:transition spd="slow">
+    <p:cover/>
+  </p:transition>
 </p:sldLayout>
 </file>
 
@@ -2300,6 +2353,9 @@
   <p:clrMapOvr>
     <a:masterClrMapping/>
   </p:clrMapOvr>
+  <p:transition spd="slow">
+    <p:cover/>
+  </p:transition>
 </p:sldLayout>
 </file>
 
@@ -2391,6 +2447,9 @@
   <p:clrMapOvr>
     <a:masterClrMapping/>
   </p:clrMapOvr>
+  <p:transition spd="slow">
+    <p:cover/>
+  </p:transition>
 </p:sldLayout>
 </file>
 
@@ -2516,6 +2575,9 @@
   <p:clrMapOvr>
     <a:masterClrMapping/>
   </p:clrMapOvr>
+  <p:transition spd="slow">
+    <p:cover/>
+  </p:transition>
 </p:sldLayout>
 </file>
 
@@ -2573,6 +2635,9 @@
   <p:clrMapOvr>
     <a:masterClrMapping/>
   </p:clrMapOvr>
+  <p:transition spd="slow">
+    <p:cover/>
+  </p:transition>
 </p:sldLayout>
 </file>
 
@@ -2628,6 +2693,9 @@
   <p:clrMapOvr>
     <a:masterClrMapping/>
   </p:clrMapOvr>
+  <p:transition spd="slow">
+    <p:cover/>
+  </p:transition>
 </p:sldLayout>
 </file>
 
@@ -2787,6 +2855,9 @@
   <p:clrMapOvr>
     <a:masterClrMapping/>
   </p:clrMapOvr>
+  <p:transition spd="slow">
+    <p:cover/>
+  </p:transition>
 </p:sldLayout>
 </file>
 
@@ -2946,6 +3017,9 @@
   <p:clrMapOvr>
     <a:masterClrMapping/>
   </p:clrMapOvr>
+  <p:transition spd="slow">
+    <p:cover/>
+  </p:transition>
 </p:sldLayout>
 </file>
 
@@ -3105,6 +3179,9 @@
   <p:clrMapOvr>
     <a:masterClrMapping/>
   </p:clrMapOvr>
+  <p:transition spd="slow">
+    <p:cover/>
+  </p:transition>
 </p:sldLayout>
 </file>
 
@@ -3214,7 +3291,7 @@
                 </a:solidFill>
                 <a:latin typeface="Calibri"/>
               </a:rPr>
-              <a:t>14/12/2018</a:t>
+              <a:t>16/12/2018</a:t>
             </a:fld>
             <a:endParaRPr lang="fr-FR" sz="1200" b="0" strike="noStrike" spc="-1">
               <a:latin typeface="Times New Roman"/>
@@ -3491,6 +3568,9 @@
     <p:sldLayoutId id="2147483659" r:id="rId11"/>
     <p:sldLayoutId id="2147483660" r:id="rId12"/>
   </p:sldLayoutIdLst>
+  <p:transition spd="slow">
+    <p:cover/>
+  </p:transition>
   <p:txStyles>
     <p:titleStyle>
       <a:lvl1pPr algn="l" defTabSz="914400" rtl="0" eaLnBrk="1" latinLnBrk="0" hangingPunct="1">
@@ -4016,7 +4096,7 @@
                 </a:solidFill>
                 <a:latin typeface="Calibri"/>
               </a:rPr>
-              <a:t>14/12/2018</a:t>
+              <a:t>16/12/2018</a:t>
             </a:fld>
             <a:endParaRPr lang="fr-FR" sz="1200" b="0" strike="noStrike" spc="-1">
               <a:latin typeface="Times New Roman"/>
@@ -4113,6 +4193,9 @@
     <p:sldLayoutId id="2147483672" r:id="rId11"/>
     <p:sldLayoutId id="2147483673" r:id="rId12"/>
   </p:sldLayoutIdLst>
+  <p:transition spd="slow">
+    <p:cover/>
+  </p:transition>
   <p:txStyles>
     <p:titleStyle>
       <a:lvl1pPr algn="l" defTabSz="914400" rtl="0" eaLnBrk="1" latinLnBrk="0" hangingPunct="1">
@@ -4582,8 +4665,8 @@
         </p:blipFill>
         <p:spPr>
           <a:xfrm>
-            <a:off x="1471320" y="1744920"/>
-            <a:ext cx="9248760" cy="4600080"/>
+            <a:off x="1497623" y="1707120"/>
+            <a:ext cx="9196753" cy="4586760"/>
           </a:xfrm>
           <a:prstGeom prst="rect">
             <a:avLst/>
@@ -4655,7 +4738,7 @@
     <a:masterClrMapping/>
   </p:clrMapOvr>
   <p:transition spd="slow">
-    <p:wipe/>
+    <p:cover/>
   </p:transition>
   <p:timing>
     <p:tnLst>
@@ -4790,7 +4873,7 @@
         </p:nvSpPr>
         <p:spPr>
           <a:xfrm>
-            <a:off x="838080" y="1997280"/>
+            <a:off x="838080" y="1763640"/>
             <a:ext cx="10515240" cy="3330720"/>
           </a:xfrm>
           <a:prstGeom prst="rect">
@@ -4805,7 +4888,7 @@
           <a:bodyPr/>
           <a:lstStyle/>
           <a:p>
-            <a:pPr marL="228600" indent="-228240">
+            <a:pPr marL="571860" indent="-571500">
               <a:lnSpc>
                 <a:spcPct val="90000"/>
               </a:lnSpc>
@@ -4815,11 +4898,11 @@
               <a:buClr>
                 <a:srgbClr val="000000"/>
               </a:buClr>
-              <a:buFont typeface="Arial"/>
-              <a:buChar char="•"/>
+              <a:buFont typeface="Wingdings" panose="05000000000000000000" pitchFamily="2" charset="2"/>
+              <a:buChar char="q"/>
             </a:pPr>
             <a:r>
-              <a:rPr lang="fr-FR" sz="2800" b="0" strike="noStrike" spc="-1">
+              <a:rPr lang="fr-FR" sz="4400" b="0" strike="noStrike" spc="-1" dirty="0">
                 <a:solidFill>
                   <a:srgbClr val="000000"/>
                 </a:solidFill>
@@ -4829,7 +4912,7 @@
             </a:r>
           </a:p>
           <a:p>
-            <a:pPr marL="228600" indent="-228240">
+            <a:pPr marL="571860" indent="-571500">
               <a:lnSpc>
                 <a:spcPct val="90000"/>
               </a:lnSpc>
@@ -4839,11 +4922,11 @@
               <a:buClr>
                 <a:srgbClr val="000000"/>
               </a:buClr>
-              <a:buFont typeface="Arial"/>
-              <a:buChar char="•"/>
+              <a:buFont typeface="Wingdings" panose="05000000000000000000" pitchFamily="2" charset="2"/>
+              <a:buChar char="q"/>
             </a:pPr>
             <a:r>
-              <a:rPr lang="fr-FR" sz="2800" b="0" strike="noStrike" spc="-1">
+              <a:rPr lang="fr-FR" sz="4400" b="0" strike="noStrike" spc="-1" dirty="0">
                 <a:solidFill>
                   <a:srgbClr val="000000"/>
                 </a:solidFill>
@@ -4853,7 +4936,7 @@
             </a:r>
           </a:p>
           <a:p>
-            <a:pPr marL="228600" indent="-228240">
+            <a:pPr marL="571860" indent="-571500">
               <a:lnSpc>
                 <a:spcPct val="90000"/>
               </a:lnSpc>
@@ -4863,11 +4946,11 @@
               <a:buClr>
                 <a:srgbClr val="000000"/>
               </a:buClr>
-              <a:buFont typeface="Arial"/>
-              <a:buChar char="•"/>
+              <a:buFont typeface="Wingdings" panose="05000000000000000000" pitchFamily="2" charset="2"/>
+              <a:buChar char="q"/>
             </a:pPr>
             <a:r>
-              <a:rPr lang="fr-FR" sz="2800" b="0" strike="noStrike" spc="-1">
+              <a:rPr lang="fr-FR" sz="4400" b="0" strike="noStrike" spc="-1" dirty="0">
                 <a:solidFill>
                   <a:srgbClr val="000000"/>
                 </a:solidFill>
@@ -4877,7 +4960,7 @@
             </a:r>
           </a:p>
           <a:p>
-            <a:pPr marL="228600" indent="-228240">
+            <a:pPr marL="571860" indent="-571500">
               <a:lnSpc>
                 <a:spcPct val="90000"/>
               </a:lnSpc>
@@ -4887,11 +4970,11 @@
               <a:buClr>
                 <a:srgbClr val="000000"/>
               </a:buClr>
-              <a:buFont typeface="Arial"/>
-              <a:buChar char="•"/>
+              <a:buFont typeface="Wingdings" panose="05000000000000000000" pitchFamily="2" charset="2"/>
+              <a:buChar char="q"/>
             </a:pPr>
             <a:r>
-              <a:rPr lang="fr-FR" sz="2800" b="0" strike="noStrike" spc="-1">
+              <a:rPr lang="fr-FR" sz="4400" b="0" strike="noStrike" spc="-1" dirty="0">
                 <a:solidFill>
                   <a:srgbClr val="000000"/>
                 </a:solidFill>
@@ -4901,7 +4984,7 @@
             </a:r>
           </a:p>
           <a:p>
-            <a:pPr marL="228600" indent="-228240">
+            <a:pPr marL="571860" indent="-571500">
               <a:lnSpc>
                 <a:spcPct val="90000"/>
               </a:lnSpc>
@@ -4911,11 +4994,11 @@
               <a:buClr>
                 <a:srgbClr val="000000"/>
               </a:buClr>
-              <a:buFont typeface="Arial"/>
-              <a:buChar char="•"/>
+              <a:buFont typeface="Wingdings" panose="05000000000000000000" pitchFamily="2" charset="2"/>
+              <a:buChar char="q"/>
             </a:pPr>
             <a:r>
-              <a:rPr lang="fr-FR" sz="2800" b="0" strike="noStrike" spc="-1">
+              <a:rPr lang="fr-FR" sz="4400" b="0" strike="noStrike" spc="-1" dirty="0">
                 <a:solidFill>
                   <a:srgbClr val="000000"/>
                 </a:solidFill>
@@ -4925,7 +5008,7 @@
             </a:r>
           </a:p>
           <a:p>
-            <a:pPr marL="228600" indent="-228240">
+            <a:pPr marL="571860" indent="-571500">
               <a:lnSpc>
                 <a:spcPct val="90000"/>
               </a:lnSpc>
@@ -4935,29 +5018,31 @@
               <a:buClr>
                 <a:srgbClr val="000000"/>
               </a:buClr>
-              <a:buFont typeface="Arial"/>
-              <a:buChar char="•"/>
+              <a:buFont typeface="Wingdings" panose="05000000000000000000" pitchFamily="2" charset="2"/>
+              <a:buChar char="q"/>
             </a:pPr>
             <a:r>
-              <a:rPr lang="fr-FR" sz="2800" b="0" strike="noStrike" spc="-1">
+              <a:rPr lang="fr-FR" sz="4400" b="0" strike="noStrike" spc="-1" dirty="0">
                 <a:solidFill>
                   <a:srgbClr val="000000"/>
                 </a:solidFill>
                 <a:latin typeface="Calibri"/>
               </a:rPr>
-              <a:t>Prévisions pour l’it-2</a:t>
+              <a:t>Prévisions pour l’ITE 2</a:t>
             </a:r>
           </a:p>
           <a:p>
-            <a:pPr>
+            <a:pPr marL="571500" indent="-571500">
               <a:lnSpc>
                 <a:spcPct val="90000"/>
               </a:lnSpc>
               <a:spcBef>
                 <a:spcPts val="1001"/>
               </a:spcBef>
+              <a:buFont typeface="Wingdings" panose="05000000000000000000" pitchFamily="2" charset="2"/>
+              <a:buChar char="q"/>
             </a:pPr>
-            <a:endParaRPr lang="fr-FR" sz="2800" b="0" strike="noStrike" spc="-1">
+            <a:endParaRPr lang="fr-FR" sz="4400" b="0" strike="noStrike" spc="-1" dirty="0">
               <a:solidFill>
                 <a:srgbClr val="000000"/>
               </a:solidFill>
@@ -4965,15 +5050,17 @@
             </a:endParaRPr>
           </a:p>
           <a:p>
-            <a:pPr>
+            <a:pPr marL="571500" indent="-571500">
               <a:lnSpc>
                 <a:spcPct val="90000"/>
               </a:lnSpc>
               <a:spcBef>
                 <a:spcPts val="1001"/>
               </a:spcBef>
+              <a:buFont typeface="Wingdings" panose="05000000000000000000" pitchFamily="2" charset="2"/>
+              <a:buChar char="q"/>
             </a:pPr>
-            <a:endParaRPr lang="fr-FR" sz="2800" b="0" strike="noStrike" spc="-1">
+            <a:endParaRPr lang="fr-FR" sz="4400" b="0" strike="noStrike" spc="-1" dirty="0">
               <a:solidFill>
                 <a:srgbClr val="000000"/>
               </a:solidFill>
@@ -5057,7 +5144,7 @@
     <a:masterClrMapping/>
   </p:clrMapOvr>
   <p:transition spd="slow">
-    <p:wipe/>
+    <p:cover/>
   </p:transition>
   <p:timing>
     <p:tnLst>
@@ -5249,8 +5336,8 @@
         </p:nvSpPr>
         <p:spPr>
           <a:xfrm>
-            <a:off x="432000" y="1724400"/>
-            <a:ext cx="11520000" cy="3899160"/>
+            <a:off x="0" y="1724400"/>
+            <a:ext cx="12115800" cy="4323240"/>
           </a:xfrm>
           <a:prstGeom prst="rect">
             <a:avLst/>
@@ -5266,7 +5353,7 @@
           </a:bodyPr>
           <a:lstStyle/>
           <a:p>
-            <a:pPr marL="228600" indent="-228240">
+            <a:pPr marL="457560" indent="-457200">
               <a:lnSpc>
                 <a:spcPct val="90000"/>
               </a:lnSpc>
@@ -5276,11 +5363,11 @@
               <a:buClr>
                 <a:srgbClr val="000000"/>
               </a:buClr>
-              <a:buFont typeface="Arial"/>
-              <a:buChar char="•"/>
+              <a:buFont typeface="Wingdings" panose="05000000000000000000" pitchFamily="2" charset="2"/>
+              <a:buChar char="q"/>
             </a:pPr>
             <a:r>
-              <a:rPr lang="fr-FR" sz="2800" b="0" strike="noStrike" spc="-1">
+              <a:rPr lang="fr-FR" sz="2800" b="0" strike="noStrike" spc="-1" dirty="0">
                 <a:solidFill>
                   <a:srgbClr val="000000"/>
                 </a:solidFill>
@@ -5290,7 +5377,7 @@
             </a:r>
           </a:p>
           <a:p>
-            <a:pPr marL="228600" indent="-228240">
+            <a:pPr marL="457560" indent="-457200">
               <a:lnSpc>
                 <a:spcPct val="90000"/>
               </a:lnSpc>
@@ -5300,11 +5387,41 @@
               <a:buClr>
                 <a:srgbClr val="000000"/>
               </a:buClr>
-              <a:buFont typeface="Arial"/>
-              <a:buChar char="•"/>
+              <a:buFont typeface="Wingdings" panose="05000000000000000000" pitchFamily="2" charset="2"/>
+              <a:buChar char="q"/>
             </a:pPr>
             <a:r>
-              <a:rPr lang="fr-FR" sz="2800" b="0" strike="noStrike" spc="-1">
+              <a:rPr lang="fr-FR" sz="2800" spc="-1" dirty="0">
+                <a:solidFill>
+                  <a:srgbClr val="000000"/>
+                </a:solidFill>
+                <a:latin typeface="Calibri"/>
+              </a:rPr>
+              <a:t>Une nouvelle façon d’apprendre</a:t>
+            </a:r>
+            <a:endParaRPr lang="fr-FR" sz="2800" b="0" strike="noStrike" spc="-1" dirty="0">
+              <a:solidFill>
+                <a:srgbClr val="000000"/>
+              </a:solidFill>
+              <a:latin typeface="Calibri"/>
+            </a:endParaRPr>
+          </a:p>
+          <a:p>
+            <a:pPr marL="457560" indent="-457200">
+              <a:lnSpc>
+                <a:spcPct val="90000"/>
+              </a:lnSpc>
+              <a:spcBef>
+                <a:spcPts val="1001"/>
+              </a:spcBef>
+              <a:buClr>
+                <a:srgbClr val="000000"/>
+              </a:buClr>
+              <a:buFont typeface="Wingdings" panose="05000000000000000000" pitchFamily="2" charset="2"/>
+              <a:buChar char="q"/>
+            </a:pPr>
+            <a:r>
+              <a:rPr lang="fr-FR" sz="2800" b="0" strike="noStrike" spc="-1" dirty="0">
                 <a:solidFill>
                   <a:srgbClr val="000000"/>
                 </a:solidFill>
@@ -5314,16 +5431,15 @@
             </a:r>
           </a:p>
           <a:p>
-            <a:pPr>
-              <a:lnSpc>
-                <a:spcPct val="100000"/>
-              </a:lnSpc>
+            <a:pPr marL="914400" lvl="1" indent="-457200">
               <a:spcBef>
                 <a:spcPts val="1001"/>
               </a:spcBef>
+              <a:buFont typeface="Wingdings" panose="05000000000000000000" pitchFamily="2" charset="2"/>
+              <a:buChar char="q"/>
             </a:pPr>
             <a:r>
-              <a:rPr lang="fr-FR" sz="2800" b="0" strike="noStrike" spc="-1">
+              <a:rPr lang="fr-FR" sz="2800" b="0" strike="noStrike" spc="-1" dirty="0">
                 <a:solidFill>
                   <a:srgbClr val="000000"/>
                 </a:solidFill>
@@ -5333,16 +5449,15 @@
             </a:r>
           </a:p>
           <a:p>
-            <a:pPr>
-              <a:lnSpc>
-                <a:spcPct val="100000"/>
-              </a:lnSpc>
+            <a:pPr marL="914400" lvl="1" indent="-457200">
               <a:spcBef>
                 <a:spcPts val="1001"/>
               </a:spcBef>
+              <a:buFont typeface="Wingdings" panose="05000000000000000000" pitchFamily="2" charset="2"/>
+              <a:buChar char="q"/>
             </a:pPr>
             <a:r>
-              <a:rPr lang="fr-FR" sz="2800" b="0" strike="noStrike" spc="-1">
+              <a:rPr lang="fr-FR" sz="2800" b="0" strike="noStrike" spc="-1" dirty="0">
                 <a:solidFill>
                   <a:srgbClr val="000000"/>
                 </a:solidFill>
@@ -5352,16 +5467,15 @@
             </a:r>
           </a:p>
           <a:p>
-            <a:pPr>
-              <a:lnSpc>
-                <a:spcPct val="100000"/>
-              </a:lnSpc>
+            <a:pPr marL="914400" lvl="1" indent="-457200">
               <a:spcBef>
                 <a:spcPts val="1001"/>
               </a:spcBef>
+              <a:buFont typeface="Wingdings" panose="05000000000000000000" pitchFamily="2" charset="2"/>
+              <a:buChar char="q"/>
             </a:pPr>
             <a:r>
-              <a:rPr lang="fr-FR" sz="2800" b="0" strike="noStrike" spc="-1">
+              <a:rPr lang="fr-FR" sz="2800" b="0" strike="noStrike" spc="-1" dirty="0">
                 <a:solidFill>
                   <a:srgbClr val="000000"/>
                 </a:solidFill>
@@ -5371,47 +5485,39 @@
             </a:r>
           </a:p>
           <a:p>
-            <a:pPr>
-              <a:lnSpc>
-                <a:spcPct val="100000"/>
-              </a:lnSpc>
+            <a:pPr marL="914400" lvl="1" indent="-457200">
               <a:spcBef>
                 <a:spcPts val="1001"/>
               </a:spcBef>
+              <a:buFont typeface="Wingdings" panose="05000000000000000000" pitchFamily="2" charset="2"/>
+              <a:buChar char="q"/>
             </a:pPr>
             <a:r>
-              <a:rPr lang="fr-FR" sz="2800" b="0" strike="noStrike" spc="-1">
+              <a:rPr lang="fr-FR" sz="2800" b="0" strike="noStrike" spc="-1" dirty="0">
                 <a:solidFill>
                   <a:srgbClr val="000000"/>
                 </a:solidFill>
                 <a:latin typeface="Calibri"/>
               </a:rPr>
-              <a:t>4. Un utilisateur peut aller sur le « Cardstore » et apprendrre avec de nouveaux decks et partager les siens</a:t>
+              <a:t>4. Un utilisateur peut aller sur le « </a:t>
             </a:r>
-          </a:p>
-          <a:p>
-            <a:pPr marL="216000" indent="-216000">
-              <a:lnSpc>
-                <a:spcPct val="100000"/>
-              </a:lnSpc>
-              <a:spcBef>
-                <a:spcPts val="1001"/>
-              </a:spcBef>
-              <a:buClr>
-                <a:srgbClr val="000000"/>
-              </a:buClr>
-              <a:buSzPct val="45000"/>
-              <a:buFont typeface="Wingdings" charset="2"/>
-              <a:buChar char=""/>
-            </a:pPr>
             <a:r>
-              <a:rPr lang="fr-FR" sz="2800" b="0" strike="noStrike" spc="-1">
+              <a:rPr lang="fr-FR" sz="2800" b="0" strike="noStrike" spc="-1" dirty="0" err="1">
                 <a:solidFill>
                   <a:srgbClr val="000000"/>
                 </a:solidFill>
                 <a:latin typeface="Calibri"/>
               </a:rPr>
-              <a:t> Une nouvelle façon d’apprendre</a:t>
+              <a:t>Cardstore</a:t>
+            </a:r>
+            <a:r>
+              <a:rPr lang="fr-FR" sz="2800" b="0" strike="noStrike" spc="-1" dirty="0">
+                <a:solidFill>
+                  <a:srgbClr val="000000"/>
+                </a:solidFill>
+                <a:latin typeface="Calibri"/>
+              </a:rPr>
+              <a:t> » et apprendre avec de nouveaux decks et partager les siens</a:t>
             </a:r>
           </a:p>
         </p:txBody>
@@ -5445,7 +5551,7 @@
     <a:masterClrMapping/>
   </p:clrMapOvr>
   <p:transition spd="slow">
-    <p:wipe/>
+    <p:cover/>
   </p:transition>
   <p:timing>
     <p:tnLst>
@@ -5590,29 +5696,6 @@
           </a:p>
         </p:txBody>
       </p:sp>
-      <p:pic>
-        <p:nvPicPr>
-          <p:cNvPr id="101" name="Image 100"/>
-          <p:cNvPicPr/>
-          <p:nvPr/>
-        </p:nvPicPr>
-        <p:blipFill>
-          <a:blip r:embed="rId2"/>
-          <a:stretch/>
-        </p:blipFill>
-        <p:spPr>
-          <a:xfrm>
-            <a:off x="3240000" y="1779840"/>
-            <a:ext cx="4970160" cy="4268520"/>
-          </a:xfrm>
-          <a:prstGeom prst="rect">
-            <a:avLst/>
-          </a:prstGeom>
-          <a:ln>
-            <a:noFill/>
-          </a:ln>
-        </p:spPr>
-      </p:pic>
       <p:sp>
         <p:nvSpPr>
           <p:cNvPr id="102" name="CustomShape 3"/>
@@ -5659,7 +5742,7 @@
           <p:nvPr/>
         </p:nvPicPr>
         <p:blipFill>
-          <a:blip r:embed="rId3"/>
+          <a:blip r:embed="rId2"/>
           <a:stretch/>
         </p:blipFill>
         <p:spPr>
@@ -5673,6 +5756,35 @@
           <a:ln>
             <a:noFill/>
           </a:ln>
+        </p:spPr>
+      </p:pic>
+      <p:pic>
+        <p:nvPicPr>
+          <p:cNvPr id="5" name="Image 4">
+            <a:extLst>
+              <a:ext uri="{FF2B5EF4-FFF2-40B4-BE49-F238E27FC236}">
+                <a16:creationId xmlns:a16="http://schemas.microsoft.com/office/drawing/2014/main" id="{3136E150-8208-4C3A-8438-01EB4D3003F6}"/>
+              </a:ext>
+            </a:extLst>
+          </p:cNvPr>
+          <p:cNvPicPr>
+            <a:picLocks noChangeAspect="1"/>
+          </p:cNvPicPr>
+          <p:nvPr/>
+        </p:nvPicPr>
+        <p:blipFill rotWithShape="1">
+          <a:blip r:embed="rId3"/>
+          <a:srcRect b="2394"/>
+          <a:stretch/>
+        </p:blipFill>
+        <p:spPr>
+          <a:xfrm>
+            <a:off x="2920633" y="1724400"/>
+            <a:ext cx="6350734" cy="4323600"/>
+          </a:xfrm>
+          <a:prstGeom prst="rect">
+            <a:avLst/>
+          </a:prstGeom>
         </p:spPr>
       </p:pic>
     </p:spTree>
@@ -5681,7 +5793,7 @@
     <a:masterClrMapping/>
   </p:clrMapOvr>
   <p:transition spd="slow">
-    <p:wipe/>
+    <p:cover/>
   </p:transition>
   <p:timing>
     <p:tnLst>
@@ -5732,6 +5844,45 @@
       </p:grpSpPr>
       <p:sp>
         <p:nvSpPr>
+          <p:cNvPr id="107" name="CustomShape 3"/>
+          <p:cNvSpPr/>
+          <p:nvPr/>
+        </p:nvSpPr>
+        <p:spPr>
+          <a:xfrm flipH="1" flipV="1">
+            <a:off x="360" y="5957280"/>
+            <a:ext cx="12191760" cy="900360"/>
+          </a:xfrm>
+          <a:prstGeom prst="rect">
+            <a:avLst/>
+          </a:prstGeom>
+          <a:solidFill>
+            <a:schemeClr val="accent3">
+              <a:lumMod val="60000"/>
+              <a:lumOff val="40000"/>
+            </a:schemeClr>
+          </a:solidFill>
+          <a:ln>
+            <a:noFill/>
+          </a:ln>
+        </p:spPr>
+        <p:style>
+          <a:lnRef idx="2">
+            <a:schemeClr val="accent1">
+              <a:shade val="50000"/>
+            </a:schemeClr>
+          </a:lnRef>
+          <a:fillRef idx="1">
+            <a:schemeClr val="accent1"/>
+          </a:fillRef>
+          <a:effectRef idx="0">
+            <a:schemeClr val="accent1"/>
+          </a:effectRef>
+          <a:fontRef idx="minor"/>
+        </p:style>
+      </p:sp>
+      <p:sp>
+        <p:nvSpPr>
           <p:cNvPr id="104" name="CustomShape 1"/>
           <p:cNvSpPr/>
           <p:nvPr/>
@@ -5828,7 +5979,7 @@
       </p:sp>
       <p:pic>
         <p:nvPicPr>
-          <p:cNvPr id="106" name="Image 2"/>
+          <p:cNvPr id="108" name="Image 11"/>
           <p:cNvPicPr/>
           <p:nvPr/>
         </p:nvPicPr>
@@ -5838,8 +5989,8 @@
         </p:blipFill>
         <p:spPr>
           <a:xfrm>
-            <a:off x="3729240" y="1733760"/>
-            <a:ext cx="4056120" cy="3900960"/>
+            <a:off x="10157760" y="6198480"/>
+            <a:ext cx="1938240" cy="497520"/>
           </a:xfrm>
           <a:prstGeom prst="rect">
             <a:avLst/>
@@ -5849,66 +6000,40 @@
           </a:ln>
         </p:spPr>
       </p:pic>
-      <p:sp>
-        <p:nvSpPr>
-          <p:cNvPr id="107" name="CustomShape 3"/>
-          <p:cNvSpPr/>
-          <p:nvPr/>
-        </p:nvSpPr>
-        <p:spPr>
-          <a:xfrm flipH="1" flipV="1">
-            <a:off x="360" y="5957280"/>
-            <a:ext cx="12191760" cy="900360"/>
-          </a:xfrm>
-          <a:prstGeom prst="rect">
-            <a:avLst/>
-          </a:prstGeom>
-          <a:solidFill>
-            <a:schemeClr val="accent3">
-              <a:lumMod val="60000"/>
-              <a:lumOff val="40000"/>
-            </a:schemeClr>
-          </a:solidFill>
-          <a:ln>
-            <a:noFill/>
-          </a:ln>
-        </p:spPr>
-        <p:style>
-          <a:lnRef idx="2">
-            <a:schemeClr val="accent1">
-              <a:shade val="50000"/>
-            </a:schemeClr>
-          </a:lnRef>
-          <a:fillRef idx="1">
-            <a:schemeClr val="accent1"/>
-          </a:fillRef>
-          <a:effectRef idx="0">
-            <a:schemeClr val="accent1"/>
-          </a:effectRef>
-          <a:fontRef idx="minor"/>
-        </p:style>
-      </p:sp>
       <p:pic>
         <p:nvPicPr>
-          <p:cNvPr id="108" name="Image 11"/>
-          <p:cNvPicPr/>
+          <p:cNvPr id="6" name="Image 5">
+            <a:extLst>
+              <a:ext uri="{FF2B5EF4-FFF2-40B4-BE49-F238E27FC236}">
+                <a16:creationId xmlns:a16="http://schemas.microsoft.com/office/drawing/2014/main" id="{4ECBF500-4D86-4013-9F7D-666F4DFF050A}"/>
+              </a:ext>
+            </a:extLst>
+          </p:cNvPr>
+          <p:cNvPicPr>
+            <a:picLocks noChangeAspect="1"/>
+          </p:cNvPicPr>
           <p:nvPr/>
         </p:nvPicPr>
         <p:blipFill>
-          <a:blip r:embed="rId3"/>
-          <a:stretch/>
+          <a:blip r:embed="rId3">
+            <a:extLst>
+              <a:ext uri="{28A0092B-C50C-407E-A947-70E740481C1C}">
+                <a14:useLocalDpi xmlns:a14="http://schemas.microsoft.com/office/drawing/2010/main" val="0"/>
+              </a:ext>
+            </a:extLst>
+          </a:blip>
+          <a:stretch>
+            <a:fillRect/>
+          </a:stretch>
         </p:blipFill>
         <p:spPr>
           <a:xfrm>
-            <a:off x="10157760" y="6198480"/>
-            <a:ext cx="1938240" cy="497520"/>
-          </a:xfrm>
-          <a:prstGeom prst="rect">
-            <a:avLst/>
-          </a:prstGeom>
-          <a:ln>
-            <a:noFill/>
-          </a:ln>
+            <a:off x="1286391" y="1174271"/>
+            <a:ext cx="9278529" cy="5683369"/>
+          </a:xfrm>
+          <a:prstGeom prst="rect">
+            <a:avLst/>
+          </a:prstGeom>
         </p:spPr>
       </p:pic>
     </p:spTree>
@@ -5917,7 +6042,7 @@
     <a:masterClrMapping/>
   </p:clrMapOvr>
   <p:transition spd="slow">
-    <p:wipe/>
+    <p:cover/>
   </p:transition>
   <p:timing>
     <p:tnLst>
@@ -6087,15 +6212,24 @@
               </a:lnSpc>
             </a:pPr>
             <a:r>
-              <a:rPr lang="fr-FR" sz="4400" b="1" strike="noStrike" spc="-1">
+              <a:rPr lang="fr-FR" sz="4400" b="1" strike="noStrike" spc="-1" dirty="0" err="1">
                 <a:solidFill>
                   <a:srgbClr val="000000"/>
                 </a:solidFill>
                 <a:latin typeface="Calibri Light"/>
               </a:rPr>
-              <a:t>Objecitfs fixés de l’ITE 1</a:t>
+              <a:t>Objecitfs</a:t>
             </a:r>
-            <a:endParaRPr lang="fr-FR" sz="4400" b="0" strike="noStrike" spc="-1">
+            <a:r>
+              <a:rPr lang="fr-FR" sz="4400" b="1" strike="noStrike" spc="-1" dirty="0">
+                <a:solidFill>
+                  <a:srgbClr val="000000"/>
+                </a:solidFill>
+                <a:latin typeface="Calibri Light"/>
+              </a:rPr>
+              <a:t> fixés de l’ITE 1</a:t>
+            </a:r>
+            <a:endParaRPr lang="fr-FR" sz="4400" b="0" strike="noStrike" spc="-1" dirty="0">
               <a:latin typeface="Arial"/>
             </a:endParaRPr>
           </a:p>
@@ -6147,80 +6281,80 @@
           <a:bodyPr lIns="90000" tIns="45000" rIns="90000" bIns="45000"/>
           <a:lstStyle/>
           <a:p>
-            <a:pPr marL="216000" indent="-216000">
+            <a:pPr marL="685800" indent="-685800">
               <a:buClr>
                 <a:srgbClr val="000000"/>
               </a:buClr>
               <a:buSzPct val="45000"/>
-              <a:buFont typeface="Wingdings" charset="2"/>
-              <a:buChar char=""/>
+              <a:buFont typeface="Wingdings" panose="05000000000000000000" pitchFamily="2" charset="2"/>
+              <a:buChar char="q"/>
             </a:pPr>
             <a:r>
-              <a:rPr lang="fr-FR" sz="4800" b="0" strike="noStrike" spc="-1">
+              <a:rPr lang="fr-FR" sz="4800" b="0" strike="noStrike" spc="-1" dirty="0">
                 <a:latin typeface="Arial"/>
               </a:rPr>
               <a:t>I. Inscription</a:t>
             </a:r>
           </a:p>
           <a:p>
-            <a:pPr marL="216000" indent="-216000">
+            <a:pPr marL="685800" indent="-685800">
               <a:buClr>
                 <a:srgbClr val="000000"/>
               </a:buClr>
               <a:buSzPct val="45000"/>
-              <a:buFont typeface="Wingdings" charset="2"/>
-              <a:buChar char=""/>
+              <a:buFont typeface="Wingdings" panose="05000000000000000000" pitchFamily="2" charset="2"/>
+              <a:buChar char="q"/>
             </a:pPr>
             <a:r>
-              <a:rPr lang="fr-FR" sz="4800" b="0" strike="noStrike" spc="-1">
+              <a:rPr lang="fr-FR" sz="4800" b="0" strike="noStrike" spc="-1" dirty="0">
                 <a:latin typeface="Arial"/>
               </a:rPr>
               <a:t>II. Profil</a:t>
             </a:r>
           </a:p>
           <a:p>
-            <a:pPr marL="216000" indent="-216000">
+            <a:pPr marL="685800" indent="-685800">
               <a:buClr>
                 <a:srgbClr val="000000"/>
               </a:buClr>
               <a:buSzPct val="45000"/>
-              <a:buFont typeface="Wingdings" charset="2"/>
-              <a:buChar char=""/>
+              <a:buFont typeface="Wingdings" panose="05000000000000000000" pitchFamily="2" charset="2"/>
+              <a:buChar char="q"/>
             </a:pPr>
             <a:r>
-              <a:rPr lang="fr-FR" sz="4800" b="0" strike="noStrike" spc="-1">
+              <a:rPr lang="fr-FR" sz="4800" b="0" strike="noStrike" spc="-1" dirty="0">
                 <a:latin typeface="Arial"/>
               </a:rPr>
               <a:t>III. Inventaire de deck</a:t>
             </a:r>
           </a:p>
           <a:p>
-            <a:pPr marL="216000" indent="-216000">
+            <a:pPr marL="685800" indent="-685800">
               <a:buClr>
                 <a:srgbClr val="000000"/>
               </a:buClr>
               <a:buSzPct val="45000"/>
-              <a:buFont typeface="Wingdings" charset="2"/>
-              <a:buChar char=""/>
+              <a:buFont typeface="Wingdings" panose="05000000000000000000" pitchFamily="2" charset="2"/>
+              <a:buChar char="q"/>
             </a:pPr>
             <a:r>
-              <a:rPr lang="fr-FR" sz="4800" b="0" strike="noStrike" spc="-1">
+              <a:rPr lang="fr-FR" sz="4800" b="0" strike="noStrike" spc="-1" dirty="0">
                 <a:latin typeface="Arial"/>
               </a:rPr>
               <a:t>IV. Forum</a:t>
             </a:r>
           </a:p>
           <a:p>
-            <a:pPr marL="216000" indent="-216000">
+            <a:pPr marL="685800" indent="-685800">
               <a:buClr>
                 <a:srgbClr val="000000"/>
               </a:buClr>
               <a:buSzPct val="45000"/>
-              <a:buFont typeface="Wingdings" charset="2"/>
-              <a:buChar char=""/>
+              <a:buFont typeface="Wingdings" panose="05000000000000000000" pitchFamily="2" charset="2"/>
+              <a:buChar char="q"/>
             </a:pPr>
             <a:r>
-              <a:rPr lang="fr-FR" sz="4800" b="0" strike="noStrike" spc="-1">
+              <a:rPr lang="fr-FR" sz="4800" b="0" strike="noStrike" spc="-1" dirty="0">
                 <a:latin typeface="Arial"/>
               </a:rPr>
               <a:t>Algorithme de jeu</a:t>
@@ -6234,7 +6368,7 @@
     <a:masterClrMapping/>
   </p:clrMapOvr>
   <p:transition spd="slow">
-    <p:wipe/>
+    <p:cover/>
   </p:transition>
   <p:timing>
     <p:tnLst>
@@ -6384,119 +6518,97 @@
           </a:ln>
         </p:spPr>
       </p:pic>
+      <p:sp>
+        <p:nvSpPr>
+          <p:cNvPr id="14" name="CustomShape 3">
+            <a:extLst>
+              <a:ext uri="{FF2B5EF4-FFF2-40B4-BE49-F238E27FC236}">
+                <a16:creationId xmlns:a16="http://schemas.microsoft.com/office/drawing/2014/main" id="{A018A6DB-178A-4F0E-879F-A32CD8FF989E}"/>
+              </a:ext>
+            </a:extLst>
+          </p:cNvPr>
+          <p:cNvSpPr/>
+          <p:nvPr/>
+        </p:nvSpPr>
+        <p:spPr>
+          <a:xfrm>
+            <a:off x="1626840" y="182520"/>
+            <a:ext cx="8938080" cy="1325160"/>
+          </a:xfrm>
+          <a:prstGeom prst="rect">
+            <a:avLst/>
+          </a:prstGeom>
+          <a:noFill/>
+          <a:ln>
+            <a:noFill/>
+          </a:ln>
+        </p:spPr>
+        <p:style>
+          <a:lnRef idx="0">
+            <a:scrgbClr r="0" g="0" b="0"/>
+          </a:lnRef>
+          <a:fillRef idx="0">
+            <a:scrgbClr r="0" g="0" b="0"/>
+          </a:fillRef>
+          <a:effectRef idx="0">
+            <a:scrgbClr r="0" g="0" b="0"/>
+          </a:effectRef>
+          <a:fontRef idx="minor"/>
+        </p:style>
+        <p:txBody>
+          <a:bodyPr anchor="ctr">
+            <a:normAutofit/>
+          </a:bodyPr>
+          <a:lstStyle/>
+          <a:p>
+            <a:pPr algn="ctr">
+              <a:lnSpc>
+                <a:spcPct val="100000"/>
+              </a:lnSpc>
+            </a:pPr>
+            <a:r>
+              <a:rPr lang="fr-FR" sz="4400" b="1" spc="-1" dirty="0">
+                <a:solidFill>
+                  <a:srgbClr val="000000"/>
+                </a:solidFill>
+                <a:latin typeface="Calibri Light"/>
+              </a:rPr>
+              <a:t>Présentation du Trello</a:t>
+            </a:r>
+            <a:endParaRPr lang="fr-FR" sz="4400" b="0" strike="noStrike" spc="-1" dirty="0">
+              <a:latin typeface="Arial"/>
+            </a:endParaRPr>
+          </a:p>
+        </p:txBody>
+      </p:sp>
       <p:pic>
         <p:nvPicPr>
-          <p:cNvPr id="117" name="Image 116"/>
-          <p:cNvPicPr/>
+          <p:cNvPr id="2" name="Image 1">
+            <a:extLst>
+              <a:ext uri="{FF2B5EF4-FFF2-40B4-BE49-F238E27FC236}">
+                <a16:creationId xmlns:a16="http://schemas.microsoft.com/office/drawing/2014/main" id="{EA84930B-AEFC-44FC-9882-FB23B0E14F02}"/>
+              </a:ext>
+            </a:extLst>
+          </p:cNvPr>
+          <p:cNvPicPr>
+            <a:picLocks noChangeAspect="1"/>
+          </p:cNvPicPr>
           <p:nvPr/>
         </p:nvPicPr>
         <p:blipFill>
           <a:blip r:embed="rId3"/>
-          <a:stretch/>
+          <a:stretch>
+            <a:fillRect/>
+          </a:stretch>
         </p:blipFill>
         <p:spPr>
           <a:xfrm>
-            <a:off x="0" y="0"/>
-            <a:ext cx="2613240" cy="6947640"/>
-          </a:xfrm>
-          <a:prstGeom prst="rect">
-            <a:avLst/>
-          </a:prstGeom>
-          <a:ln>
-            <a:noFill/>
-          </a:ln>
-        </p:spPr>
-      </p:pic>
-      <p:pic>
-        <p:nvPicPr>
-          <p:cNvPr id="118" name="Image 117"/>
-          <p:cNvPicPr/>
-          <p:nvPr/>
-        </p:nvPicPr>
-        <p:blipFill>
-          <a:blip r:embed="rId4"/>
-          <a:stretch/>
-        </p:blipFill>
-        <p:spPr>
-          <a:xfrm>
-            <a:off x="2433240" y="-36000"/>
-            <a:ext cx="2575080" cy="6983640"/>
-          </a:xfrm>
-          <a:prstGeom prst="rect">
-            <a:avLst/>
-          </a:prstGeom>
-          <a:ln>
-            <a:noFill/>
-          </a:ln>
-        </p:spPr>
-      </p:pic>
-      <p:pic>
-        <p:nvPicPr>
-          <p:cNvPr id="119" name="Image 118"/>
-          <p:cNvPicPr/>
-          <p:nvPr/>
-        </p:nvPicPr>
-        <p:blipFill>
-          <a:blip r:embed="rId5"/>
-          <a:stretch/>
-        </p:blipFill>
-        <p:spPr>
-          <a:xfrm>
-            <a:off x="4861440" y="-36000"/>
-            <a:ext cx="2613240" cy="6947640"/>
-          </a:xfrm>
-          <a:prstGeom prst="rect">
-            <a:avLst/>
-          </a:prstGeom>
-          <a:ln>
-            <a:noFill/>
-          </a:ln>
-        </p:spPr>
-      </p:pic>
-      <p:pic>
-        <p:nvPicPr>
-          <p:cNvPr id="120" name="Image 119"/>
-          <p:cNvPicPr/>
-          <p:nvPr/>
-        </p:nvPicPr>
-        <p:blipFill>
-          <a:blip r:embed="rId6"/>
-          <a:stretch/>
-        </p:blipFill>
-        <p:spPr>
-          <a:xfrm>
-            <a:off x="7326720" y="0"/>
-            <a:ext cx="2529360" cy="6947640"/>
-          </a:xfrm>
-          <a:prstGeom prst="rect">
-            <a:avLst/>
-          </a:prstGeom>
-          <a:ln>
-            <a:noFill/>
-          </a:ln>
-        </p:spPr>
-      </p:pic>
-      <p:pic>
-        <p:nvPicPr>
-          <p:cNvPr id="121" name="Image 120"/>
-          <p:cNvPicPr/>
-          <p:nvPr/>
-        </p:nvPicPr>
-        <p:blipFill>
-          <a:blip r:embed="rId7"/>
-          <a:stretch/>
-        </p:blipFill>
-        <p:spPr>
-          <a:xfrm>
-            <a:off x="9706320" y="2242080"/>
-            <a:ext cx="2605680" cy="3013920"/>
-          </a:xfrm>
-          <a:prstGeom prst="rect">
-            <a:avLst/>
-          </a:prstGeom>
-          <a:ln>
-            <a:noFill/>
-          </a:ln>
+            <a:off x="2252992" y="1724392"/>
+            <a:ext cx="7685775" cy="4323248"/>
+          </a:xfrm>
+          <a:prstGeom prst="rect">
+            <a:avLst/>
+          </a:prstGeom>
         </p:spPr>
       </p:pic>
     </p:spTree>
@@ -6505,7 +6617,7 @@
     <a:masterClrMapping/>
   </p:clrMapOvr>
   <p:transition spd="slow">
-    <p:wipe/>
+    <p:cover/>
   </p:transition>
   <p:timing>
     <p:tnLst>
@@ -6714,7 +6826,7 @@
           </a:bodyPr>
           <a:lstStyle/>
           <a:p>
-            <a:pPr marL="228600" indent="-228240">
+            <a:pPr marL="457560" indent="-457200">
               <a:lnSpc>
                 <a:spcPct val="90000"/>
               </a:lnSpc>
@@ -6724,11 +6836,11 @@
               <a:buClr>
                 <a:srgbClr val="000000"/>
               </a:buClr>
-              <a:buFont typeface="Arial"/>
-              <a:buChar char="•"/>
+              <a:buFont typeface="Wingdings" panose="05000000000000000000" pitchFamily="2" charset="2"/>
+              <a:buChar char="q"/>
             </a:pPr>
             <a:r>
-              <a:rPr lang="fr-FR" sz="2800" b="0" strike="noStrike" spc="-1">
+              <a:rPr lang="fr-FR" sz="2800" b="0" strike="noStrike" spc="-1" dirty="0">
                 <a:solidFill>
                   <a:srgbClr val="000000"/>
                 </a:solidFill>
@@ -6738,7 +6850,7 @@
             </a:r>
           </a:p>
           <a:p>
-            <a:pPr marL="228600" indent="-228240">
+            <a:pPr marL="457560" indent="-457200">
               <a:lnSpc>
                 <a:spcPct val="90000"/>
               </a:lnSpc>
@@ -6748,11 +6860,11 @@
               <a:buClr>
                 <a:srgbClr val="000000"/>
               </a:buClr>
-              <a:buFont typeface="Arial"/>
-              <a:buChar char="•"/>
+              <a:buFont typeface="Wingdings" panose="05000000000000000000" pitchFamily="2" charset="2"/>
+              <a:buChar char="q"/>
             </a:pPr>
             <a:r>
-              <a:rPr lang="fr-FR" sz="2800" b="0" strike="noStrike" spc="-1">
+              <a:rPr lang="fr-FR" sz="2800" b="0" strike="noStrike" spc="-1" dirty="0">
                 <a:solidFill>
                   <a:srgbClr val="000000"/>
                 </a:solidFill>
@@ -6762,16 +6874,18 @@
             </a:r>
           </a:p>
           <a:p>
-            <a:pPr>
+            <a:pPr marL="457200" indent="-457200">
               <a:lnSpc>
                 <a:spcPct val="100000"/>
               </a:lnSpc>
               <a:spcBef>
                 <a:spcPts val="1001"/>
               </a:spcBef>
+              <a:buFont typeface="Wingdings" panose="05000000000000000000" pitchFamily="2" charset="2"/>
+              <a:buChar char="q"/>
             </a:pPr>
             <a:r>
-              <a:rPr lang="fr-FR" sz="2800" b="0" strike="noStrike" spc="-1">
+              <a:rPr lang="fr-FR" sz="2800" b="0" strike="noStrike" spc="-1" dirty="0">
                 <a:solidFill>
                   <a:srgbClr val="000000"/>
                 </a:solidFill>
@@ -6781,16 +6895,18 @@
             </a:r>
           </a:p>
           <a:p>
-            <a:pPr>
+            <a:pPr marL="457200" indent="-457200">
               <a:lnSpc>
                 <a:spcPct val="100000"/>
               </a:lnSpc>
               <a:spcBef>
                 <a:spcPts val="1001"/>
               </a:spcBef>
+              <a:buFont typeface="Wingdings" panose="05000000000000000000" pitchFamily="2" charset="2"/>
+              <a:buChar char="q"/>
             </a:pPr>
             <a:r>
-              <a:rPr lang="fr-FR" sz="2800" b="0" strike="noStrike" spc="-1">
+              <a:rPr lang="fr-FR" sz="2800" b="0" strike="noStrike" spc="-1" dirty="0">
                 <a:solidFill>
                   <a:srgbClr val="000000"/>
                 </a:solidFill>
@@ -6800,16 +6916,18 @@
             </a:r>
           </a:p>
           <a:p>
-            <a:pPr>
+            <a:pPr marL="457200" indent="-457200">
               <a:lnSpc>
                 <a:spcPct val="100000"/>
               </a:lnSpc>
               <a:spcBef>
                 <a:spcPts val="1001"/>
               </a:spcBef>
+              <a:buFont typeface="Wingdings" panose="05000000000000000000" pitchFamily="2" charset="2"/>
+              <a:buChar char="q"/>
             </a:pPr>
             <a:r>
-              <a:rPr lang="fr-FR" sz="2800" b="0" strike="noStrike" spc="-1">
+              <a:rPr lang="fr-FR" sz="2800" b="0" strike="noStrike" spc="-1" dirty="0">
                 <a:solidFill>
                   <a:srgbClr val="000000"/>
                 </a:solidFill>
@@ -6819,16 +6937,18 @@
             </a:r>
           </a:p>
           <a:p>
-            <a:pPr>
+            <a:pPr marL="457200" indent="-457200">
               <a:lnSpc>
                 <a:spcPct val="100000"/>
               </a:lnSpc>
               <a:spcBef>
                 <a:spcPts val="1001"/>
               </a:spcBef>
+              <a:buFont typeface="Wingdings" panose="05000000000000000000" pitchFamily="2" charset="2"/>
+              <a:buChar char="q"/>
             </a:pPr>
             <a:r>
-              <a:rPr lang="fr-FR" sz="2800" b="0" strike="noStrike" spc="-1">
+              <a:rPr lang="fr-FR" sz="2800" b="0" strike="noStrike" spc="-1" dirty="0">
                 <a:solidFill>
                   <a:srgbClr val="000000"/>
                 </a:solidFill>
@@ -6838,7 +6958,7 @@
             </a:r>
           </a:p>
           <a:p>
-            <a:pPr marL="228600" indent="-228240">
+            <a:pPr marL="457560" indent="-457200">
               <a:lnSpc>
                 <a:spcPct val="100000"/>
               </a:lnSpc>
@@ -6848,11 +6968,11 @@
               <a:buClr>
                 <a:srgbClr val="000000"/>
               </a:buClr>
-              <a:buFont typeface="Arial"/>
-              <a:buChar char="-"/>
+              <a:buFont typeface="Wingdings" panose="05000000000000000000" pitchFamily="2" charset="2"/>
+              <a:buChar char="q"/>
             </a:pPr>
             <a:r>
-              <a:rPr lang="fr-FR" sz="2800" b="0" strike="noStrike" spc="-1">
+              <a:rPr lang="fr-FR" sz="2800" b="0" strike="noStrike" spc="-1" dirty="0">
                 <a:solidFill>
                   <a:srgbClr val="000000"/>
                 </a:solidFill>
@@ -6892,7 +7012,7 @@
     <a:masterClrMapping/>
   </p:clrMapOvr>
   <p:transition spd="slow">
-    <p:wipe/>
+    <p:cover/>
   </p:transition>
   <p:timing>
     <p:tnLst>
@@ -7062,15 +7182,15 @@
               </a:lnSpc>
             </a:pPr>
             <a:r>
-              <a:rPr lang="fr-FR" sz="4400" b="1" strike="noStrike" spc="-1">
+              <a:rPr lang="fr-FR" sz="4400" b="1" strike="noStrike" spc="-1" dirty="0">
                 <a:solidFill>
                   <a:srgbClr val="000000"/>
                 </a:solidFill>
                 <a:latin typeface="Calibri Light"/>
               </a:rPr>
-              <a:t>Prévisions pour l’it-2</a:t>
+              <a:t>Prévisions pour l’ITE 2</a:t>
             </a:r>
-            <a:endParaRPr lang="fr-FR" sz="4400" b="0" strike="noStrike" spc="-1">
+            <a:endParaRPr lang="fr-FR" sz="4400" b="0" strike="noStrike" spc="-1" dirty="0">
               <a:latin typeface="Arial"/>
             </a:endParaRPr>
           </a:p>
@@ -7178,13 +7298,13 @@
           <a:bodyPr lIns="90000" tIns="45000" rIns="90000" bIns="45000"/>
           <a:lstStyle/>
           <a:p>
-            <a:pPr marL="216000" indent="-216000">
+            <a:pPr marL="742950" indent="-742950">
               <a:buClr>
                 <a:srgbClr val="000000"/>
               </a:buClr>
               <a:buSzPct val="45000"/>
-              <a:buFont typeface="Wingdings" charset="2"/>
-              <a:buChar char=""/>
+              <a:buFont typeface="Wingdings" panose="05000000000000000000" pitchFamily="2" charset="2"/>
+              <a:buChar char="q"/>
             </a:pPr>
             <a:r>
               <a:rPr lang="fr-FR" sz="4400" b="0" strike="noStrike" spc="-1" dirty="0">
@@ -7203,13 +7323,13 @@
             </a:endParaRPr>
           </a:p>
           <a:p>
-            <a:pPr marL="216000" indent="-216000">
+            <a:pPr marL="742950" indent="-742950">
               <a:buClr>
                 <a:srgbClr val="000000"/>
               </a:buClr>
               <a:buSzPct val="45000"/>
-              <a:buFont typeface="Wingdings" charset="2"/>
-              <a:buChar char=""/>
+              <a:buFont typeface="Wingdings" panose="05000000000000000000" pitchFamily="2" charset="2"/>
+              <a:buChar char="q"/>
             </a:pPr>
             <a:r>
               <a:rPr lang="fr-FR" sz="4400" b="0" strike="noStrike" spc="-1" dirty="0">
@@ -7219,13 +7339,13 @@
             </a:r>
           </a:p>
           <a:p>
-            <a:pPr marL="216000" indent="-216000">
+            <a:pPr marL="742950" indent="-742950">
               <a:buClr>
                 <a:srgbClr val="000000"/>
               </a:buClr>
               <a:buSzPct val="45000"/>
-              <a:buFont typeface="Wingdings" charset="2"/>
-              <a:buChar char=""/>
+              <a:buFont typeface="Wingdings" panose="05000000000000000000" pitchFamily="2" charset="2"/>
+              <a:buChar char="q"/>
             </a:pPr>
             <a:r>
               <a:rPr lang="fr-FR" sz="4400" b="0" strike="noStrike" spc="-1" dirty="0">
@@ -7242,7 +7362,7 @@
     <a:masterClrMapping/>
   </p:clrMapOvr>
   <p:transition spd="slow">
-    <p:wipe/>
+    <p:cover/>
   </p:transition>
   <p:timing>
     <p:tnLst>
